--- a/Zwischenpräsentation.pptx
+++ b/Zwischenpräsentation.pptx
@@ -7489,6 +7489,14 @@
 <file path=ppt/slides/slide2.xml><?xml version="1.0" encoding="utf-8"?>
 <p:sld xmlns:a="http://schemas.openxmlformats.org/drawingml/2006/main" xmlns:r="http://schemas.openxmlformats.org/officeDocument/2006/relationships" xmlns:p="http://schemas.openxmlformats.org/presentationml/2006/main">
   <p:cSld>
+    <p:bg>
+      <p:bgPr>
+        <a:solidFill>
+          <a:schemeClr val="bg1"/>
+        </a:solidFill>
+        <a:effectLst/>
+      </p:bgPr>
+    </p:bg>
     <p:spTree>
       <p:nvGrpSpPr>
         <p:cNvPr id="1" name=""/>
@@ -7503,6 +7511,66 @@
           <a:chExt cx="0" cy="0"/>
         </a:xfrm>
       </p:grpSpPr>
+      <p:sp useBgFill="1">
+        <p:nvSpPr>
+          <p:cNvPr id="8" name="Rectangle 7">
+            <a:extLst>
+              <a:ext uri="{FF2B5EF4-FFF2-40B4-BE49-F238E27FC236}">
+                <a16:creationId xmlns:a16="http://schemas.microsoft.com/office/drawing/2014/main" id="{777A147A-9ED8-46B4-8660-1B3C2AA880B5}"/>
+              </a:ext>
+              <a:ext uri="{C183D7F6-B498-43B3-948B-1728B52AA6E4}">
+                <adec:decorative xmlns:adec="http://schemas.microsoft.com/office/drawing/2017/decorative" val="1"/>
+              </a:ext>
+            </a:extLst>
+          </p:cNvPr>
+          <p:cNvSpPr>
+            <a:spLocks noGrp="1" noRot="1" noChangeAspect="1" noMove="1" noResize="1" noEditPoints="1" noAdjustHandles="1" noChangeArrowheads="1" noChangeShapeType="1" noTextEdit="1"/>
+          </p:cNvSpPr>
+          <p:nvPr>
+            <p:extLst>
+              <p:ext uri="{386F3935-93C4-4BCD-93E2-E3B085C9AB24}">
+                <p16:designElem xmlns:p16="http://schemas.microsoft.com/office/powerpoint/2015/main" val="1"/>
+              </p:ext>
+            </p:extLst>
+          </p:nvPr>
+        </p:nvSpPr>
+        <p:spPr>
+          <a:xfrm>
+            <a:off x="0" y="0"/>
+            <a:ext cx="12188952" cy="6858000"/>
+          </a:xfrm>
+          <a:prstGeom prst="rect">
+            <a:avLst/>
+          </a:prstGeom>
+          <a:ln>
+            <a:noFill/>
+          </a:ln>
+        </p:spPr>
+        <p:style>
+          <a:lnRef idx="2">
+            <a:schemeClr val="accent1">
+              <a:shade val="50000"/>
+            </a:schemeClr>
+          </a:lnRef>
+          <a:fillRef idx="1">
+            <a:schemeClr val="accent1"/>
+          </a:fillRef>
+          <a:effectRef idx="0">
+            <a:schemeClr val="accent1"/>
+          </a:effectRef>
+          <a:fontRef idx="minor">
+            <a:schemeClr val="lt1"/>
+          </a:fontRef>
+        </p:style>
+        <p:txBody>
+          <a:bodyPr rtlCol="0" anchor="ctr"/>
+          <a:lstStyle/>
+          <a:p>
+            <a:pPr algn="ctr"/>
+            <a:endParaRPr lang="en-US"/>
+          </a:p>
+        </p:txBody>
+      </p:sp>
       <p:sp>
         <p:nvSpPr>
           <p:cNvPr id="2" name="Titel 1">
@@ -7519,15 +7587,365 @@
             <p:ph type="title"/>
           </p:nvPr>
         </p:nvSpPr>
-        <p:spPr/>
+        <p:spPr>
+          <a:xfrm>
+            <a:off x="841248" y="548640"/>
+            <a:ext cx="3419540" cy="5431536"/>
+          </a:xfrm>
+        </p:spPr>
         <p:txBody>
-          <a:bodyPr/>
+          <a:bodyPr>
+            <a:normAutofit/>
+          </a:bodyPr>
           <a:lstStyle/>
           <a:p>
             <a:r>
-              <a:rPr lang="de-DE" dirty="0"/>
+              <a:rPr lang="de-DE" sz="6000"/>
               <a:t>Stand</a:t>
             </a:r>
+          </a:p>
+        </p:txBody>
+      </p:sp>
+      <p:sp>
+        <p:nvSpPr>
+          <p:cNvPr id="10" name="Rectangle 6">
+            <a:extLst>
+              <a:ext uri="{FF2B5EF4-FFF2-40B4-BE49-F238E27FC236}">
+                <a16:creationId xmlns:a16="http://schemas.microsoft.com/office/drawing/2014/main" id="{5D6C15A0-C087-4593-8414-2B4EC1CDC3DE}"/>
+              </a:ext>
+              <a:ext uri="{C183D7F6-B498-43B3-948B-1728B52AA6E4}">
+                <adec:decorative xmlns:adec="http://schemas.microsoft.com/office/drawing/2017/decorative" val="1"/>
+              </a:ext>
+            </a:extLst>
+          </p:cNvPr>
+          <p:cNvSpPr>
+            <a:spLocks noGrp="1" noRot="1" noChangeAspect="1" noMove="1" noResize="1" noEditPoints="1" noAdjustHandles="1" noChangeArrowheads="1" noChangeShapeType="1" noTextEdit="1"/>
+          </p:cNvSpPr>
+          <p:nvPr>
+            <p:extLst>
+              <p:ext uri="{386F3935-93C4-4BCD-93E2-E3B085C9AB24}">
+                <p16:designElem xmlns:p16="http://schemas.microsoft.com/office/powerpoint/2015/main" val="1"/>
+              </p:ext>
+            </p:extLst>
+          </p:nvPr>
+        </p:nvSpPr>
+        <p:spPr>
+          <a:xfrm rot="5400000">
+            <a:off x="2539411" y="3254143"/>
+            <a:ext cx="4480560" cy="27432"/>
+          </a:xfrm>
+          <a:custGeom>
+            <a:avLst/>
+            <a:gdLst>
+              <a:gd name="connsiteX0" fmla="*/ 0 w 4480560"/>
+              <a:gd name="connsiteY0" fmla="*/ 0 h 27432"/>
+              <a:gd name="connsiteX1" fmla="*/ 595274 w 4480560"/>
+              <a:gd name="connsiteY1" fmla="*/ 0 h 27432"/>
+              <a:gd name="connsiteX2" fmla="*/ 1100938 w 4480560"/>
+              <a:gd name="connsiteY2" fmla="*/ 0 h 27432"/>
+              <a:gd name="connsiteX3" fmla="*/ 1651406 w 4480560"/>
+              <a:gd name="connsiteY3" fmla="*/ 0 h 27432"/>
+              <a:gd name="connsiteX4" fmla="*/ 2336292 w 4480560"/>
+              <a:gd name="connsiteY4" fmla="*/ 0 h 27432"/>
+              <a:gd name="connsiteX5" fmla="*/ 2931566 w 4480560"/>
+              <a:gd name="connsiteY5" fmla="*/ 0 h 27432"/>
+              <a:gd name="connsiteX6" fmla="*/ 3482035 w 4480560"/>
+              <a:gd name="connsiteY6" fmla="*/ 0 h 27432"/>
+              <a:gd name="connsiteX7" fmla="*/ 4480560 w 4480560"/>
+              <a:gd name="connsiteY7" fmla="*/ 0 h 27432"/>
+              <a:gd name="connsiteX8" fmla="*/ 4480560 w 4480560"/>
+              <a:gd name="connsiteY8" fmla="*/ 27432 h 27432"/>
+              <a:gd name="connsiteX9" fmla="*/ 3840480 w 4480560"/>
+              <a:gd name="connsiteY9" fmla="*/ 27432 h 27432"/>
+              <a:gd name="connsiteX10" fmla="*/ 3290011 w 4480560"/>
+              <a:gd name="connsiteY10" fmla="*/ 27432 h 27432"/>
+              <a:gd name="connsiteX11" fmla="*/ 2560320 w 4480560"/>
+              <a:gd name="connsiteY11" fmla="*/ 27432 h 27432"/>
+              <a:gd name="connsiteX12" fmla="*/ 1965046 w 4480560"/>
+              <a:gd name="connsiteY12" fmla="*/ 27432 h 27432"/>
+              <a:gd name="connsiteX13" fmla="*/ 1459382 w 4480560"/>
+              <a:gd name="connsiteY13" fmla="*/ 27432 h 27432"/>
+              <a:gd name="connsiteX14" fmla="*/ 774497 w 4480560"/>
+              <a:gd name="connsiteY14" fmla="*/ 27432 h 27432"/>
+              <a:gd name="connsiteX15" fmla="*/ 0 w 4480560"/>
+              <a:gd name="connsiteY15" fmla="*/ 27432 h 27432"/>
+              <a:gd name="connsiteX16" fmla="*/ 0 w 4480560"/>
+              <a:gd name="connsiteY16" fmla="*/ 0 h 27432"/>
+            </a:gdLst>
+            <a:ahLst/>
+            <a:cxnLst>
+              <a:cxn ang="0">
+                <a:pos x="connsiteX0" y="connsiteY0"/>
+              </a:cxn>
+              <a:cxn ang="0">
+                <a:pos x="connsiteX1" y="connsiteY1"/>
+              </a:cxn>
+              <a:cxn ang="0">
+                <a:pos x="connsiteX2" y="connsiteY2"/>
+              </a:cxn>
+              <a:cxn ang="0">
+                <a:pos x="connsiteX3" y="connsiteY3"/>
+              </a:cxn>
+              <a:cxn ang="0">
+                <a:pos x="connsiteX4" y="connsiteY4"/>
+              </a:cxn>
+              <a:cxn ang="0">
+                <a:pos x="connsiteX5" y="connsiteY5"/>
+              </a:cxn>
+              <a:cxn ang="0">
+                <a:pos x="connsiteX6" y="connsiteY6"/>
+              </a:cxn>
+              <a:cxn ang="0">
+                <a:pos x="connsiteX7" y="connsiteY7"/>
+              </a:cxn>
+              <a:cxn ang="0">
+                <a:pos x="connsiteX8" y="connsiteY8"/>
+              </a:cxn>
+              <a:cxn ang="0">
+                <a:pos x="connsiteX9" y="connsiteY9"/>
+              </a:cxn>
+              <a:cxn ang="0">
+                <a:pos x="connsiteX10" y="connsiteY10"/>
+              </a:cxn>
+              <a:cxn ang="0">
+                <a:pos x="connsiteX11" y="connsiteY11"/>
+              </a:cxn>
+              <a:cxn ang="0">
+                <a:pos x="connsiteX12" y="connsiteY12"/>
+              </a:cxn>
+              <a:cxn ang="0">
+                <a:pos x="connsiteX13" y="connsiteY13"/>
+              </a:cxn>
+              <a:cxn ang="0">
+                <a:pos x="connsiteX14" y="connsiteY14"/>
+              </a:cxn>
+              <a:cxn ang="0">
+                <a:pos x="connsiteX15" y="connsiteY15"/>
+              </a:cxn>
+              <a:cxn ang="0">
+                <a:pos x="connsiteX16" y="connsiteY16"/>
+              </a:cxn>
+            </a:cxnLst>
+            <a:rect l="l" t="t" r="r" b="b"/>
+            <a:pathLst>
+              <a:path w="4480560" h="27432" fill="none" extrusionOk="0">
+                <a:moveTo>
+                  <a:pt x="0" y="0"/>
+                </a:moveTo>
+                <a:cubicBezTo>
+                  <a:pt x="267821" y="8731"/>
+                  <a:pt x="334105" y="2629"/>
+                  <a:pt x="595274" y="0"/>
+                </a:cubicBezTo>
+                <a:cubicBezTo>
+                  <a:pt x="856443" y="-2629"/>
+                  <a:pt x="863808" y="-13353"/>
+                  <a:pt x="1100938" y="0"/>
+                </a:cubicBezTo>
+                <a:cubicBezTo>
+                  <a:pt x="1338068" y="13353"/>
+                  <a:pt x="1431663" y="-25862"/>
+                  <a:pt x="1651406" y="0"/>
+                </a:cubicBezTo>
+                <a:cubicBezTo>
+                  <a:pt x="1871149" y="25862"/>
+                  <a:pt x="2173163" y="23827"/>
+                  <a:pt x="2336292" y="0"/>
+                </a:cubicBezTo>
+                <a:cubicBezTo>
+                  <a:pt x="2499421" y="-23827"/>
+                  <a:pt x="2720589" y="28148"/>
+                  <a:pt x="2931566" y="0"/>
+                </a:cubicBezTo>
+                <a:cubicBezTo>
+                  <a:pt x="3142543" y="-28148"/>
+                  <a:pt x="3323630" y="27022"/>
+                  <a:pt x="3482035" y="0"/>
+                </a:cubicBezTo>
+                <a:cubicBezTo>
+                  <a:pt x="3640440" y="-27022"/>
+                  <a:pt x="4012110" y="-20118"/>
+                  <a:pt x="4480560" y="0"/>
+                </a:cubicBezTo>
+                <a:cubicBezTo>
+                  <a:pt x="4479587" y="8304"/>
+                  <a:pt x="4480082" y="21512"/>
+                  <a:pt x="4480560" y="27432"/>
+                </a:cubicBezTo>
+                <a:cubicBezTo>
+                  <a:pt x="4314132" y="24068"/>
+                  <a:pt x="4028383" y="45776"/>
+                  <a:pt x="3840480" y="27432"/>
+                </a:cubicBezTo>
+                <a:cubicBezTo>
+                  <a:pt x="3652577" y="9088"/>
+                  <a:pt x="3547615" y="11992"/>
+                  <a:pt x="3290011" y="27432"/>
+                </a:cubicBezTo>
+                <a:cubicBezTo>
+                  <a:pt x="3032407" y="42872"/>
+                  <a:pt x="2830268" y="17863"/>
+                  <a:pt x="2560320" y="27432"/>
+                </a:cubicBezTo>
+                <a:cubicBezTo>
+                  <a:pt x="2290372" y="37001"/>
+                  <a:pt x="2147422" y="15872"/>
+                  <a:pt x="1965046" y="27432"/>
+                </a:cubicBezTo>
+                <a:cubicBezTo>
+                  <a:pt x="1782670" y="38992"/>
+                  <a:pt x="1689791" y="49824"/>
+                  <a:pt x="1459382" y="27432"/>
+                </a:cubicBezTo>
+                <a:cubicBezTo>
+                  <a:pt x="1228973" y="5040"/>
+                  <a:pt x="915486" y="45645"/>
+                  <a:pt x="774497" y="27432"/>
+                </a:cubicBezTo>
+                <a:cubicBezTo>
+                  <a:pt x="633508" y="9219"/>
+                  <a:pt x="361442" y="-1963"/>
+                  <a:pt x="0" y="27432"/>
+                </a:cubicBezTo>
+                <a:cubicBezTo>
+                  <a:pt x="-1048" y="14992"/>
+                  <a:pt x="-1120" y="7447"/>
+                  <a:pt x="0" y="0"/>
+                </a:cubicBezTo>
+                <a:close/>
+              </a:path>
+              <a:path w="4480560" h="27432" stroke="0" extrusionOk="0">
+                <a:moveTo>
+                  <a:pt x="0" y="0"/>
+                </a:moveTo>
+                <a:cubicBezTo>
+                  <a:pt x="285465" y="225"/>
+                  <a:pt x="322691" y="16223"/>
+                  <a:pt x="595274" y="0"/>
+                </a:cubicBezTo>
+                <a:cubicBezTo>
+                  <a:pt x="867857" y="-16223"/>
+                  <a:pt x="989129" y="-11242"/>
+                  <a:pt x="1100938" y="0"/>
+                </a:cubicBezTo>
+                <a:cubicBezTo>
+                  <a:pt x="1212747" y="11242"/>
+                  <a:pt x="1574350" y="-36410"/>
+                  <a:pt x="1830629" y="0"/>
+                </a:cubicBezTo>
+                <a:cubicBezTo>
+                  <a:pt x="2086908" y="36410"/>
+                  <a:pt x="2180922" y="4645"/>
+                  <a:pt x="2425903" y="0"/>
+                </a:cubicBezTo>
+                <a:cubicBezTo>
+                  <a:pt x="2670884" y="-4645"/>
+                  <a:pt x="2782024" y="22929"/>
+                  <a:pt x="3021178" y="0"/>
+                </a:cubicBezTo>
+                <a:cubicBezTo>
+                  <a:pt x="3260332" y="-22929"/>
+                  <a:pt x="3456982" y="-1586"/>
+                  <a:pt x="3750869" y="0"/>
+                </a:cubicBezTo>
+                <a:cubicBezTo>
+                  <a:pt x="4044756" y="1586"/>
+                  <a:pt x="4302726" y="17043"/>
+                  <a:pt x="4480560" y="0"/>
+                </a:cubicBezTo>
+                <a:cubicBezTo>
+                  <a:pt x="4481045" y="9333"/>
+                  <a:pt x="4481838" y="19699"/>
+                  <a:pt x="4480560" y="27432"/>
+                </a:cubicBezTo>
+                <a:cubicBezTo>
+                  <a:pt x="4279652" y="2294"/>
+                  <a:pt x="4200762" y="50710"/>
+                  <a:pt x="3930091" y="27432"/>
+                </a:cubicBezTo>
+                <a:cubicBezTo>
+                  <a:pt x="3659420" y="4154"/>
+                  <a:pt x="3456052" y="31438"/>
+                  <a:pt x="3290011" y="27432"/>
+                </a:cubicBezTo>
+                <a:cubicBezTo>
+                  <a:pt x="3123970" y="23426"/>
+                  <a:pt x="2882392" y="41962"/>
+                  <a:pt x="2649931" y="27432"/>
+                </a:cubicBezTo>
+                <a:cubicBezTo>
+                  <a:pt x="2417470" y="12902"/>
+                  <a:pt x="2238426" y="16481"/>
+                  <a:pt x="2054657" y="27432"/>
+                </a:cubicBezTo>
+                <a:cubicBezTo>
+                  <a:pt x="1870888" y="38383"/>
+                  <a:pt x="1566368" y="54184"/>
+                  <a:pt x="1324966" y="27432"/>
+                </a:cubicBezTo>
+                <a:cubicBezTo>
+                  <a:pt x="1083564" y="680"/>
+                  <a:pt x="787410" y="20090"/>
+                  <a:pt x="595274" y="27432"/>
+                </a:cubicBezTo>
+                <a:cubicBezTo>
+                  <a:pt x="403138" y="34774"/>
+                  <a:pt x="169622" y="19643"/>
+                  <a:pt x="0" y="27432"/>
+                </a:cubicBezTo>
+                <a:cubicBezTo>
+                  <a:pt x="211" y="18145"/>
+                  <a:pt x="120" y="6480"/>
+                  <a:pt x="0" y="0"/>
+                </a:cubicBezTo>
+                <a:close/>
+              </a:path>
+            </a:pathLst>
+          </a:custGeom>
+          <a:solidFill>
+            <a:schemeClr val="accent1"/>
+          </a:solidFill>
+          <a:ln w="41275" cap="rnd">
+            <a:solidFill>
+              <a:schemeClr val="accent1"/>
+            </a:solidFill>
+            <a:round/>
+            <a:extLst>
+              <a:ext uri="{C807C97D-BFC1-408E-A445-0C87EB9F89A2}">
+                <ask:lineSketchStyleProps xmlns:ask="http://schemas.microsoft.com/office/drawing/2018/sketchyshapes" sd="1219033472">
+                  <a:prstGeom prst="rect">
+                    <a:avLst/>
+                  </a:prstGeom>
+                  <ask:type>
+                    <ask:lineSketchFreehand/>
+                  </ask:type>
+                </ask:lineSketchStyleProps>
+              </a:ext>
+            </a:extLst>
+          </a:ln>
+        </p:spPr>
+        <p:style>
+          <a:lnRef idx="2">
+            <a:schemeClr val="accent1">
+              <a:shade val="50000"/>
+            </a:schemeClr>
+          </a:lnRef>
+          <a:fillRef idx="1">
+            <a:schemeClr val="accent1"/>
+          </a:fillRef>
+          <a:effectRef idx="0">
+            <a:schemeClr val="accent1"/>
+          </a:effectRef>
+          <a:fontRef idx="minor">
+            <a:schemeClr val="lt1"/>
+          </a:fontRef>
+        </p:style>
+        <p:txBody>
+          <a:bodyPr rtlCol="0" anchor="ctr"/>
+          <a:lstStyle/>
+          <a:p>
+            <a:pPr algn="ctr"/>
+            <a:endParaRPr lang="en-US"/>
           </a:p>
         </p:txBody>
       </p:sp>
@@ -7547,9 +7965,16 @@
             <p:ph idx="1"/>
           </p:nvPr>
         </p:nvSpPr>
-        <p:spPr/>
+        <p:spPr>
+          <a:xfrm>
+            <a:off x="5298595" y="552091"/>
+            <a:ext cx="6052158" cy="5431536"/>
+          </a:xfrm>
+        </p:spPr>
         <p:txBody>
-          <a:bodyPr/>
+          <a:bodyPr anchor="ctr">
+            <a:normAutofit/>
+          </a:bodyPr>
           <a:lstStyle/>
           <a:p>
             <a:r>
@@ -7597,6 +8022,14 @@
 <file path=ppt/slides/slide3.xml><?xml version="1.0" encoding="utf-8"?>
 <p:sld xmlns:a="http://schemas.openxmlformats.org/drawingml/2006/main" xmlns:r="http://schemas.openxmlformats.org/officeDocument/2006/relationships" xmlns:p="http://schemas.openxmlformats.org/presentationml/2006/main">
   <p:cSld>
+    <p:bg>
+      <p:bgPr>
+        <a:solidFill>
+          <a:schemeClr val="bg1"/>
+        </a:solidFill>
+        <a:effectLst/>
+      </p:bgPr>
+    </p:bg>
     <p:spTree>
       <p:nvGrpSpPr>
         <p:cNvPr id="1" name=""/>
@@ -7611,6 +8044,66 @@
           <a:chExt cx="0" cy="0"/>
         </a:xfrm>
       </p:grpSpPr>
+      <p:sp useBgFill="1">
+        <p:nvSpPr>
+          <p:cNvPr id="8" name="Rectangle 7">
+            <a:extLst>
+              <a:ext uri="{FF2B5EF4-FFF2-40B4-BE49-F238E27FC236}">
+                <a16:creationId xmlns:a16="http://schemas.microsoft.com/office/drawing/2014/main" id="{777A147A-9ED8-46B4-8660-1B3C2AA880B5}"/>
+              </a:ext>
+              <a:ext uri="{C183D7F6-B498-43B3-948B-1728B52AA6E4}">
+                <adec:decorative xmlns:adec="http://schemas.microsoft.com/office/drawing/2017/decorative" val="1"/>
+              </a:ext>
+            </a:extLst>
+          </p:cNvPr>
+          <p:cNvSpPr>
+            <a:spLocks noGrp="1" noRot="1" noChangeAspect="1" noMove="1" noResize="1" noEditPoints="1" noAdjustHandles="1" noChangeArrowheads="1" noChangeShapeType="1" noTextEdit="1"/>
+          </p:cNvSpPr>
+          <p:nvPr>
+            <p:extLst>
+              <p:ext uri="{386F3935-93C4-4BCD-93E2-E3B085C9AB24}">
+                <p16:designElem xmlns:p16="http://schemas.microsoft.com/office/powerpoint/2015/main" val="1"/>
+              </p:ext>
+            </p:extLst>
+          </p:nvPr>
+        </p:nvSpPr>
+        <p:spPr>
+          <a:xfrm>
+            <a:off x="0" y="0"/>
+            <a:ext cx="12188952" cy="6858000"/>
+          </a:xfrm>
+          <a:prstGeom prst="rect">
+            <a:avLst/>
+          </a:prstGeom>
+          <a:ln>
+            <a:noFill/>
+          </a:ln>
+        </p:spPr>
+        <p:style>
+          <a:lnRef idx="2">
+            <a:schemeClr val="accent1">
+              <a:shade val="50000"/>
+            </a:schemeClr>
+          </a:lnRef>
+          <a:fillRef idx="1">
+            <a:schemeClr val="accent1"/>
+          </a:fillRef>
+          <a:effectRef idx="0">
+            <a:schemeClr val="accent1"/>
+          </a:effectRef>
+          <a:fontRef idx="minor">
+            <a:schemeClr val="lt1"/>
+          </a:fontRef>
+        </p:style>
+        <p:txBody>
+          <a:bodyPr rtlCol="0" anchor="ctr"/>
+          <a:lstStyle/>
+          <a:p>
+            <a:pPr algn="ctr"/>
+            <a:endParaRPr lang="en-US"/>
+          </a:p>
+        </p:txBody>
+      </p:sp>
       <p:sp>
         <p:nvSpPr>
           <p:cNvPr id="2" name="Titel 1">
@@ -7627,15 +8120,365 @@
             <p:ph type="title"/>
           </p:nvPr>
         </p:nvSpPr>
-        <p:spPr/>
+        <p:spPr>
+          <a:xfrm>
+            <a:off x="841248" y="548640"/>
+            <a:ext cx="3419540" cy="5431536"/>
+          </a:xfrm>
+        </p:spPr>
         <p:txBody>
-          <a:bodyPr/>
+          <a:bodyPr>
+            <a:normAutofit/>
+          </a:bodyPr>
           <a:lstStyle/>
           <a:p>
             <a:r>
-              <a:rPr lang="de-DE" dirty="0"/>
+              <a:rPr lang="de-DE" sz="6000"/>
               <a:t>Was wollen wir noch erreichen</a:t>
             </a:r>
+          </a:p>
+        </p:txBody>
+      </p:sp>
+      <p:sp>
+        <p:nvSpPr>
+          <p:cNvPr id="10" name="Rectangle 6">
+            <a:extLst>
+              <a:ext uri="{FF2B5EF4-FFF2-40B4-BE49-F238E27FC236}">
+                <a16:creationId xmlns:a16="http://schemas.microsoft.com/office/drawing/2014/main" id="{5D6C15A0-C087-4593-8414-2B4EC1CDC3DE}"/>
+              </a:ext>
+              <a:ext uri="{C183D7F6-B498-43B3-948B-1728B52AA6E4}">
+                <adec:decorative xmlns:adec="http://schemas.microsoft.com/office/drawing/2017/decorative" val="1"/>
+              </a:ext>
+            </a:extLst>
+          </p:cNvPr>
+          <p:cNvSpPr>
+            <a:spLocks noGrp="1" noRot="1" noChangeAspect="1" noMove="1" noResize="1" noEditPoints="1" noAdjustHandles="1" noChangeArrowheads="1" noChangeShapeType="1" noTextEdit="1"/>
+          </p:cNvSpPr>
+          <p:nvPr>
+            <p:extLst>
+              <p:ext uri="{386F3935-93C4-4BCD-93E2-E3B085C9AB24}">
+                <p16:designElem xmlns:p16="http://schemas.microsoft.com/office/powerpoint/2015/main" val="1"/>
+              </p:ext>
+            </p:extLst>
+          </p:nvPr>
+        </p:nvSpPr>
+        <p:spPr>
+          <a:xfrm rot="5400000">
+            <a:off x="2539411" y="3254143"/>
+            <a:ext cx="4480560" cy="27432"/>
+          </a:xfrm>
+          <a:custGeom>
+            <a:avLst/>
+            <a:gdLst>
+              <a:gd name="connsiteX0" fmla="*/ 0 w 4480560"/>
+              <a:gd name="connsiteY0" fmla="*/ 0 h 27432"/>
+              <a:gd name="connsiteX1" fmla="*/ 595274 w 4480560"/>
+              <a:gd name="connsiteY1" fmla="*/ 0 h 27432"/>
+              <a:gd name="connsiteX2" fmla="*/ 1100938 w 4480560"/>
+              <a:gd name="connsiteY2" fmla="*/ 0 h 27432"/>
+              <a:gd name="connsiteX3" fmla="*/ 1651406 w 4480560"/>
+              <a:gd name="connsiteY3" fmla="*/ 0 h 27432"/>
+              <a:gd name="connsiteX4" fmla="*/ 2336292 w 4480560"/>
+              <a:gd name="connsiteY4" fmla="*/ 0 h 27432"/>
+              <a:gd name="connsiteX5" fmla="*/ 2931566 w 4480560"/>
+              <a:gd name="connsiteY5" fmla="*/ 0 h 27432"/>
+              <a:gd name="connsiteX6" fmla="*/ 3482035 w 4480560"/>
+              <a:gd name="connsiteY6" fmla="*/ 0 h 27432"/>
+              <a:gd name="connsiteX7" fmla="*/ 4480560 w 4480560"/>
+              <a:gd name="connsiteY7" fmla="*/ 0 h 27432"/>
+              <a:gd name="connsiteX8" fmla="*/ 4480560 w 4480560"/>
+              <a:gd name="connsiteY8" fmla="*/ 27432 h 27432"/>
+              <a:gd name="connsiteX9" fmla="*/ 3840480 w 4480560"/>
+              <a:gd name="connsiteY9" fmla="*/ 27432 h 27432"/>
+              <a:gd name="connsiteX10" fmla="*/ 3290011 w 4480560"/>
+              <a:gd name="connsiteY10" fmla="*/ 27432 h 27432"/>
+              <a:gd name="connsiteX11" fmla="*/ 2560320 w 4480560"/>
+              <a:gd name="connsiteY11" fmla="*/ 27432 h 27432"/>
+              <a:gd name="connsiteX12" fmla="*/ 1965046 w 4480560"/>
+              <a:gd name="connsiteY12" fmla="*/ 27432 h 27432"/>
+              <a:gd name="connsiteX13" fmla="*/ 1459382 w 4480560"/>
+              <a:gd name="connsiteY13" fmla="*/ 27432 h 27432"/>
+              <a:gd name="connsiteX14" fmla="*/ 774497 w 4480560"/>
+              <a:gd name="connsiteY14" fmla="*/ 27432 h 27432"/>
+              <a:gd name="connsiteX15" fmla="*/ 0 w 4480560"/>
+              <a:gd name="connsiteY15" fmla="*/ 27432 h 27432"/>
+              <a:gd name="connsiteX16" fmla="*/ 0 w 4480560"/>
+              <a:gd name="connsiteY16" fmla="*/ 0 h 27432"/>
+            </a:gdLst>
+            <a:ahLst/>
+            <a:cxnLst>
+              <a:cxn ang="0">
+                <a:pos x="connsiteX0" y="connsiteY0"/>
+              </a:cxn>
+              <a:cxn ang="0">
+                <a:pos x="connsiteX1" y="connsiteY1"/>
+              </a:cxn>
+              <a:cxn ang="0">
+                <a:pos x="connsiteX2" y="connsiteY2"/>
+              </a:cxn>
+              <a:cxn ang="0">
+                <a:pos x="connsiteX3" y="connsiteY3"/>
+              </a:cxn>
+              <a:cxn ang="0">
+                <a:pos x="connsiteX4" y="connsiteY4"/>
+              </a:cxn>
+              <a:cxn ang="0">
+                <a:pos x="connsiteX5" y="connsiteY5"/>
+              </a:cxn>
+              <a:cxn ang="0">
+                <a:pos x="connsiteX6" y="connsiteY6"/>
+              </a:cxn>
+              <a:cxn ang="0">
+                <a:pos x="connsiteX7" y="connsiteY7"/>
+              </a:cxn>
+              <a:cxn ang="0">
+                <a:pos x="connsiteX8" y="connsiteY8"/>
+              </a:cxn>
+              <a:cxn ang="0">
+                <a:pos x="connsiteX9" y="connsiteY9"/>
+              </a:cxn>
+              <a:cxn ang="0">
+                <a:pos x="connsiteX10" y="connsiteY10"/>
+              </a:cxn>
+              <a:cxn ang="0">
+                <a:pos x="connsiteX11" y="connsiteY11"/>
+              </a:cxn>
+              <a:cxn ang="0">
+                <a:pos x="connsiteX12" y="connsiteY12"/>
+              </a:cxn>
+              <a:cxn ang="0">
+                <a:pos x="connsiteX13" y="connsiteY13"/>
+              </a:cxn>
+              <a:cxn ang="0">
+                <a:pos x="connsiteX14" y="connsiteY14"/>
+              </a:cxn>
+              <a:cxn ang="0">
+                <a:pos x="connsiteX15" y="connsiteY15"/>
+              </a:cxn>
+              <a:cxn ang="0">
+                <a:pos x="connsiteX16" y="connsiteY16"/>
+              </a:cxn>
+            </a:cxnLst>
+            <a:rect l="l" t="t" r="r" b="b"/>
+            <a:pathLst>
+              <a:path w="4480560" h="27432" fill="none" extrusionOk="0">
+                <a:moveTo>
+                  <a:pt x="0" y="0"/>
+                </a:moveTo>
+                <a:cubicBezTo>
+                  <a:pt x="267821" y="8731"/>
+                  <a:pt x="334105" y="2629"/>
+                  <a:pt x="595274" y="0"/>
+                </a:cubicBezTo>
+                <a:cubicBezTo>
+                  <a:pt x="856443" y="-2629"/>
+                  <a:pt x="863808" y="-13353"/>
+                  <a:pt x="1100938" y="0"/>
+                </a:cubicBezTo>
+                <a:cubicBezTo>
+                  <a:pt x="1338068" y="13353"/>
+                  <a:pt x="1431663" y="-25862"/>
+                  <a:pt x="1651406" y="0"/>
+                </a:cubicBezTo>
+                <a:cubicBezTo>
+                  <a:pt x="1871149" y="25862"/>
+                  <a:pt x="2173163" y="23827"/>
+                  <a:pt x="2336292" y="0"/>
+                </a:cubicBezTo>
+                <a:cubicBezTo>
+                  <a:pt x="2499421" y="-23827"/>
+                  <a:pt x="2720589" y="28148"/>
+                  <a:pt x="2931566" y="0"/>
+                </a:cubicBezTo>
+                <a:cubicBezTo>
+                  <a:pt x="3142543" y="-28148"/>
+                  <a:pt x="3323630" y="27022"/>
+                  <a:pt x="3482035" y="0"/>
+                </a:cubicBezTo>
+                <a:cubicBezTo>
+                  <a:pt x="3640440" y="-27022"/>
+                  <a:pt x="4012110" y="-20118"/>
+                  <a:pt x="4480560" y="0"/>
+                </a:cubicBezTo>
+                <a:cubicBezTo>
+                  <a:pt x="4479587" y="8304"/>
+                  <a:pt x="4480082" y="21512"/>
+                  <a:pt x="4480560" y="27432"/>
+                </a:cubicBezTo>
+                <a:cubicBezTo>
+                  <a:pt x="4314132" y="24068"/>
+                  <a:pt x="4028383" y="45776"/>
+                  <a:pt x="3840480" y="27432"/>
+                </a:cubicBezTo>
+                <a:cubicBezTo>
+                  <a:pt x="3652577" y="9088"/>
+                  <a:pt x="3547615" y="11992"/>
+                  <a:pt x="3290011" y="27432"/>
+                </a:cubicBezTo>
+                <a:cubicBezTo>
+                  <a:pt x="3032407" y="42872"/>
+                  <a:pt x="2830268" y="17863"/>
+                  <a:pt x="2560320" y="27432"/>
+                </a:cubicBezTo>
+                <a:cubicBezTo>
+                  <a:pt x="2290372" y="37001"/>
+                  <a:pt x="2147422" y="15872"/>
+                  <a:pt x="1965046" y="27432"/>
+                </a:cubicBezTo>
+                <a:cubicBezTo>
+                  <a:pt x="1782670" y="38992"/>
+                  <a:pt x="1689791" y="49824"/>
+                  <a:pt x="1459382" y="27432"/>
+                </a:cubicBezTo>
+                <a:cubicBezTo>
+                  <a:pt x="1228973" y="5040"/>
+                  <a:pt x="915486" y="45645"/>
+                  <a:pt x="774497" y="27432"/>
+                </a:cubicBezTo>
+                <a:cubicBezTo>
+                  <a:pt x="633508" y="9219"/>
+                  <a:pt x="361442" y="-1963"/>
+                  <a:pt x="0" y="27432"/>
+                </a:cubicBezTo>
+                <a:cubicBezTo>
+                  <a:pt x="-1048" y="14992"/>
+                  <a:pt x="-1120" y="7447"/>
+                  <a:pt x="0" y="0"/>
+                </a:cubicBezTo>
+                <a:close/>
+              </a:path>
+              <a:path w="4480560" h="27432" stroke="0" extrusionOk="0">
+                <a:moveTo>
+                  <a:pt x="0" y="0"/>
+                </a:moveTo>
+                <a:cubicBezTo>
+                  <a:pt x="285465" y="225"/>
+                  <a:pt x="322691" y="16223"/>
+                  <a:pt x="595274" y="0"/>
+                </a:cubicBezTo>
+                <a:cubicBezTo>
+                  <a:pt x="867857" y="-16223"/>
+                  <a:pt x="989129" y="-11242"/>
+                  <a:pt x="1100938" y="0"/>
+                </a:cubicBezTo>
+                <a:cubicBezTo>
+                  <a:pt x="1212747" y="11242"/>
+                  <a:pt x="1574350" y="-36410"/>
+                  <a:pt x="1830629" y="0"/>
+                </a:cubicBezTo>
+                <a:cubicBezTo>
+                  <a:pt x="2086908" y="36410"/>
+                  <a:pt x="2180922" y="4645"/>
+                  <a:pt x="2425903" y="0"/>
+                </a:cubicBezTo>
+                <a:cubicBezTo>
+                  <a:pt x="2670884" y="-4645"/>
+                  <a:pt x="2782024" y="22929"/>
+                  <a:pt x="3021178" y="0"/>
+                </a:cubicBezTo>
+                <a:cubicBezTo>
+                  <a:pt x="3260332" y="-22929"/>
+                  <a:pt x="3456982" y="-1586"/>
+                  <a:pt x="3750869" y="0"/>
+                </a:cubicBezTo>
+                <a:cubicBezTo>
+                  <a:pt x="4044756" y="1586"/>
+                  <a:pt x="4302726" y="17043"/>
+                  <a:pt x="4480560" y="0"/>
+                </a:cubicBezTo>
+                <a:cubicBezTo>
+                  <a:pt x="4481045" y="9333"/>
+                  <a:pt x="4481838" y="19699"/>
+                  <a:pt x="4480560" y="27432"/>
+                </a:cubicBezTo>
+                <a:cubicBezTo>
+                  <a:pt x="4279652" y="2294"/>
+                  <a:pt x="4200762" y="50710"/>
+                  <a:pt x="3930091" y="27432"/>
+                </a:cubicBezTo>
+                <a:cubicBezTo>
+                  <a:pt x="3659420" y="4154"/>
+                  <a:pt x="3456052" y="31438"/>
+                  <a:pt x="3290011" y="27432"/>
+                </a:cubicBezTo>
+                <a:cubicBezTo>
+                  <a:pt x="3123970" y="23426"/>
+                  <a:pt x="2882392" y="41962"/>
+                  <a:pt x="2649931" y="27432"/>
+                </a:cubicBezTo>
+                <a:cubicBezTo>
+                  <a:pt x="2417470" y="12902"/>
+                  <a:pt x="2238426" y="16481"/>
+                  <a:pt x="2054657" y="27432"/>
+                </a:cubicBezTo>
+                <a:cubicBezTo>
+                  <a:pt x="1870888" y="38383"/>
+                  <a:pt x="1566368" y="54184"/>
+                  <a:pt x="1324966" y="27432"/>
+                </a:cubicBezTo>
+                <a:cubicBezTo>
+                  <a:pt x="1083564" y="680"/>
+                  <a:pt x="787410" y="20090"/>
+                  <a:pt x="595274" y="27432"/>
+                </a:cubicBezTo>
+                <a:cubicBezTo>
+                  <a:pt x="403138" y="34774"/>
+                  <a:pt x="169622" y="19643"/>
+                  <a:pt x="0" y="27432"/>
+                </a:cubicBezTo>
+                <a:cubicBezTo>
+                  <a:pt x="211" y="18145"/>
+                  <a:pt x="120" y="6480"/>
+                  <a:pt x="0" y="0"/>
+                </a:cubicBezTo>
+                <a:close/>
+              </a:path>
+            </a:pathLst>
+          </a:custGeom>
+          <a:solidFill>
+            <a:schemeClr val="accent1"/>
+          </a:solidFill>
+          <a:ln w="41275" cap="rnd">
+            <a:solidFill>
+              <a:schemeClr val="accent1"/>
+            </a:solidFill>
+            <a:round/>
+            <a:extLst>
+              <a:ext uri="{C807C97D-BFC1-408E-A445-0C87EB9F89A2}">
+                <ask:lineSketchStyleProps xmlns:ask="http://schemas.microsoft.com/office/drawing/2018/sketchyshapes" sd="1219033472">
+                  <a:prstGeom prst="rect">
+                    <a:avLst/>
+                  </a:prstGeom>
+                  <ask:type>
+                    <ask:lineSketchFreehand/>
+                  </ask:type>
+                </ask:lineSketchStyleProps>
+              </a:ext>
+            </a:extLst>
+          </a:ln>
+        </p:spPr>
+        <p:style>
+          <a:lnRef idx="2">
+            <a:schemeClr val="accent1">
+              <a:shade val="50000"/>
+            </a:schemeClr>
+          </a:lnRef>
+          <a:fillRef idx="1">
+            <a:schemeClr val="accent1"/>
+          </a:fillRef>
+          <a:effectRef idx="0">
+            <a:schemeClr val="accent1"/>
+          </a:effectRef>
+          <a:fontRef idx="minor">
+            <a:schemeClr val="lt1"/>
+          </a:fontRef>
+        </p:style>
+        <p:txBody>
+          <a:bodyPr rtlCol="0" anchor="ctr"/>
+          <a:lstStyle/>
+          <a:p>
+            <a:pPr algn="ctr"/>
+            <a:endParaRPr lang="en-US"/>
           </a:p>
         </p:txBody>
       </p:sp>
@@ -7655,9 +8498,16 @@
             <p:ph idx="1"/>
           </p:nvPr>
         </p:nvSpPr>
-        <p:spPr/>
+        <p:spPr>
+          <a:xfrm>
+            <a:off x="5298595" y="552091"/>
+            <a:ext cx="6052158" cy="5431536"/>
+          </a:xfrm>
+        </p:spPr>
         <p:txBody>
-          <a:bodyPr/>
+          <a:bodyPr anchor="ctr">
+            <a:normAutofit/>
+          </a:bodyPr>
           <a:lstStyle/>
           <a:p>
             <a:r>
@@ -7685,12 +8535,112 @@
   <p:clrMapOvr>
     <a:masterClrMapping/>
   </p:clrMapOvr>
+  <p:timing>
+    <p:tnLst>
+      <p:par>
+        <p:cTn id="1" dur="indefinite" restart="never" nodeType="tmRoot">
+          <p:childTnLst>
+            <p:seq concurrent="1" nextAc="seek">
+              <p:cTn id="2" dur="indefinite" nodeType="mainSeq">
+                <p:childTnLst>
+                  <p:par>
+                    <p:cTn id="3" fill="hold">
+                      <p:stCondLst>
+                        <p:cond delay="indefinite"/>
+                        <p:cond evt="onBegin" delay="0">
+                          <p:tn val="2"/>
+                        </p:cond>
+                      </p:stCondLst>
+                      <p:childTnLst>
+                        <p:par>
+                          <p:cTn id="4" fill="hold">
+                            <p:stCondLst>
+                              <p:cond delay="0"/>
+                            </p:stCondLst>
+                            <p:childTnLst>
+                              <p:par>
+                                <p:cTn id="5" presetID="10" presetClass="entr" presetSubtype="0" fill="hold" grpId="0" nodeType="withEffect">
+                                  <p:stCondLst>
+                                    <p:cond delay="500"/>
+                                  </p:stCondLst>
+                                  <p:iterate type="wd">
+                                    <p:tmPct val="15000"/>
+                                  </p:iterate>
+                                  <p:childTnLst>
+                                    <p:set>
+                                      <p:cBhvr>
+                                        <p:cTn id="6" dur="1" fill="hold">
+                                          <p:stCondLst>
+                                            <p:cond delay="0"/>
+                                          </p:stCondLst>
+                                        </p:cTn>
+                                        <p:tgtEl>
+                                          <p:spTgt spid="2"/>
+                                        </p:tgtEl>
+                                        <p:attrNameLst>
+                                          <p:attrName>style.visibility</p:attrName>
+                                        </p:attrNameLst>
+                                      </p:cBhvr>
+                                      <p:to>
+                                        <p:strVal val="visible"/>
+                                      </p:to>
+                                    </p:set>
+                                    <p:animEffect transition="in" filter="fade">
+                                      <p:cBhvr>
+                                        <p:cTn id="7" dur="1000"/>
+                                        <p:tgtEl>
+                                          <p:spTgt spid="2"/>
+                                        </p:tgtEl>
+                                      </p:cBhvr>
+                                    </p:animEffect>
+                                  </p:childTnLst>
+                                </p:cTn>
+                              </p:par>
+                            </p:childTnLst>
+                          </p:cTn>
+                        </p:par>
+                      </p:childTnLst>
+                    </p:cTn>
+                  </p:par>
+                </p:childTnLst>
+              </p:cTn>
+              <p:prevCondLst>
+                <p:cond evt="onPrev" delay="0">
+                  <p:tgtEl>
+                    <p:sldTgt/>
+                  </p:tgtEl>
+                </p:cond>
+              </p:prevCondLst>
+              <p:nextCondLst>
+                <p:cond evt="onNext" delay="0">
+                  <p:tgtEl>
+                    <p:sldTgt/>
+                  </p:tgtEl>
+                </p:cond>
+              </p:nextCondLst>
+            </p:seq>
+          </p:childTnLst>
+        </p:cTn>
+      </p:par>
+    </p:tnLst>
+    <p:bldLst>
+      <p:bldP spid="2" grpId="0"/>
+    </p:bldLst>
+  </p:timing>
 </p:sld>
 </file>
 
 <file path=ppt/slides/slide4.xml><?xml version="1.0" encoding="utf-8"?>
 <p:sld xmlns:a="http://schemas.openxmlformats.org/drawingml/2006/main" xmlns:r="http://schemas.openxmlformats.org/officeDocument/2006/relationships" xmlns:p="http://schemas.openxmlformats.org/presentationml/2006/main">
   <p:cSld>
+    <p:bg>
+      <p:bgPr>
+        <a:solidFill>
+          <a:schemeClr val="bg1"/>
+        </a:solidFill>
+        <a:effectLst/>
+      </p:bgPr>
+    </p:bg>
     <p:spTree>
       <p:nvGrpSpPr>
         <p:cNvPr id="1" name=""/>
@@ -7705,6 +8655,66 @@
           <a:chExt cx="0" cy="0"/>
         </a:xfrm>
       </p:grpSpPr>
+      <p:sp useBgFill="1">
+        <p:nvSpPr>
+          <p:cNvPr id="8" name="Rectangle 7">
+            <a:extLst>
+              <a:ext uri="{FF2B5EF4-FFF2-40B4-BE49-F238E27FC236}">
+                <a16:creationId xmlns:a16="http://schemas.microsoft.com/office/drawing/2014/main" id="{777A147A-9ED8-46B4-8660-1B3C2AA880B5}"/>
+              </a:ext>
+              <a:ext uri="{C183D7F6-B498-43B3-948B-1728B52AA6E4}">
+                <adec:decorative xmlns:adec="http://schemas.microsoft.com/office/drawing/2017/decorative" val="1"/>
+              </a:ext>
+            </a:extLst>
+          </p:cNvPr>
+          <p:cNvSpPr>
+            <a:spLocks noGrp="1" noRot="1" noChangeAspect="1" noMove="1" noResize="1" noEditPoints="1" noAdjustHandles="1" noChangeArrowheads="1" noChangeShapeType="1" noTextEdit="1"/>
+          </p:cNvSpPr>
+          <p:nvPr>
+            <p:extLst>
+              <p:ext uri="{386F3935-93C4-4BCD-93E2-E3B085C9AB24}">
+                <p16:designElem xmlns:p16="http://schemas.microsoft.com/office/powerpoint/2015/main" val="1"/>
+              </p:ext>
+            </p:extLst>
+          </p:nvPr>
+        </p:nvSpPr>
+        <p:spPr>
+          <a:xfrm>
+            <a:off x="0" y="0"/>
+            <a:ext cx="12188952" cy="6858000"/>
+          </a:xfrm>
+          <a:prstGeom prst="rect">
+            <a:avLst/>
+          </a:prstGeom>
+          <a:ln>
+            <a:noFill/>
+          </a:ln>
+        </p:spPr>
+        <p:style>
+          <a:lnRef idx="2">
+            <a:schemeClr val="accent1">
+              <a:shade val="50000"/>
+            </a:schemeClr>
+          </a:lnRef>
+          <a:fillRef idx="1">
+            <a:schemeClr val="accent1"/>
+          </a:fillRef>
+          <a:effectRef idx="0">
+            <a:schemeClr val="accent1"/>
+          </a:effectRef>
+          <a:fontRef idx="minor">
+            <a:schemeClr val="lt1"/>
+          </a:fontRef>
+        </p:style>
+        <p:txBody>
+          <a:bodyPr rtlCol="0" anchor="ctr"/>
+          <a:lstStyle/>
+          <a:p>
+            <a:pPr algn="ctr"/>
+            <a:endParaRPr lang="en-US"/>
+          </a:p>
+        </p:txBody>
+      </p:sp>
       <p:sp>
         <p:nvSpPr>
           <p:cNvPr id="2" name="Titel 1">
@@ -7721,31 +8731,365 @@
             <p:ph type="title"/>
           </p:nvPr>
         </p:nvSpPr>
-        <p:spPr/>
+        <p:spPr>
+          <a:xfrm>
+            <a:off x="841248" y="548640"/>
+            <a:ext cx="3419540" cy="5431536"/>
+          </a:xfrm>
+        </p:spPr>
         <p:txBody>
-          <a:bodyPr/>
+          <a:bodyPr>
+            <a:normAutofit/>
+          </a:bodyPr>
           <a:lstStyle/>
           <a:p>
             <a:r>
-              <a:rPr lang="de-DE" dirty="0"/>
-              <a:t>Nice-</a:t>
+              <a:rPr lang="de-DE" sz="6000"/>
+              <a:t>Nice-to-have Features</a:t>
             </a:r>
-            <a:r>
-              <a:rPr lang="de-DE" dirty="0" err="1"/>
-              <a:t>to</a:t>
-            </a:r>
-            <a:r>
-              <a:rPr lang="de-DE" dirty="0"/>
-              <a:t>-</a:t>
-            </a:r>
-            <a:r>
-              <a:rPr lang="de-DE" dirty="0" err="1"/>
-              <a:t>have</a:t>
-            </a:r>
-            <a:r>
-              <a:rPr lang="de-DE" dirty="0"/>
-              <a:t> Features</a:t>
-            </a:r>
+          </a:p>
+        </p:txBody>
+      </p:sp>
+      <p:sp>
+        <p:nvSpPr>
+          <p:cNvPr id="10" name="Rectangle 6">
+            <a:extLst>
+              <a:ext uri="{FF2B5EF4-FFF2-40B4-BE49-F238E27FC236}">
+                <a16:creationId xmlns:a16="http://schemas.microsoft.com/office/drawing/2014/main" id="{5D6C15A0-C087-4593-8414-2B4EC1CDC3DE}"/>
+              </a:ext>
+              <a:ext uri="{C183D7F6-B498-43B3-948B-1728B52AA6E4}">
+                <adec:decorative xmlns:adec="http://schemas.microsoft.com/office/drawing/2017/decorative" val="1"/>
+              </a:ext>
+            </a:extLst>
+          </p:cNvPr>
+          <p:cNvSpPr>
+            <a:spLocks noGrp="1" noRot="1" noChangeAspect="1" noMove="1" noResize="1" noEditPoints="1" noAdjustHandles="1" noChangeArrowheads="1" noChangeShapeType="1" noTextEdit="1"/>
+          </p:cNvSpPr>
+          <p:nvPr>
+            <p:extLst>
+              <p:ext uri="{386F3935-93C4-4BCD-93E2-E3B085C9AB24}">
+                <p16:designElem xmlns:p16="http://schemas.microsoft.com/office/powerpoint/2015/main" val="1"/>
+              </p:ext>
+            </p:extLst>
+          </p:nvPr>
+        </p:nvSpPr>
+        <p:spPr>
+          <a:xfrm rot="5400000">
+            <a:off x="2539411" y="3254143"/>
+            <a:ext cx="4480560" cy="27432"/>
+          </a:xfrm>
+          <a:custGeom>
+            <a:avLst/>
+            <a:gdLst>
+              <a:gd name="connsiteX0" fmla="*/ 0 w 4480560"/>
+              <a:gd name="connsiteY0" fmla="*/ 0 h 27432"/>
+              <a:gd name="connsiteX1" fmla="*/ 595274 w 4480560"/>
+              <a:gd name="connsiteY1" fmla="*/ 0 h 27432"/>
+              <a:gd name="connsiteX2" fmla="*/ 1100938 w 4480560"/>
+              <a:gd name="connsiteY2" fmla="*/ 0 h 27432"/>
+              <a:gd name="connsiteX3" fmla="*/ 1651406 w 4480560"/>
+              <a:gd name="connsiteY3" fmla="*/ 0 h 27432"/>
+              <a:gd name="connsiteX4" fmla="*/ 2336292 w 4480560"/>
+              <a:gd name="connsiteY4" fmla="*/ 0 h 27432"/>
+              <a:gd name="connsiteX5" fmla="*/ 2931566 w 4480560"/>
+              <a:gd name="connsiteY5" fmla="*/ 0 h 27432"/>
+              <a:gd name="connsiteX6" fmla="*/ 3482035 w 4480560"/>
+              <a:gd name="connsiteY6" fmla="*/ 0 h 27432"/>
+              <a:gd name="connsiteX7" fmla="*/ 4480560 w 4480560"/>
+              <a:gd name="connsiteY7" fmla="*/ 0 h 27432"/>
+              <a:gd name="connsiteX8" fmla="*/ 4480560 w 4480560"/>
+              <a:gd name="connsiteY8" fmla="*/ 27432 h 27432"/>
+              <a:gd name="connsiteX9" fmla="*/ 3840480 w 4480560"/>
+              <a:gd name="connsiteY9" fmla="*/ 27432 h 27432"/>
+              <a:gd name="connsiteX10" fmla="*/ 3290011 w 4480560"/>
+              <a:gd name="connsiteY10" fmla="*/ 27432 h 27432"/>
+              <a:gd name="connsiteX11" fmla="*/ 2560320 w 4480560"/>
+              <a:gd name="connsiteY11" fmla="*/ 27432 h 27432"/>
+              <a:gd name="connsiteX12" fmla="*/ 1965046 w 4480560"/>
+              <a:gd name="connsiteY12" fmla="*/ 27432 h 27432"/>
+              <a:gd name="connsiteX13" fmla="*/ 1459382 w 4480560"/>
+              <a:gd name="connsiteY13" fmla="*/ 27432 h 27432"/>
+              <a:gd name="connsiteX14" fmla="*/ 774497 w 4480560"/>
+              <a:gd name="connsiteY14" fmla="*/ 27432 h 27432"/>
+              <a:gd name="connsiteX15" fmla="*/ 0 w 4480560"/>
+              <a:gd name="connsiteY15" fmla="*/ 27432 h 27432"/>
+              <a:gd name="connsiteX16" fmla="*/ 0 w 4480560"/>
+              <a:gd name="connsiteY16" fmla="*/ 0 h 27432"/>
+            </a:gdLst>
+            <a:ahLst/>
+            <a:cxnLst>
+              <a:cxn ang="0">
+                <a:pos x="connsiteX0" y="connsiteY0"/>
+              </a:cxn>
+              <a:cxn ang="0">
+                <a:pos x="connsiteX1" y="connsiteY1"/>
+              </a:cxn>
+              <a:cxn ang="0">
+                <a:pos x="connsiteX2" y="connsiteY2"/>
+              </a:cxn>
+              <a:cxn ang="0">
+                <a:pos x="connsiteX3" y="connsiteY3"/>
+              </a:cxn>
+              <a:cxn ang="0">
+                <a:pos x="connsiteX4" y="connsiteY4"/>
+              </a:cxn>
+              <a:cxn ang="0">
+                <a:pos x="connsiteX5" y="connsiteY5"/>
+              </a:cxn>
+              <a:cxn ang="0">
+                <a:pos x="connsiteX6" y="connsiteY6"/>
+              </a:cxn>
+              <a:cxn ang="0">
+                <a:pos x="connsiteX7" y="connsiteY7"/>
+              </a:cxn>
+              <a:cxn ang="0">
+                <a:pos x="connsiteX8" y="connsiteY8"/>
+              </a:cxn>
+              <a:cxn ang="0">
+                <a:pos x="connsiteX9" y="connsiteY9"/>
+              </a:cxn>
+              <a:cxn ang="0">
+                <a:pos x="connsiteX10" y="connsiteY10"/>
+              </a:cxn>
+              <a:cxn ang="0">
+                <a:pos x="connsiteX11" y="connsiteY11"/>
+              </a:cxn>
+              <a:cxn ang="0">
+                <a:pos x="connsiteX12" y="connsiteY12"/>
+              </a:cxn>
+              <a:cxn ang="0">
+                <a:pos x="connsiteX13" y="connsiteY13"/>
+              </a:cxn>
+              <a:cxn ang="0">
+                <a:pos x="connsiteX14" y="connsiteY14"/>
+              </a:cxn>
+              <a:cxn ang="0">
+                <a:pos x="connsiteX15" y="connsiteY15"/>
+              </a:cxn>
+              <a:cxn ang="0">
+                <a:pos x="connsiteX16" y="connsiteY16"/>
+              </a:cxn>
+            </a:cxnLst>
+            <a:rect l="l" t="t" r="r" b="b"/>
+            <a:pathLst>
+              <a:path w="4480560" h="27432" fill="none" extrusionOk="0">
+                <a:moveTo>
+                  <a:pt x="0" y="0"/>
+                </a:moveTo>
+                <a:cubicBezTo>
+                  <a:pt x="267821" y="8731"/>
+                  <a:pt x="334105" y="2629"/>
+                  <a:pt x="595274" y="0"/>
+                </a:cubicBezTo>
+                <a:cubicBezTo>
+                  <a:pt x="856443" y="-2629"/>
+                  <a:pt x="863808" y="-13353"/>
+                  <a:pt x="1100938" y="0"/>
+                </a:cubicBezTo>
+                <a:cubicBezTo>
+                  <a:pt x="1338068" y="13353"/>
+                  <a:pt x="1431663" y="-25862"/>
+                  <a:pt x="1651406" y="0"/>
+                </a:cubicBezTo>
+                <a:cubicBezTo>
+                  <a:pt x="1871149" y="25862"/>
+                  <a:pt x="2173163" y="23827"/>
+                  <a:pt x="2336292" y="0"/>
+                </a:cubicBezTo>
+                <a:cubicBezTo>
+                  <a:pt x="2499421" y="-23827"/>
+                  <a:pt x="2720589" y="28148"/>
+                  <a:pt x="2931566" y="0"/>
+                </a:cubicBezTo>
+                <a:cubicBezTo>
+                  <a:pt x="3142543" y="-28148"/>
+                  <a:pt x="3323630" y="27022"/>
+                  <a:pt x="3482035" y="0"/>
+                </a:cubicBezTo>
+                <a:cubicBezTo>
+                  <a:pt x="3640440" y="-27022"/>
+                  <a:pt x="4012110" y="-20118"/>
+                  <a:pt x="4480560" y="0"/>
+                </a:cubicBezTo>
+                <a:cubicBezTo>
+                  <a:pt x="4479587" y="8304"/>
+                  <a:pt x="4480082" y="21512"/>
+                  <a:pt x="4480560" y="27432"/>
+                </a:cubicBezTo>
+                <a:cubicBezTo>
+                  <a:pt x="4314132" y="24068"/>
+                  <a:pt x="4028383" y="45776"/>
+                  <a:pt x="3840480" y="27432"/>
+                </a:cubicBezTo>
+                <a:cubicBezTo>
+                  <a:pt x="3652577" y="9088"/>
+                  <a:pt x="3547615" y="11992"/>
+                  <a:pt x="3290011" y="27432"/>
+                </a:cubicBezTo>
+                <a:cubicBezTo>
+                  <a:pt x="3032407" y="42872"/>
+                  <a:pt x="2830268" y="17863"/>
+                  <a:pt x="2560320" y="27432"/>
+                </a:cubicBezTo>
+                <a:cubicBezTo>
+                  <a:pt x="2290372" y="37001"/>
+                  <a:pt x="2147422" y="15872"/>
+                  <a:pt x="1965046" y="27432"/>
+                </a:cubicBezTo>
+                <a:cubicBezTo>
+                  <a:pt x="1782670" y="38992"/>
+                  <a:pt x="1689791" y="49824"/>
+                  <a:pt x="1459382" y="27432"/>
+                </a:cubicBezTo>
+                <a:cubicBezTo>
+                  <a:pt x="1228973" y="5040"/>
+                  <a:pt x="915486" y="45645"/>
+                  <a:pt x="774497" y="27432"/>
+                </a:cubicBezTo>
+                <a:cubicBezTo>
+                  <a:pt x="633508" y="9219"/>
+                  <a:pt x="361442" y="-1963"/>
+                  <a:pt x="0" y="27432"/>
+                </a:cubicBezTo>
+                <a:cubicBezTo>
+                  <a:pt x="-1048" y="14992"/>
+                  <a:pt x="-1120" y="7447"/>
+                  <a:pt x="0" y="0"/>
+                </a:cubicBezTo>
+                <a:close/>
+              </a:path>
+              <a:path w="4480560" h="27432" stroke="0" extrusionOk="0">
+                <a:moveTo>
+                  <a:pt x="0" y="0"/>
+                </a:moveTo>
+                <a:cubicBezTo>
+                  <a:pt x="285465" y="225"/>
+                  <a:pt x="322691" y="16223"/>
+                  <a:pt x="595274" y="0"/>
+                </a:cubicBezTo>
+                <a:cubicBezTo>
+                  <a:pt x="867857" y="-16223"/>
+                  <a:pt x="989129" y="-11242"/>
+                  <a:pt x="1100938" y="0"/>
+                </a:cubicBezTo>
+                <a:cubicBezTo>
+                  <a:pt x="1212747" y="11242"/>
+                  <a:pt x="1574350" y="-36410"/>
+                  <a:pt x="1830629" y="0"/>
+                </a:cubicBezTo>
+                <a:cubicBezTo>
+                  <a:pt x="2086908" y="36410"/>
+                  <a:pt x="2180922" y="4645"/>
+                  <a:pt x="2425903" y="0"/>
+                </a:cubicBezTo>
+                <a:cubicBezTo>
+                  <a:pt x="2670884" y="-4645"/>
+                  <a:pt x="2782024" y="22929"/>
+                  <a:pt x="3021178" y="0"/>
+                </a:cubicBezTo>
+                <a:cubicBezTo>
+                  <a:pt x="3260332" y="-22929"/>
+                  <a:pt x="3456982" y="-1586"/>
+                  <a:pt x="3750869" y="0"/>
+                </a:cubicBezTo>
+                <a:cubicBezTo>
+                  <a:pt x="4044756" y="1586"/>
+                  <a:pt x="4302726" y="17043"/>
+                  <a:pt x="4480560" y="0"/>
+                </a:cubicBezTo>
+                <a:cubicBezTo>
+                  <a:pt x="4481045" y="9333"/>
+                  <a:pt x="4481838" y="19699"/>
+                  <a:pt x="4480560" y="27432"/>
+                </a:cubicBezTo>
+                <a:cubicBezTo>
+                  <a:pt x="4279652" y="2294"/>
+                  <a:pt x="4200762" y="50710"/>
+                  <a:pt x="3930091" y="27432"/>
+                </a:cubicBezTo>
+                <a:cubicBezTo>
+                  <a:pt x="3659420" y="4154"/>
+                  <a:pt x="3456052" y="31438"/>
+                  <a:pt x="3290011" y="27432"/>
+                </a:cubicBezTo>
+                <a:cubicBezTo>
+                  <a:pt x="3123970" y="23426"/>
+                  <a:pt x="2882392" y="41962"/>
+                  <a:pt x="2649931" y="27432"/>
+                </a:cubicBezTo>
+                <a:cubicBezTo>
+                  <a:pt x="2417470" y="12902"/>
+                  <a:pt x="2238426" y="16481"/>
+                  <a:pt x="2054657" y="27432"/>
+                </a:cubicBezTo>
+                <a:cubicBezTo>
+                  <a:pt x="1870888" y="38383"/>
+                  <a:pt x="1566368" y="54184"/>
+                  <a:pt x="1324966" y="27432"/>
+                </a:cubicBezTo>
+                <a:cubicBezTo>
+                  <a:pt x="1083564" y="680"/>
+                  <a:pt x="787410" y="20090"/>
+                  <a:pt x="595274" y="27432"/>
+                </a:cubicBezTo>
+                <a:cubicBezTo>
+                  <a:pt x="403138" y="34774"/>
+                  <a:pt x="169622" y="19643"/>
+                  <a:pt x="0" y="27432"/>
+                </a:cubicBezTo>
+                <a:cubicBezTo>
+                  <a:pt x="211" y="18145"/>
+                  <a:pt x="120" y="6480"/>
+                  <a:pt x="0" y="0"/>
+                </a:cubicBezTo>
+                <a:close/>
+              </a:path>
+            </a:pathLst>
+          </a:custGeom>
+          <a:solidFill>
+            <a:schemeClr val="accent1"/>
+          </a:solidFill>
+          <a:ln w="41275" cap="rnd">
+            <a:solidFill>
+              <a:schemeClr val="accent1"/>
+            </a:solidFill>
+            <a:round/>
+            <a:extLst>
+              <a:ext uri="{C807C97D-BFC1-408E-A445-0C87EB9F89A2}">
+                <ask:lineSketchStyleProps xmlns:ask="http://schemas.microsoft.com/office/drawing/2018/sketchyshapes" sd="1219033472">
+                  <a:prstGeom prst="rect">
+                    <a:avLst/>
+                  </a:prstGeom>
+                  <ask:type>
+                    <ask:lineSketchFreehand/>
+                  </ask:type>
+                </ask:lineSketchStyleProps>
+              </a:ext>
+            </a:extLst>
+          </a:ln>
+        </p:spPr>
+        <p:style>
+          <a:lnRef idx="2">
+            <a:schemeClr val="accent1">
+              <a:shade val="50000"/>
+            </a:schemeClr>
+          </a:lnRef>
+          <a:fillRef idx="1">
+            <a:schemeClr val="accent1"/>
+          </a:fillRef>
+          <a:effectRef idx="0">
+            <a:schemeClr val="accent1"/>
+          </a:effectRef>
+          <a:fontRef idx="minor">
+            <a:schemeClr val="lt1"/>
+          </a:fontRef>
+        </p:style>
+        <p:txBody>
+          <a:bodyPr rtlCol="0" anchor="ctr"/>
+          <a:lstStyle/>
+          <a:p>
+            <a:pPr algn="ctr"/>
+            <a:endParaRPr lang="en-US"/>
           </a:p>
         </p:txBody>
       </p:sp>
@@ -7765,9 +9109,16 @@
             <p:ph idx="1"/>
           </p:nvPr>
         </p:nvSpPr>
-        <p:spPr/>
+        <p:spPr>
+          <a:xfrm>
+            <a:off x="5298595" y="552091"/>
+            <a:ext cx="6052158" cy="5431536"/>
+          </a:xfrm>
+        </p:spPr>
         <p:txBody>
-          <a:bodyPr/>
+          <a:bodyPr anchor="ctr">
+            <a:normAutofit/>
+          </a:bodyPr>
           <a:lstStyle/>
           <a:p>
             <a:r>
@@ -7805,6 +9156,14 @@
 <file path=ppt/slides/slide5.xml><?xml version="1.0" encoding="utf-8"?>
 <p:sld xmlns:a="http://schemas.openxmlformats.org/drawingml/2006/main" xmlns:r="http://schemas.openxmlformats.org/officeDocument/2006/relationships" xmlns:p="http://schemas.openxmlformats.org/presentationml/2006/main">
   <p:cSld>
+    <p:bg>
+      <p:bgPr>
+        <a:solidFill>
+          <a:schemeClr val="bg1"/>
+        </a:solidFill>
+        <a:effectLst/>
+      </p:bgPr>
+    </p:bg>
     <p:spTree>
       <p:nvGrpSpPr>
         <p:cNvPr id="1" name=""/>
@@ -7819,6 +9178,66 @@
           <a:chExt cx="0" cy="0"/>
         </a:xfrm>
       </p:grpSpPr>
+      <p:sp useBgFill="1">
+        <p:nvSpPr>
+          <p:cNvPr id="8" name="Rectangle 7">
+            <a:extLst>
+              <a:ext uri="{FF2B5EF4-FFF2-40B4-BE49-F238E27FC236}">
+                <a16:creationId xmlns:a16="http://schemas.microsoft.com/office/drawing/2014/main" id="{777A147A-9ED8-46B4-8660-1B3C2AA880B5}"/>
+              </a:ext>
+              <a:ext uri="{C183D7F6-B498-43B3-948B-1728B52AA6E4}">
+                <adec:decorative xmlns:adec="http://schemas.microsoft.com/office/drawing/2017/decorative" val="1"/>
+              </a:ext>
+            </a:extLst>
+          </p:cNvPr>
+          <p:cNvSpPr>
+            <a:spLocks noGrp="1" noRot="1" noChangeAspect="1" noMove="1" noResize="1" noEditPoints="1" noAdjustHandles="1" noChangeArrowheads="1" noChangeShapeType="1" noTextEdit="1"/>
+          </p:cNvSpPr>
+          <p:nvPr>
+            <p:extLst>
+              <p:ext uri="{386F3935-93C4-4BCD-93E2-E3B085C9AB24}">
+                <p16:designElem xmlns:p16="http://schemas.microsoft.com/office/powerpoint/2015/main" val="1"/>
+              </p:ext>
+            </p:extLst>
+          </p:nvPr>
+        </p:nvSpPr>
+        <p:spPr>
+          <a:xfrm>
+            <a:off x="0" y="0"/>
+            <a:ext cx="12188952" cy="6858000"/>
+          </a:xfrm>
+          <a:prstGeom prst="rect">
+            <a:avLst/>
+          </a:prstGeom>
+          <a:ln>
+            <a:noFill/>
+          </a:ln>
+        </p:spPr>
+        <p:style>
+          <a:lnRef idx="2">
+            <a:schemeClr val="accent1">
+              <a:shade val="50000"/>
+            </a:schemeClr>
+          </a:lnRef>
+          <a:fillRef idx="1">
+            <a:schemeClr val="accent1"/>
+          </a:fillRef>
+          <a:effectRef idx="0">
+            <a:schemeClr val="accent1"/>
+          </a:effectRef>
+          <a:fontRef idx="minor">
+            <a:schemeClr val="lt1"/>
+          </a:fontRef>
+        </p:style>
+        <p:txBody>
+          <a:bodyPr rtlCol="0" anchor="ctr"/>
+          <a:lstStyle/>
+          <a:p>
+            <a:pPr algn="ctr"/>
+            <a:endParaRPr lang="en-US"/>
+          </a:p>
+        </p:txBody>
+      </p:sp>
       <p:sp>
         <p:nvSpPr>
           <p:cNvPr id="2" name="Titel 1">
@@ -7835,23 +9254,365 @@
             <p:ph type="title"/>
           </p:nvPr>
         </p:nvSpPr>
-        <p:spPr/>
+        <p:spPr>
+          <a:xfrm>
+            <a:off x="841248" y="548640"/>
+            <a:ext cx="3419540" cy="5431536"/>
+          </a:xfrm>
+        </p:spPr>
         <p:txBody>
-          <a:bodyPr/>
+          <a:bodyPr>
+            <a:normAutofit/>
+          </a:bodyPr>
           <a:lstStyle/>
           <a:p>
             <a:r>
-              <a:rPr lang="de-DE" dirty="0"/>
-              <a:t>Was für </a:t>
+              <a:rPr lang="de-DE" sz="6000"/>
+              <a:t>Was für Addons / Technologien gibt es bereit?</a:t>
             </a:r>
-            <a:r>
-              <a:rPr lang="de-DE" dirty="0" err="1"/>
-              <a:t>Addons</a:t>
-            </a:r>
-            <a:r>
-              <a:rPr lang="de-DE" dirty="0"/>
-              <a:t> / Technologien gibt es bereit?</a:t>
-            </a:r>
+          </a:p>
+        </p:txBody>
+      </p:sp>
+      <p:sp>
+        <p:nvSpPr>
+          <p:cNvPr id="10" name="Rectangle 6">
+            <a:extLst>
+              <a:ext uri="{FF2B5EF4-FFF2-40B4-BE49-F238E27FC236}">
+                <a16:creationId xmlns:a16="http://schemas.microsoft.com/office/drawing/2014/main" id="{5D6C15A0-C087-4593-8414-2B4EC1CDC3DE}"/>
+              </a:ext>
+              <a:ext uri="{C183D7F6-B498-43B3-948B-1728B52AA6E4}">
+                <adec:decorative xmlns:adec="http://schemas.microsoft.com/office/drawing/2017/decorative" val="1"/>
+              </a:ext>
+            </a:extLst>
+          </p:cNvPr>
+          <p:cNvSpPr>
+            <a:spLocks noGrp="1" noRot="1" noChangeAspect="1" noMove="1" noResize="1" noEditPoints="1" noAdjustHandles="1" noChangeArrowheads="1" noChangeShapeType="1" noTextEdit="1"/>
+          </p:cNvSpPr>
+          <p:nvPr>
+            <p:extLst>
+              <p:ext uri="{386F3935-93C4-4BCD-93E2-E3B085C9AB24}">
+                <p16:designElem xmlns:p16="http://schemas.microsoft.com/office/powerpoint/2015/main" val="1"/>
+              </p:ext>
+            </p:extLst>
+          </p:nvPr>
+        </p:nvSpPr>
+        <p:spPr>
+          <a:xfrm rot="5400000">
+            <a:off x="2539411" y="3254143"/>
+            <a:ext cx="4480560" cy="27432"/>
+          </a:xfrm>
+          <a:custGeom>
+            <a:avLst/>
+            <a:gdLst>
+              <a:gd name="connsiteX0" fmla="*/ 0 w 4480560"/>
+              <a:gd name="connsiteY0" fmla="*/ 0 h 27432"/>
+              <a:gd name="connsiteX1" fmla="*/ 595274 w 4480560"/>
+              <a:gd name="connsiteY1" fmla="*/ 0 h 27432"/>
+              <a:gd name="connsiteX2" fmla="*/ 1100938 w 4480560"/>
+              <a:gd name="connsiteY2" fmla="*/ 0 h 27432"/>
+              <a:gd name="connsiteX3" fmla="*/ 1651406 w 4480560"/>
+              <a:gd name="connsiteY3" fmla="*/ 0 h 27432"/>
+              <a:gd name="connsiteX4" fmla="*/ 2336292 w 4480560"/>
+              <a:gd name="connsiteY4" fmla="*/ 0 h 27432"/>
+              <a:gd name="connsiteX5" fmla="*/ 2931566 w 4480560"/>
+              <a:gd name="connsiteY5" fmla="*/ 0 h 27432"/>
+              <a:gd name="connsiteX6" fmla="*/ 3482035 w 4480560"/>
+              <a:gd name="connsiteY6" fmla="*/ 0 h 27432"/>
+              <a:gd name="connsiteX7" fmla="*/ 4480560 w 4480560"/>
+              <a:gd name="connsiteY7" fmla="*/ 0 h 27432"/>
+              <a:gd name="connsiteX8" fmla="*/ 4480560 w 4480560"/>
+              <a:gd name="connsiteY8" fmla="*/ 27432 h 27432"/>
+              <a:gd name="connsiteX9" fmla="*/ 3840480 w 4480560"/>
+              <a:gd name="connsiteY9" fmla="*/ 27432 h 27432"/>
+              <a:gd name="connsiteX10" fmla="*/ 3290011 w 4480560"/>
+              <a:gd name="connsiteY10" fmla="*/ 27432 h 27432"/>
+              <a:gd name="connsiteX11" fmla="*/ 2560320 w 4480560"/>
+              <a:gd name="connsiteY11" fmla="*/ 27432 h 27432"/>
+              <a:gd name="connsiteX12" fmla="*/ 1965046 w 4480560"/>
+              <a:gd name="connsiteY12" fmla="*/ 27432 h 27432"/>
+              <a:gd name="connsiteX13" fmla="*/ 1459382 w 4480560"/>
+              <a:gd name="connsiteY13" fmla="*/ 27432 h 27432"/>
+              <a:gd name="connsiteX14" fmla="*/ 774497 w 4480560"/>
+              <a:gd name="connsiteY14" fmla="*/ 27432 h 27432"/>
+              <a:gd name="connsiteX15" fmla="*/ 0 w 4480560"/>
+              <a:gd name="connsiteY15" fmla="*/ 27432 h 27432"/>
+              <a:gd name="connsiteX16" fmla="*/ 0 w 4480560"/>
+              <a:gd name="connsiteY16" fmla="*/ 0 h 27432"/>
+            </a:gdLst>
+            <a:ahLst/>
+            <a:cxnLst>
+              <a:cxn ang="0">
+                <a:pos x="connsiteX0" y="connsiteY0"/>
+              </a:cxn>
+              <a:cxn ang="0">
+                <a:pos x="connsiteX1" y="connsiteY1"/>
+              </a:cxn>
+              <a:cxn ang="0">
+                <a:pos x="connsiteX2" y="connsiteY2"/>
+              </a:cxn>
+              <a:cxn ang="0">
+                <a:pos x="connsiteX3" y="connsiteY3"/>
+              </a:cxn>
+              <a:cxn ang="0">
+                <a:pos x="connsiteX4" y="connsiteY4"/>
+              </a:cxn>
+              <a:cxn ang="0">
+                <a:pos x="connsiteX5" y="connsiteY5"/>
+              </a:cxn>
+              <a:cxn ang="0">
+                <a:pos x="connsiteX6" y="connsiteY6"/>
+              </a:cxn>
+              <a:cxn ang="0">
+                <a:pos x="connsiteX7" y="connsiteY7"/>
+              </a:cxn>
+              <a:cxn ang="0">
+                <a:pos x="connsiteX8" y="connsiteY8"/>
+              </a:cxn>
+              <a:cxn ang="0">
+                <a:pos x="connsiteX9" y="connsiteY9"/>
+              </a:cxn>
+              <a:cxn ang="0">
+                <a:pos x="connsiteX10" y="connsiteY10"/>
+              </a:cxn>
+              <a:cxn ang="0">
+                <a:pos x="connsiteX11" y="connsiteY11"/>
+              </a:cxn>
+              <a:cxn ang="0">
+                <a:pos x="connsiteX12" y="connsiteY12"/>
+              </a:cxn>
+              <a:cxn ang="0">
+                <a:pos x="connsiteX13" y="connsiteY13"/>
+              </a:cxn>
+              <a:cxn ang="0">
+                <a:pos x="connsiteX14" y="connsiteY14"/>
+              </a:cxn>
+              <a:cxn ang="0">
+                <a:pos x="connsiteX15" y="connsiteY15"/>
+              </a:cxn>
+              <a:cxn ang="0">
+                <a:pos x="connsiteX16" y="connsiteY16"/>
+              </a:cxn>
+            </a:cxnLst>
+            <a:rect l="l" t="t" r="r" b="b"/>
+            <a:pathLst>
+              <a:path w="4480560" h="27432" fill="none" extrusionOk="0">
+                <a:moveTo>
+                  <a:pt x="0" y="0"/>
+                </a:moveTo>
+                <a:cubicBezTo>
+                  <a:pt x="267821" y="8731"/>
+                  <a:pt x="334105" y="2629"/>
+                  <a:pt x="595274" y="0"/>
+                </a:cubicBezTo>
+                <a:cubicBezTo>
+                  <a:pt x="856443" y="-2629"/>
+                  <a:pt x="863808" y="-13353"/>
+                  <a:pt x="1100938" y="0"/>
+                </a:cubicBezTo>
+                <a:cubicBezTo>
+                  <a:pt x="1338068" y="13353"/>
+                  <a:pt x="1431663" y="-25862"/>
+                  <a:pt x="1651406" y="0"/>
+                </a:cubicBezTo>
+                <a:cubicBezTo>
+                  <a:pt x="1871149" y="25862"/>
+                  <a:pt x="2173163" y="23827"/>
+                  <a:pt x="2336292" y="0"/>
+                </a:cubicBezTo>
+                <a:cubicBezTo>
+                  <a:pt x="2499421" y="-23827"/>
+                  <a:pt x="2720589" y="28148"/>
+                  <a:pt x="2931566" y="0"/>
+                </a:cubicBezTo>
+                <a:cubicBezTo>
+                  <a:pt x="3142543" y="-28148"/>
+                  <a:pt x="3323630" y="27022"/>
+                  <a:pt x="3482035" y="0"/>
+                </a:cubicBezTo>
+                <a:cubicBezTo>
+                  <a:pt x="3640440" y="-27022"/>
+                  <a:pt x="4012110" y="-20118"/>
+                  <a:pt x="4480560" y="0"/>
+                </a:cubicBezTo>
+                <a:cubicBezTo>
+                  <a:pt x="4479587" y="8304"/>
+                  <a:pt x="4480082" y="21512"/>
+                  <a:pt x="4480560" y="27432"/>
+                </a:cubicBezTo>
+                <a:cubicBezTo>
+                  <a:pt x="4314132" y="24068"/>
+                  <a:pt x="4028383" y="45776"/>
+                  <a:pt x="3840480" y="27432"/>
+                </a:cubicBezTo>
+                <a:cubicBezTo>
+                  <a:pt x="3652577" y="9088"/>
+                  <a:pt x="3547615" y="11992"/>
+                  <a:pt x="3290011" y="27432"/>
+                </a:cubicBezTo>
+                <a:cubicBezTo>
+                  <a:pt x="3032407" y="42872"/>
+                  <a:pt x="2830268" y="17863"/>
+                  <a:pt x="2560320" y="27432"/>
+                </a:cubicBezTo>
+                <a:cubicBezTo>
+                  <a:pt x="2290372" y="37001"/>
+                  <a:pt x="2147422" y="15872"/>
+                  <a:pt x="1965046" y="27432"/>
+                </a:cubicBezTo>
+                <a:cubicBezTo>
+                  <a:pt x="1782670" y="38992"/>
+                  <a:pt x="1689791" y="49824"/>
+                  <a:pt x="1459382" y="27432"/>
+                </a:cubicBezTo>
+                <a:cubicBezTo>
+                  <a:pt x="1228973" y="5040"/>
+                  <a:pt x="915486" y="45645"/>
+                  <a:pt x="774497" y="27432"/>
+                </a:cubicBezTo>
+                <a:cubicBezTo>
+                  <a:pt x="633508" y="9219"/>
+                  <a:pt x="361442" y="-1963"/>
+                  <a:pt x="0" y="27432"/>
+                </a:cubicBezTo>
+                <a:cubicBezTo>
+                  <a:pt x="-1048" y="14992"/>
+                  <a:pt x="-1120" y="7447"/>
+                  <a:pt x="0" y="0"/>
+                </a:cubicBezTo>
+                <a:close/>
+              </a:path>
+              <a:path w="4480560" h="27432" stroke="0" extrusionOk="0">
+                <a:moveTo>
+                  <a:pt x="0" y="0"/>
+                </a:moveTo>
+                <a:cubicBezTo>
+                  <a:pt x="285465" y="225"/>
+                  <a:pt x="322691" y="16223"/>
+                  <a:pt x="595274" y="0"/>
+                </a:cubicBezTo>
+                <a:cubicBezTo>
+                  <a:pt x="867857" y="-16223"/>
+                  <a:pt x="989129" y="-11242"/>
+                  <a:pt x="1100938" y="0"/>
+                </a:cubicBezTo>
+                <a:cubicBezTo>
+                  <a:pt x="1212747" y="11242"/>
+                  <a:pt x="1574350" y="-36410"/>
+                  <a:pt x="1830629" y="0"/>
+                </a:cubicBezTo>
+                <a:cubicBezTo>
+                  <a:pt x="2086908" y="36410"/>
+                  <a:pt x="2180922" y="4645"/>
+                  <a:pt x="2425903" y="0"/>
+                </a:cubicBezTo>
+                <a:cubicBezTo>
+                  <a:pt x="2670884" y="-4645"/>
+                  <a:pt x="2782024" y="22929"/>
+                  <a:pt x="3021178" y="0"/>
+                </a:cubicBezTo>
+                <a:cubicBezTo>
+                  <a:pt x="3260332" y="-22929"/>
+                  <a:pt x="3456982" y="-1586"/>
+                  <a:pt x="3750869" y="0"/>
+                </a:cubicBezTo>
+                <a:cubicBezTo>
+                  <a:pt x="4044756" y="1586"/>
+                  <a:pt x="4302726" y="17043"/>
+                  <a:pt x="4480560" y="0"/>
+                </a:cubicBezTo>
+                <a:cubicBezTo>
+                  <a:pt x="4481045" y="9333"/>
+                  <a:pt x="4481838" y="19699"/>
+                  <a:pt x="4480560" y="27432"/>
+                </a:cubicBezTo>
+                <a:cubicBezTo>
+                  <a:pt x="4279652" y="2294"/>
+                  <a:pt x="4200762" y="50710"/>
+                  <a:pt x="3930091" y="27432"/>
+                </a:cubicBezTo>
+                <a:cubicBezTo>
+                  <a:pt x="3659420" y="4154"/>
+                  <a:pt x="3456052" y="31438"/>
+                  <a:pt x="3290011" y="27432"/>
+                </a:cubicBezTo>
+                <a:cubicBezTo>
+                  <a:pt x="3123970" y="23426"/>
+                  <a:pt x="2882392" y="41962"/>
+                  <a:pt x="2649931" y="27432"/>
+                </a:cubicBezTo>
+                <a:cubicBezTo>
+                  <a:pt x="2417470" y="12902"/>
+                  <a:pt x="2238426" y="16481"/>
+                  <a:pt x="2054657" y="27432"/>
+                </a:cubicBezTo>
+                <a:cubicBezTo>
+                  <a:pt x="1870888" y="38383"/>
+                  <a:pt x="1566368" y="54184"/>
+                  <a:pt x="1324966" y="27432"/>
+                </a:cubicBezTo>
+                <a:cubicBezTo>
+                  <a:pt x="1083564" y="680"/>
+                  <a:pt x="787410" y="20090"/>
+                  <a:pt x="595274" y="27432"/>
+                </a:cubicBezTo>
+                <a:cubicBezTo>
+                  <a:pt x="403138" y="34774"/>
+                  <a:pt x="169622" y="19643"/>
+                  <a:pt x="0" y="27432"/>
+                </a:cubicBezTo>
+                <a:cubicBezTo>
+                  <a:pt x="211" y="18145"/>
+                  <a:pt x="120" y="6480"/>
+                  <a:pt x="0" y="0"/>
+                </a:cubicBezTo>
+                <a:close/>
+              </a:path>
+            </a:pathLst>
+          </a:custGeom>
+          <a:solidFill>
+            <a:schemeClr val="accent1"/>
+          </a:solidFill>
+          <a:ln w="41275" cap="rnd">
+            <a:solidFill>
+              <a:schemeClr val="accent1"/>
+            </a:solidFill>
+            <a:round/>
+            <a:extLst>
+              <a:ext uri="{C807C97D-BFC1-408E-A445-0C87EB9F89A2}">
+                <ask:lineSketchStyleProps xmlns:ask="http://schemas.microsoft.com/office/drawing/2018/sketchyshapes" sd="1219033472">
+                  <a:prstGeom prst="rect">
+                    <a:avLst/>
+                  </a:prstGeom>
+                  <ask:type>
+                    <ask:lineSketchFreehand/>
+                  </ask:type>
+                </ask:lineSketchStyleProps>
+              </a:ext>
+            </a:extLst>
+          </a:ln>
+        </p:spPr>
+        <p:style>
+          <a:lnRef idx="2">
+            <a:schemeClr val="accent1">
+              <a:shade val="50000"/>
+            </a:schemeClr>
+          </a:lnRef>
+          <a:fillRef idx="1">
+            <a:schemeClr val="accent1"/>
+          </a:fillRef>
+          <a:effectRef idx="0">
+            <a:schemeClr val="accent1"/>
+          </a:effectRef>
+          <a:fontRef idx="minor">
+            <a:schemeClr val="lt1"/>
+          </a:fontRef>
+        </p:style>
+        <p:txBody>
+          <a:bodyPr rtlCol="0" anchor="ctr"/>
+          <a:lstStyle/>
+          <a:p>
+            <a:pPr algn="ctr"/>
+            <a:endParaRPr lang="en-US"/>
           </a:p>
         </p:txBody>
       </p:sp>
@@ -7871,9 +9632,16 @@
             <p:ph idx="1"/>
           </p:nvPr>
         </p:nvSpPr>
-        <p:spPr/>
+        <p:spPr>
+          <a:xfrm>
+            <a:off x="5298595" y="552091"/>
+            <a:ext cx="6052158" cy="5431536"/>
+          </a:xfrm>
+        </p:spPr>
         <p:txBody>
-          <a:bodyPr/>
+          <a:bodyPr anchor="ctr">
+            <a:normAutofit/>
+          </a:bodyPr>
           <a:lstStyle/>
           <a:p>
             <a:r>
@@ -7901,12 +9669,112 @@
   <p:clrMapOvr>
     <a:masterClrMapping/>
   </p:clrMapOvr>
+  <p:timing>
+    <p:tnLst>
+      <p:par>
+        <p:cTn id="1" dur="indefinite" restart="never" nodeType="tmRoot">
+          <p:childTnLst>
+            <p:seq concurrent="1" nextAc="seek">
+              <p:cTn id="2" dur="indefinite" nodeType="mainSeq">
+                <p:childTnLst>
+                  <p:par>
+                    <p:cTn id="3" fill="hold">
+                      <p:stCondLst>
+                        <p:cond delay="indefinite"/>
+                        <p:cond evt="onBegin" delay="0">
+                          <p:tn val="2"/>
+                        </p:cond>
+                      </p:stCondLst>
+                      <p:childTnLst>
+                        <p:par>
+                          <p:cTn id="4" fill="hold">
+                            <p:stCondLst>
+                              <p:cond delay="0"/>
+                            </p:stCondLst>
+                            <p:childTnLst>
+                              <p:par>
+                                <p:cTn id="5" presetID="10" presetClass="entr" presetSubtype="0" fill="hold" grpId="0" nodeType="withEffect">
+                                  <p:stCondLst>
+                                    <p:cond delay="500"/>
+                                  </p:stCondLst>
+                                  <p:iterate type="lt">
+                                    <p:tmPct val="10000"/>
+                                  </p:iterate>
+                                  <p:childTnLst>
+                                    <p:set>
+                                      <p:cBhvr>
+                                        <p:cTn id="6" dur="1" fill="hold">
+                                          <p:stCondLst>
+                                            <p:cond delay="0"/>
+                                          </p:stCondLst>
+                                        </p:cTn>
+                                        <p:tgtEl>
+                                          <p:spTgt spid="2"/>
+                                        </p:tgtEl>
+                                        <p:attrNameLst>
+                                          <p:attrName>style.visibility</p:attrName>
+                                        </p:attrNameLst>
+                                      </p:cBhvr>
+                                      <p:to>
+                                        <p:strVal val="visible"/>
+                                      </p:to>
+                                    </p:set>
+                                    <p:animEffect transition="in" filter="fade">
+                                      <p:cBhvr>
+                                        <p:cTn id="7" dur="400"/>
+                                        <p:tgtEl>
+                                          <p:spTgt spid="2"/>
+                                        </p:tgtEl>
+                                      </p:cBhvr>
+                                    </p:animEffect>
+                                  </p:childTnLst>
+                                </p:cTn>
+                              </p:par>
+                            </p:childTnLst>
+                          </p:cTn>
+                        </p:par>
+                      </p:childTnLst>
+                    </p:cTn>
+                  </p:par>
+                </p:childTnLst>
+              </p:cTn>
+              <p:prevCondLst>
+                <p:cond evt="onPrev" delay="0">
+                  <p:tgtEl>
+                    <p:sldTgt/>
+                  </p:tgtEl>
+                </p:cond>
+              </p:prevCondLst>
+              <p:nextCondLst>
+                <p:cond evt="onNext" delay="0">
+                  <p:tgtEl>
+                    <p:sldTgt/>
+                  </p:tgtEl>
+                </p:cond>
+              </p:nextCondLst>
+            </p:seq>
+          </p:childTnLst>
+        </p:cTn>
+      </p:par>
+    </p:tnLst>
+    <p:bldLst>
+      <p:bldP spid="2" grpId="0"/>
+    </p:bldLst>
+  </p:timing>
 </p:sld>
 </file>
 
 <file path=ppt/slides/slide6.xml><?xml version="1.0" encoding="utf-8"?>
 <p:sld xmlns:a="http://schemas.openxmlformats.org/drawingml/2006/main" xmlns:r="http://schemas.openxmlformats.org/officeDocument/2006/relationships" xmlns:p="http://schemas.openxmlformats.org/presentationml/2006/main">
   <p:cSld>
+    <p:bg>
+      <p:bgPr>
+        <a:solidFill>
+          <a:schemeClr val="bg1"/>
+        </a:solidFill>
+        <a:effectLst/>
+      </p:bgPr>
+    </p:bg>
     <p:spTree>
       <p:nvGrpSpPr>
         <p:cNvPr id="1" name=""/>
@@ -7921,6 +9789,66 @@
           <a:chExt cx="0" cy="0"/>
         </a:xfrm>
       </p:grpSpPr>
+      <p:sp useBgFill="1">
+        <p:nvSpPr>
+          <p:cNvPr id="8" name="Rectangle 7">
+            <a:extLst>
+              <a:ext uri="{FF2B5EF4-FFF2-40B4-BE49-F238E27FC236}">
+                <a16:creationId xmlns:a16="http://schemas.microsoft.com/office/drawing/2014/main" id="{777A147A-9ED8-46B4-8660-1B3C2AA880B5}"/>
+              </a:ext>
+              <a:ext uri="{C183D7F6-B498-43B3-948B-1728B52AA6E4}">
+                <adec:decorative xmlns:adec="http://schemas.microsoft.com/office/drawing/2017/decorative" val="1"/>
+              </a:ext>
+            </a:extLst>
+          </p:cNvPr>
+          <p:cNvSpPr>
+            <a:spLocks noGrp="1" noRot="1" noChangeAspect="1" noMove="1" noResize="1" noEditPoints="1" noAdjustHandles="1" noChangeArrowheads="1" noChangeShapeType="1" noTextEdit="1"/>
+          </p:cNvSpPr>
+          <p:nvPr>
+            <p:extLst>
+              <p:ext uri="{386F3935-93C4-4BCD-93E2-E3B085C9AB24}">
+                <p16:designElem xmlns:p16="http://schemas.microsoft.com/office/powerpoint/2015/main" val="1"/>
+              </p:ext>
+            </p:extLst>
+          </p:nvPr>
+        </p:nvSpPr>
+        <p:spPr>
+          <a:xfrm>
+            <a:off x="0" y="0"/>
+            <a:ext cx="12188952" cy="6858000"/>
+          </a:xfrm>
+          <a:prstGeom prst="rect">
+            <a:avLst/>
+          </a:prstGeom>
+          <a:ln>
+            <a:noFill/>
+          </a:ln>
+        </p:spPr>
+        <p:style>
+          <a:lnRef idx="2">
+            <a:schemeClr val="accent1">
+              <a:shade val="50000"/>
+            </a:schemeClr>
+          </a:lnRef>
+          <a:fillRef idx="1">
+            <a:schemeClr val="accent1"/>
+          </a:fillRef>
+          <a:effectRef idx="0">
+            <a:schemeClr val="accent1"/>
+          </a:effectRef>
+          <a:fontRef idx="minor">
+            <a:schemeClr val="lt1"/>
+          </a:fontRef>
+        </p:style>
+        <p:txBody>
+          <a:bodyPr rtlCol="0" anchor="ctr"/>
+          <a:lstStyle/>
+          <a:p>
+            <a:pPr algn="ctr"/>
+            <a:endParaRPr lang="en-US"/>
+          </a:p>
+        </p:txBody>
+      </p:sp>
       <p:sp>
         <p:nvSpPr>
           <p:cNvPr id="2" name="Titel 1">
@@ -7937,15 +9865,365 @@
             <p:ph type="title"/>
           </p:nvPr>
         </p:nvSpPr>
-        <p:spPr/>
+        <p:spPr>
+          <a:xfrm>
+            <a:off x="841248" y="548640"/>
+            <a:ext cx="3419540" cy="5431536"/>
+          </a:xfrm>
+        </p:spPr>
         <p:txBody>
-          <a:bodyPr/>
+          <a:bodyPr>
+            <a:normAutofit/>
+          </a:bodyPr>
           <a:lstStyle/>
           <a:p>
             <a:r>
-              <a:rPr lang="de-DE" dirty="0"/>
+              <a:rPr lang="de-DE" sz="5600"/>
               <a:t>Schwierigkeiten bei der Entwicklung</a:t>
             </a:r>
+          </a:p>
+        </p:txBody>
+      </p:sp>
+      <p:sp>
+        <p:nvSpPr>
+          <p:cNvPr id="10" name="Rectangle 6">
+            <a:extLst>
+              <a:ext uri="{FF2B5EF4-FFF2-40B4-BE49-F238E27FC236}">
+                <a16:creationId xmlns:a16="http://schemas.microsoft.com/office/drawing/2014/main" id="{5D6C15A0-C087-4593-8414-2B4EC1CDC3DE}"/>
+              </a:ext>
+              <a:ext uri="{C183D7F6-B498-43B3-948B-1728B52AA6E4}">
+                <adec:decorative xmlns:adec="http://schemas.microsoft.com/office/drawing/2017/decorative" val="1"/>
+              </a:ext>
+            </a:extLst>
+          </p:cNvPr>
+          <p:cNvSpPr>
+            <a:spLocks noGrp="1" noRot="1" noChangeAspect="1" noMove="1" noResize="1" noEditPoints="1" noAdjustHandles="1" noChangeArrowheads="1" noChangeShapeType="1" noTextEdit="1"/>
+          </p:cNvSpPr>
+          <p:nvPr>
+            <p:extLst>
+              <p:ext uri="{386F3935-93C4-4BCD-93E2-E3B085C9AB24}">
+                <p16:designElem xmlns:p16="http://schemas.microsoft.com/office/powerpoint/2015/main" val="1"/>
+              </p:ext>
+            </p:extLst>
+          </p:nvPr>
+        </p:nvSpPr>
+        <p:spPr>
+          <a:xfrm rot="5400000">
+            <a:off x="2539411" y="3254143"/>
+            <a:ext cx="4480560" cy="27432"/>
+          </a:xfrm>
+          <a:custGeom>
+            <a:avLst/>
+            <a:gdLst>
+              <a:gd name="connsiteX0" fmla="*/ 0 w 4480560"/>
+              <a:gd name="connsiteY0" fmla="*/ 0 h 27432"/>
+              <a:gd name="connsiteX1" fmla="*/ 595274 w 4480560"/>
+              <a:gd name="connsiteY1" fmla="*/ 0 h 27432"/>
+              <a:gd name="connsiteX2" fmla="*/ 1100938 w 4480560"/>
+              <a:gd name="connsiteY2" fmla="*/ 0 h 27432"/>
+              <a:gd name="connsiteX3" fmla="*/ 1651406 w 4480560"/>
+              <a:gd name="connsiteY3" fmla="*/ 0 h 27432"/>
+              <a:gd name="connsiteX4" fmla="*/ 2336292 w 4480560"/>
+              <a:gd name="connsiteY4" fmla="*/ 0 h 27432"/>
+              <a:gd name="connsiteX5" fmla="*/ 2931566 w 4480560"/>
+              <a:gd name="connsiteY5" fmla="*/ 0 h 27432"/>
+              <a:gd name="connsiteX6" fmla="*/ 3482035 w 4480560"/>
+              <a:gd name="connsiteY6" fmla="*/ 0 h 27432"/>
+              <a:gd name="connsiteX7" fmla="*/ 4480560 w 4480560"/>
+              <a:gd name="connsiteY7" fmla="*/ 0 h 27432"/>
+              <a:gd name="connsiteX8" fmla="*/ 4480560 w 4480560"/>
+              <a:gd name="connsiteY8" fmla="*/ 27432 h 27432"/>
+              <a:gd name="connsiteX9" fmla="*/ 3840480 w 4480560"/>
+              <a:gd name="connsiteY9" fmla="*/ 27432 h 27432"/>
+              <a:gd name="connsiteX10" fmla="*/ 3290011 w 4480560"/>
+              <a:gd name="connsiteY10" fmla="*/ 27432 h 27432"/>
+              <a:gd name="connsiteX11" fmla="*/ 2560320 w 4480560"/>
+              <a:gd name="connsiteY11" fmla="*/ 27432 h 27432"/>
+              <a:gd name="connsiteX12" fmla="*/ 1965046 w 4480560"/>
+              <a:gd name="connsiteY12" fmla="*/ 27432 h 27432"/>
+              <a:gd name="connsiteX13" fmla="*/ 1459382 w 4480560"/>
+              <a:gd name="connsiteY13" fmla="*/ 27432 h 27432"/>
+              <a:gd name="connsiteX14" fmla="*/ 774497 w 4480560"/>
+              <a:gd name="connsiteY14" fmla="*/ 27432 h 27432"/>
+              <a:gd name="connsiteX15" fmla="*/ 0 w 4480560"/>
+              <a:gd name="connsiteY15" fmla="*/ 27432 h 27432"/>
+              <a:gd name="connsiteX16" fmla="*/ 0 w 4480560"/>
+              <a:gd name="connsiteY16" fmla="*/ 0 h 27432"/>
+            </a:gdLst>
+            <a:ahLst/>
+            <a:cxnLst>
+              <a:cxn ang="0">
+                <a:pos x="connsiteX0" y="connsiteY0"/>
+              </a:cxn>
+              <a:cxn ang="0">
+                <a:pos x="connsiteX1" y="connsiteY1"/>
+              </a:cxn>
+              <a:cxn ang="0">
+                <a:pos x="connsiteX2" y="connsiteY2"/>
+              </a:cxn>
+              <a:cxn ang="0">
+                <a:pos x="connsiteX3" y="connsiteY3"/>
+              </a:cxn>
+              <a:cxn ang="0">
+                <a:pos x="connsiteX4" y="connsiteY4"/>
+              </a:cxn>
+              <a:cxn ang="0">
+                <a:pos x="connsiteX5" y="connsiteY5"/>
+              </a:cxn>
+              <a:cxn ang="0">
+                <a:pos x="connsiteX6" y="connsiteY6"/>
+              </a:cxn>
+              <a:cxn ang="0">
+                <a:pos x="connsiteX7" y="connsiteY7"/>
+              </a:cxn>
+              <a:cxn ang="0">
+                <a:pos x="connsiteX8" y="connsiteY8"/>
+              </a:cxn>
+              <a:cxn ang="0">
+                <a:pos x="connsiteX9" y="connsiteY9"/>
+              </a:cxn>
+              <a:cxn ang="0">
+                <a:pos x="connsiteX10" y="connsiteY10"/>
+              </a:cxn>
+              <a:cxn ang="0">
+                <a:pos x="connsiteX11" y="connsiteY11"/>
+              </a:cxn>
+              <a:cxn ang="0">
+                <a:pos x="connsiteX12" y="connsiteY12"/>
+              </a:cxn>
+              <a:cxn ang="0">
+                <a:pos x="connsiteX13" y="connsiteY13"/>
+              </a:cxn>
+              <a:cxn ang="0">
+                <a:pos x="connsiteX14" y="connsiteY14"/>
+              </a:cxn>
+              <a:cxn ang="0">
+                <a:pos x="connsiteX15" y="connsiteY15"/>
+              </a:cxn>
+              <a:cxn ang="0">
+                <a:pos x="connsiteX16" y="connsiteY16"/>
+              </a:cxn>
+            </a:cxnLst>
+            <a:rect l="l" t="t" r="r" b="b"/>
+            <a:pathLst>
+              <a:path w="4480560" h="27432" fill="none" extrusionOk="0">
+                <a:moveTo>
+                  <a:pt x="0" y="0"/>
+                </a:moveTo>
+                <a:cubicBezTo>
+                  <a:pt x="267821" y="8731"/>
+                  <a:pt x="334105" y="2629"/>
+                  <a:pt x="595274" y="0"/>
+                </a:cubicBezTo>
+                <a:cubicBezTo>
+                  <a:pt x="856443" y="-2629"/>
+                  <a:pt x="863808" y="-13353"/>
+                  <a:pt x="1100938" y="0"/>
+                </a:cubicBezTo>
+                <a:cubicBezTo>
+                  <a:pt x="1338068" y="13353"/>
+                  <a:pt x="1431663" y="-25862"/>
+                  <a:pt x="1651406" y="0"/>
+                </a:cubicBezTo>
+                <a:cubicBezTo>
+                  <a:pt x="1871149" y="25862"/>
+                  <a:pt x="2173163" y="23827"/>
+                  <a:pt x="2336292" y="0"/>
+                </a:cubicBezTo>
+                <a:cubicBezTo>
+                  <a:pt x="2499421" y="-23827"/>
+                  <a:pt x="2720589" y="28148"/>
+                  <a:pt x="2931566" y="0"/>
+                </a:cubicBezTo>
+                <a:cubicBezTo>
+                  <a:pt x="3142543" y="-28148"/>
+                  <a:pt x="3323630" y="27022"/>
+                  <a:pt x="3482035" y="0"/>
+                </a:cubicBezTo>
+                <a:cubicBezTo>
+                  <a:pt x="3640440" y="-27022"/>
+                  <a:pt x="4012110" y="-20118"/>
+                  <a:pt x="4480560" y="0"/>
+                </a:cubicBezTo>
+                <a:cubicBezTo>
+                  <a:pt x="4479587" y="8304"/>
+                  <a:pt x="4480082" y="21512"/>
+                  <a:pt x="4480560" y="27432"/>
+                </a:cubicBezTo>
+                <a:cubicBezTo>
+                  <a:pt x="4314132" y="24068"/>
+                  <a:pt x="4028383" y="45776"/>
+                  <a:pt x="3840480" y="27432"/>
+                </a:cubicBezTo>
+                <a:cubicBezTo>
+                  <a:pt x="3652577" y="9088"/>
+                  <a:pt x="3547615" y="11992"/>
+                  <a:pt x="3290011" y="27432"/>
+                </a:cubicBezTo>
+                <a:cubicBezTo>
+                  <a:pt x="3032407" y="42872"/>
+                  <a:pt x="2830268" y="17863"/>
+                  <a:pt x="2560320" y="27432"/>
+                </a:cubicBezTo>
+                <a:cubicBezTo>
+                  <a:pt x="2290372" y="37001"/>
+                  <a:pt x="2147422" y="15872"/>
+                  <a:pt x="1965046" y="27432"/>
+                </a:cubicBezTo>
+                <a:cubicBezTo>
+                  <a:pt x="1782670" y="38992"/>
+                  <a:pt x="1689791" y="49824"/>
+                  <a:pt x="1459382" y="27432"/>
+                </a:cubicBezTo>
+                <a:cubicBezTo>
+                  <a:pt x="1228973" y="5040"/>
+                  <a:pt x="915486" y="45645"/>
+                  <a:pt x="774497" y="27432"/>
+                </a:cubicBezTo>
+                <a:cubicBezTo>
+                  <a:pt x="633508" y="9219"/>
+                  <a:pt x="361442" y="-1963"/>
+                  <a:pt x="0" y="27432"/>
+                </a:cubicBezTo>
+                <a:cubicBezTo>
+                  <a:pt x="-1048" y="14992"/>
+                  <a:pt x="-1120" y="7447"/>
+                  <a:pt x="0" y="0"/>
+                </a:cubicBezTo>
+                <a:close/>
+              </a:path>
+              <a:path w="4480560" h="27432" stroke="0" extrusionOk="0">
+                <a:moveTo>
+                  <a:pt x="0" y="0"/>
+                </a:moveTo>
+                <a:cubicBezTo>
+                  <a:pt x="285465" y="225"/>
+                  <a:pt x="322691" y="16223"/>
+                  <a:pt x="595274" y="0"/>
+                </a:cubicBezTo>
+                <a:cubicBezTo>
+                  <a:pt x="867857" y="-16223"/>
+                  <a:pt x="989129" y="-11242"/>
+                  <a:pt x="1100938" y="0"/>
+                </a:cubicBezTo>
+                <a:cubicBezTo>
+                  <a:pt x="1212747" y="11242"/>
+                  <a:pt x="1574350" y="-36410"/>
+                  <a:pt x="1830629" y="0"/>
+                </a:cubicBezTo>
+                <a:cubicBezTo>
+                  <a:pt x="2086908" y="36410"/>
+                  <a:pt x="2180922" y="4645"/>
+                  <a:pt x="2425903" y="0"/>
+                </a:cubicBezTo>
+                <a:cubicBezTo>
+                  <a:pt x="2670884" y="-4645"/>
+                  <a:pt x="2782024" y="22929"/>
+                  <a:pt x="3021178" y="0"/>
+                </a:cubicBezTo>
+                <a:cubicBezTo>
+                  <a:pt x="3260332" y="-22929"/>
+                  <a:pt x="3456982" y="-1586"/>
+                  <a:pt x="3750869" y="0"/>
+                </a:cubicBezTo>
+                <a:cubicBezTo>
+                  <a:pt x="4044756" y="1586"/>
+                  <a:pt x="4302726" y="17043"/>
+                  <a:pt x="4480560" y="0"/>
+                </a:cubicBezTo>
+                <a:cubicBezTo>
+                  <a:pt x="4481045" y="9333"/>
+                  <a:pt x="4481838" y="19699"/>
+                  <a:pt x="4480560" y="27432"/>
+                </a:cubicBezTo>
+                <a:cubicBezTo>
+                  <a:pt x="4279652" y="2294"/>
+                  <a:pt x="4200762" y="50710"/>
+                  <a:pt x="3930091" y="27432"/>
+                </a:cubicBezTo>
+                <a:cubicBezTo>
+                  <a:pt x="3659420" y="4154"/>
+                  <a:pt x="3456052" y="31438"/>
+                  <a:pt x="3290011" y="27432"/>
+                </a:cubicBezTo>
+                <a:cubicBezTo>
+                  <a:pt x="3123970" y="23426"/>
+                  <a:pt x="2882392" y="41962"/>
+                  <a:pt x="2649931" y="27432"/>
+                </a:cubicBezTo>
+                <a:cubicBezTo>
+                  <a:pt x="2417470" y="12902"/>
+                  <a:pt x="2238426" y="16481"/>
+                  <a:pt x="2054657" y="27432"/>
+                </a:cubicBezTo>
+                <a:cubicBezTo>
+                  <a:pt x="1870888" y="38383"/>
+                  <a:pt x="1566368" y="54184"/>
+                  <a:pt x="1324966" y="27432"/>
+                </a:cubicBezTo>
+                <a:cubicBezTo>
+                  <a:pt x="1083564" y="680"/>
+                  <a:pt x="787410" y="20090"/>
+                  <a:pt x="595274" y="27432"/>
+                </a:cubicBezTo>
+                <a:cubicBezTo>
+                  <a:pt x="403138" y="34774"/>
+                  <a:pt x="169622" y="19643"/>
+                  <a:pt x="0" y="27432"/>
+                </a:cubicBezTo>
+                <a:cubicBezTo>
+                  <a:pt x="211" y="18145"/>
+                  <a:pt x="120" y="6480"/>
+                  <a:pt x="0" y="0"/>
+                </a:cubicBezTo>
+                <a:close/>
+              </a:path>
+            </a:pathLst>
+          </a:custGeom>
+          <a:solidFill>
+            <a:schemeClr val="accent1"/>
+          </a:solidFill>
+          <a:ln w="41275" cap="rnd">
+            <a:solidFill>
+              <a:schemeClr val="accent1"/>
+            </a:solidFill>
+            <a:round/>
+            <a:extLst>
+              <a:ext uri="{C807C97D-BFC1-408E-A445-0C87EB9F89A2}">
+                <ask:lineSketchStyleProps xmlns:ask="http://schemas.microsoft.com/office/drawing/2018/sketchyshapes" sd="1219033472">
+                  <a:prstGeom prst="rect">
+                    <a:avLst/>
+                  </a:prstGeom>
+                  <ask:type>
+                    <ask:lineSketchFreehand/>
+                  </ask:type>
+                </ask:lineSketchStyleProps>
+              </a:ext>
+            </a:extLst>
+          </a:ln>
+        </p:spPr>
+        <p:style>
+          <a:lnRef idx="2">
+            <a:schemeClr val="accent1">
+              <a:shade val="50000"/>
+            </a:schemeClr>
+          </a:lnRef>
+          <a:fillRef idx="1">
+            <a:schemeClr val="accent1"/>
+          </a:fillRef>
+          <a:effectRef idx="0">
+            <a:schemeClr val="accent1"/>
+          </a:effectRef>
+          <a:fontRef idx="minor">
+            <a:schemeClr val="lt1"/>
+          </a:fontRef>
+        </p:style>
+        <p:txBody>
+          <a:bodyPr rtlCol="0" anchor="ctr"/>
+          <a:lstStyle/>
+          <a:p>
+            <a:pPr algn="ctr"/>
+            <a:endParaRPr lang="en-US"/>
           </a:p>
         </p:txBody>
       </p:sp>
@@ -7965,9 +10243,16 @@
             <p:ph idx="1"/>
           </p:nvPr>
         </p:nvSpPr>
-        <p:spPr/>
+        <p:spPr>
+          <a:xfrm>
+            <a:off x="5298595" y="552091"/>
+            <a:ext cx="6052158" cy="5431536"/>
+          </a:xfrm>
+        </p:spPr>
         <p:txBody>
-          <a:bodyPr/>
+          <a:bodyPr anchor="ctr">
+            <a:normAutofit/>
+          </a:bodyPr>
           <a:lstStyle/>
           <a:p>
             <a:r>
@@ -8007,6 +10292,14 @@
 <file path=ppt/slides/slide7.xml><?xml version="1.0" encoding="utf-8"?>
 <p:sld xmlns:a="http://schemas.openxmlformats.org/drawingml/2006/main" xmlns:r="http://schemas.openxmlformats.org/officeDocument/2006/relationships" xmlns:p="http://schemas.openxmlformats.org/presentationml/2006/main">
   <p:cSld>
+    <p:bg>
+      <p:bgPr>
+        <a:solidFill>
+          <a:schemeClr val="bg1"/>
+        </a:solidFill>
+        <a:effectLst/>
+      </p:bgPr>
+    </p:bg>
     <p:spTree>
       <p:nvGrpSpPr>
         <p:cNvPr id="1" name=""/>
@@ -8021,6 +10314,66 @@
           <a:chExt cx="0" cy="0"/>
         </a:xfrm>
       </p:grpSpPr>
+      <p:sp useBgFill="1">
+        <p:nvSpPr>
+          <p:cNvPr id="8" name="Rectangle 7">
+            <a:extLst>
+              <a:ext uri="{FF2B5EF4-FFF2-40B4-BE49-F238E27FC236}">
+                <a16:creationId xmlns:a16="http://schemas.microsoft.com/office/drawing/2014/main" id="{777A147A-9ED8-46B4-8660-1B3C2AA880B5}"/>
+              </a:ext>
+              <a:ext uri="{C183D7F6-B498-43B3-948B-1728B52AA6E4}">
+                <adec:decorative xmlns:adec="http://schemas.microsoft.com/office/drawing/2017/decorative" val="1"/>
+              </a:ext>
+            </a:extLst>
+          </p:cNvPr>
+          <p:cNvSpPr>
+            <a:spLocks noGrp="1" noRot="1" noChangeAspect="1" noMove="1" noResize="1" noEditPoints="1" noAdjustHandles="1" noChangeArrowheads="1" noChangeShapeType="1" noTextEdit="1"/>
+          </p:cNvSpPr>
+          <p:nvPr>
+            <p:extLst>
+              <p:ext uri="{386F3935-93C4-4BCD-93E2-E3B085C9AB24}">
+                <p16:designElem xmlns:p16="http://schemas.microsoft.com/office/powerpoint/2015/main" val="1"/>
+              </p:ext>
+            </p:extLst>
+          </p:nvPr>
+        </p:nvSpPr>
+        <p:spPr>
+          <a:xfrm>
+            <a:off x="0" y="0"/>
+            <a:ext cx="12188952" cy="6858000"/>
+          </a:xfrm>
+          <a:prstGeom prst="rect">
+            <a:avLst/>
+          </a:prstGeom>
+          <a:ln>
+            <a:noFill/>
+          </a:ln>
+        </p:spPr>
+        <p:style>
+          <a:lnRef idx="2">
+            <a:schemeClr val="accent1">
+              <a:shade val="50000"/>
+            </a:schemeClr>
+          </a:lnRef>
+          <a:fillRef idx="1">
+            <a:schemeClr val="accent1"/>
+          </a:fillRef>
+          <a:effectRef idx="0">
+            <a:schemeClr val="accent1"/>
+          </a:effectRef>
+          <a:fontRef idx="minor">
+            <a:schemeClr val="lt1"/>
+          </a:fontRef>
+        </p:style>
+        <p:txBody>
+          <a:bodyPr rtlCol="0" anchor="ctr"/>
+          <a:lstStyle/>
+          <a:p>
+            <a:pPr algn="ctr"/>
+            <a:endParaRPr lang="en-US"/>
+          </a:p>
+        </p:txBody>
+      </p:sp>
       <p:sp>
         <p:nvSpPr>
           <p:cNvPr id="2" name="Titel 1">
@@ -8037,15 +10390,365 @@
             <p:ph type="title"/>
           </p:nvPr>
         </p:nvSpPr>
-        <p:spPr/>
+        <p:spPr>
+          <a:xfrm>
+            <a:off x="841248" y="548640"/>
+            <a:ext cx="3419540" cy="5431536"/>
+          </a:xfrm>
+        </p:spPr>
         <p:txBody>
-          <a:bodyPr/>
+          <a:bodyPr>
+            <a:normAutofit/>
+          </a:bodyPr>
           <a:lstStyle/>
           <a:p>
             <a:r>
-              <a:rPr lang="de-DE" dirty="0"/>
+              <a:rPr lang="de-DE" sz="6000"/>
               <a:t>Vielen Dank!</a:t>
             </a:r>
+          </a:p>
+        </p:txBody>
+      </p:sp>
+      <p:sp>
+        <p:nvSpPr>
+          <p:cNvPr id="10" name="Rectangle 6">
+            <a:extLst>
+              <a:ext uri="{FF2B5EF4-FFF2-40B4-BE49-F238E27FC236}">
+                <a16:creationId xmlns:a16="http://schemas.microsoft.com/office/drawing/2014/main" id="{5D6C15A0-C087-4593-8414-2B4EC1CDC3DE}"/>
+              </a:ext>
+              <a:ext uri="{C183D7F6-B498-43B3-948B-1728B52AA6E4}">
+                <adec:decorative xmlns:adec="http://schemas.microsoft.com/office/drawing/2017/decorative" val="1"/>
+              </a:ext>
+            </a:extLst>
+          </p:cNvPr>
+          <p:cNvSpPr>
+            <a:spLocks noGrp="1" noRot="1" noChangeAspect="1" noMove="1" noResize="1" noEditPoints="1" noAdjustHandles="1" noChangeArrowheads="1" noChangeShapeType="1" noTextEdit="1"/>
+          </p:cNvSpPr>
+          <p:nvPr>
+            <p:extLst>
+              <p:ext uri="{386F3935-93C4-4BCD-93E2-E3B085C9AB24}">
+                <p16:designElem xmlns:p16="http://schemas.microsoft.com/office/powerpoint/2015/main" val="1"/>
+              </p:ext>
+            </p:extLst>
+          </p:nvPr>
+        </p:nvSpPr>
+        <p:spPr>
+          <a:xfrm rot="5400000">
+            <a:off x="2539411" y="3254143"/>
+            <a:ext cx="4480560" cy="27432"/>
+          </a:xfrm>
+          <a:custGeom>
+            <a:avLst/>
+            <a:gdLst>
+              <a:gd name="connsiteX0" fmla="*/ 0 w 4480560"/>
+              <a:gd name="connsiteY0" fmla="*/ 0 h 27432"/>
+              <a:gd name="connsiteX1" fmla="*/ 595274 w 4480560"/>
+              <a:gd name="connsiteY1" fmla="*/ 0 h 27432"/>
+              <a:gd name="connsiteX2" fmla="*/ 1100938 w 4480560"/>
+              <a:gd name="connsiteY2" fmla="*/ 0 h 27432"/>
+              <a:gd name="connsiteX3" fmla="*/ 1651406 w 4480560"/>
+              <a:gd name="connsiteY3" fmla="*/ 0 h 27432"/>
+              <a:gd name="connsiteX4" fmla="*/ 2336292 w 4480560"/>
+              <a:gd name="connsiteY4" fmla="*/ 0 h 27432"/>
+              <a:gd name="connsiteX5" fmla="*/ 2931566 w 4480560"/>
+              <a:gd name="connsiteY5" fmla="*/ 0 h 27432"/>
+              <a:gd name="connsiteX6" fmla="*/ 3482035 w 4480560"/>
+              <a:gd name="connsiteY6" fmla="*/ 0 h 27432"/>
+              <a:gd name="connsiteX7" fmla="*/ 4480560 w 4480560"/>
+              <a:gd name="connsiteY7" fmla="*/ 0 h 27432"/>
+              <a:gd name="connsiteX8" fmla="*/ 4480560 w 4480560"/>
+              <a:gd name="connsiteY8" fmla="*/ 27432 h 27432"/>
+              <a:gd name="connsiteX9" fmla="*/ 3840480 w 4480560"/>
+              <a:gd name="connsiteY9" fmla="*/ 27432 h 27432"/>
+              <a:gd name="connsiteX10" fmla="*/ 3290011 w 4480560"/>
+              <a:gd name="connsiteY10" fmla="*/ 27432 h 27432"/>
+              <a:gd name="connsiteX11" fmla="*/ 2560320 w 4480560"/>
+              <a:gd name="connsiteY11" fmla="*/ 27432 h 27432"/>
+              <a:gd name="connsiteX12" fmla="*/ 1965046 w 4480560"/>
+              <a:gd name="connsiteY12" fmla="*/ 27432 h 27432"/>
+              <a:gd name="connsiteX13" fmla="*/ 1459382 w 4480560"/>
+              <a:gd name="connsiteY13" fmla="*/ 27432 h 27432"/>
+              <a:gd name="connsiteX14" fmla="*/ 774497 w 4480560"/>
+              <a:gd name="connsiteY14" fmla="*/ 27432 h 27432"/>
+              <a:gd name="connsiteX15" fmla="*/ 0 w 4480560"/>
+              <a:gd name="connsiteY15" fmla="*/ 27432 h 27432"/>
+              <a:gd name="connsiteX16" fmla="*/ 0 w 4480560"/>
+              <a:gd name="connsiteY16" fmla="*/ 0 h 27432"/>
+            </a:gdLst>
+            <a:ahLst/>
+            <a:cxnLst>
+              <a:cxn ang="0">
+                <a:pos x="connsiteX0" y="connsiteY0"/>
+              </a:cxn>
+              <a:cxn ang="0">
+                <a:pos x="connsiteX1" y="connsiteY1"/>
+              </a:cxn>
+              <a:cxn ang="0">
+                <a:pos x="connsiteX2" y="connsiteY2"/>
+              </a:cxn>
+              <a:cxn ang="0">
+                <a:pos x="connsiteX3" y="connsiteY3"/>
+              </a:cxn>
+              <a:cxn ang="0">
+                <a:pos x="connsiteX4" y="connsiteY4"/>
+              </a:cxn>
+              <a:cxn ang="0">
+                <a:pos x="connsiteX5" y="connsiteY5"/>
+              </a:cxn>
+              <a:cxn ang="0">
+                <a:pos x="connsiteX6" y="connsiteY6"/>
+              </a:cxn>
+              <a:cxn ang="0">
+                <a:pos x="connsiteX7" y="connsiteY7"/>
+              </a:cxn>
+              <a:cxn ang="0">
+                <a:pos x="connsiteX8" y="connsiteY8"/>
+              </a:cxn>
+              <a:cxn ang="0">
+                <a:pos x="connsiteX9" y="connsiteY9"/>
+              </a:cxn>
+              <a:cxn ang="0">
+                <a:pos x="connsiteX10" y="connsiteY10"/>
+              </a:cxn>
+              <a:cxn ang="0">
+                <a:pos x="connsiteX11" y="connsiteY11"/>
+              </a:cxn>
+              <a:cxn ang="0">
+                <a:pos x="connsiteX12" y="connsiteY12"/>
+              </a:cxn>
+              <a:cxn ang="0">
+                <a:pos x="connsiteX13" y="connsiteY13"/>
+              </a:cxn>
+              <a:cxn ang="0">
+                <a:pos x="connsiteX14" y="connsiteY14"/>
+              </a:cxn>
+              <a:cxn ang="0">
+                <a:pos x="connsiteX15" y="connsiteY15"/>
+              </a:cxn>
+              <a:cxn ang="0">
+                <a:pos x="connsiteX16" y="connsiteY16"/>
+              </a:cxn>
+            </a:cxnLst>
+            <a:rect l="l" t="t" r="r" b="b"/>
+            <a:pathLst>
+              <a:path w="4480560" h="27432" fill="none" extrusionOk="0">
+                <a:moveTo>
+                  <a:pt x="0" y="0"/>
+                </a:moveTo>
+                <a:cubicBezTo>
+                  <a:pt x="267821" y="8731"/>
+                  <a:pt x="334105" y="2629"/>
+                  <a:pt x="595274" y="0"/>
+                </a:cubicBezTo>
+                <a:cubicBezTo>
+                  <a:pt x="856443" y="-2629"/>
+                  <a:pt x="863808" y="-13353"/>
+                  <a:pt x="1100938" y="0"/>
+                </a:cubicBezTo>
+                <a:cubicBezTo>
+                  <a:pt x="1338068" y="13353"/>
+                  <a:pt x="1431663" y="-25862"/>
+                  <a:pt x="1651406" y="0"/>
+                </a:cubicBezTo>
+                <a:cubicBezTo>
+                  <a:pt x="1871149" y="25862"/>
+                  <a:pt x="2173163" y="23827"/>
+                  <a:pt x="2336292" y="0"/>
+                </a:cubicBezTo>
+                <a:cubicBezTo>
+                  <a:pt x="2499421" y="-23827"/>
+                  <a:pt x="2720589" y="28148"/>
+                  <a:pt x="2931566" y="0"/>
+                </a:cubicBezTo>
+                <a:cubicBezTo>
+                  <a:pt x="3142543" y="-28148"/>
+                  <a:pt x="3323630" y="27022"/>
+                  <a:pt x="3482035" y="0"/>
+                </a:cubicBezTo>
+                <a:cubicBezTo>
+                  <a:pt x="3640440" y="-27022"/>
+                  <a:pt x="4012110" y="-20118"/>
+                  <a:pt x="4480560" y="0"/>
+                </a:cubicBezTo>
+                <a:cubicBezTo>
+                  <a:pt x="4479587" y="8304"/>
+                  <a:pt x="4480082" y="21512"/>
+                  <a:pt x="4480560" y="27432"/>
+                </a:cubicBezTo>
+                <a:cubicBezTo>
+                  <a:pt x="4314132" y="24068"/>
+                  <a:pt x="4028383" y="45776"/>
+                  <a:pt x="3840480" y="27432"/>
+                </a:cubicBezTo>
+                <a:cubicBezTo>
+                  <a:pt x="3652577" y="9088"/>
+                  <a:pt x="3547615" y="11992"/>
+                  <a:pt x="3290011" y="27432"/>
+                </a:cubicBezTo>
+                <a:cubicBezTo>
+                  <a:pt x="3032407" y="42872"/>
+                  <a:pt x="2830268" y="17863"/>
+                  <a:pt x="2560320" y="27432"/>
+                </a:cubicBezTo>
+                <a:cubicBezTo>
+                  <a:pt x="2290372" y="37001"/>
+                  <a:pt x="2147422" y="15872"/>
+                  <a:pt x="1965046" y="27432"/>
+                </a:cubicBezTo>
+                <a:cubicBezTo>
+                  <a:pt x="1782670" y="38992"/>
+                  <a:pt x="1689791" y="49824"/>
+                  <a:pt x="1459382" y="27432"/>
+                </a:cubicBezTo>
+                <a:cubicBezTo>
+                  <a:pt x="1228973" y="5040"/>
+                  <a:pt x="915486" y="45645"/>
+                  <a:pt x="774497" y="27432"/>
+                </a:cubicBezTo>
+                <a:cubicBezTo>
+                  <a:pt x="633508" y="9219"/>
+                  <a:pt x="361442" y="-1963"/>
+                  <a:pt x="0" y="27432"/>
+                </a:cubicBezTo>
+                <a:cubicBezTo>
+                  <a:pt x="-1048" y="14992"/>
+                  <a:pt x="-1120" y="7447"/>
+                  <a:pt x="0" y="0"/>
+                </a:cubicBezTo>
+                <a:close/>
+              </a:path>
+              <a:path w="4480560" h="27432" stroke="0" extrusionOk="0">
+                <a:moveTo>
+                  <a:pt x="0" y="0"/>
+                </a:moveTo>
+                <a:cubicBezTo>
+                  <a:pt x="285465" y="225"/>
+                  <a:pt x="322691" y="16223"/>
+                  <a:pt x="595274" y="0"/>
+                </a:cubicBezTo>
+                <a:cubicBezTo>
+                  <a:pt x="867857" y="-16223"/>
+                  <a:pt x="989129" y="-11242"/>
+                  <a:pt x="1100938" y="0"/>
+                </a:cubicBezTo>
+                <a:cubicBezTo>
+                  <a:pt x="1212747" y="11242"/>
+                  <a:pt x="1574350" y="-36410"/>
+                  <a:pt x="1830629" y="0"/>
+                </a:cubicBezTo>
+                <a:cubicBezTo>
+                  <a:pt x="2086908" y="36410"/>
+                  <a:pt x="2180922" y="4645"/>
+                  <a:pt x="2425903" y="0"/>
+                </a:cubicBezTo>
+                <a:cubicBezTo>
+                  <a:pt x="2670884" y="-4645"/>
+                  <a:pt x="2782024" y="22929"/>
+                  <a:pt x="3021178" y="0"/>
+                </a:cubicBezTo>
+                <a:cubicBezTo>
+                  <a:pt x="3260332" y="-22929"/>
+                  <a:pt x="3456982" y="-1586"/>
+                  <a:pt x="3750869" y="0"/>
+                </a:cubicBezTo>
+                <a:cubicBezTo>
+                  <a:pt x="4044756" y="1586"/>
+                  <a:pt x="4302726" y="17043"/>
+                  <a:pt x="4480560" y="0"/>
+                </a:cubicBezTo>
+                <a:cubicBezTo>
+                  <a:pt x="4481045" y="9333"/>
+                  <a:pt x="4481838" y="19699"/>
+                  <a:pt x="4480560" y="27432"/>
+                </a:cubicBezTo>
+                <a:cubicBezTo>
+                  <a:pt x="4279652" y="2294"/>
+                  <a:pt x="4200762" y="50710"/>
+                  <a:pt x="3930091" y="27432"/>
+                </a:cubicBezTo>
+                <a:cubicBezTo>
+                  <a:pt x="3659420" y="4154"/>
+                  <a:pt x="3456052" y="31438"/>
+                  <a:pt x="3290011" y="27432"/>
+                </a:cubicBezTo>
+                <a:cubicBezTo>
+                  <a:pt x="3123970" y="23426"/>
+                  <a:pt x="2882392" y="41962"/>
+                  <a:pt x="2649931" y="27432"/>
+                </a:cubicBezTo>
+                <a:cubicBezTo>
+                  <a:pt x="2417470" y="12902"/>
+                  <a:pt x="2238426" y="16481"/>
+                  <a:pt x="2054657" y="27432"/>
+                </a:cubicBezTo>
+                <a:cubicBezTo>
+                  <a:pt x="1870888" y="38383"/>
+                  <a:pt x="1566368" y="54184"/>
+                  <a:pt x="1324966" y="27432"/>
+                </a:cubicBezTo>
+                <a:cubicBezTo>
+                  <a:pt x="1083564" y="680"/>
+                  <a:pt x="787410" y="20090"/>
+                  <a:pt x="595274" y="27432"/>
+                </a:cubicBezTo>
+                <a:cubicBezTo>
+                  <a:pt x="403138" y="34774"/>
+                  <a:pt x="169622" y="19643"/>
+                  <a:pt x="0" y="27432"/>
+                </a:cubicBezTo>
+                <a:cubicBezTo>
+                  <a:pt x="211" y="18145"/>
+                  <a:pt x="120" y="6480"/>
+                  <a:pt x="0" y="0"/>
+                </a:cubicBezTo>
+                <a:close/>
+              </a:path>
+            </a:pathLst>
+          </a:custGeom>
+          <a:solidFill>
+            <a:schemeClr val="accent1"/>
+          </a:solidFill>
+          <a:ln w="41275" cap="rnd">
+            <a:solidFill>
+              <a:schemeClr val="accent1"/>
+            </a:solidFill>
+            <a:round/>
+            <a:extLst>
+              <a:ext uri="{C807C97D-BFC1-408E-A445-0C87EB9F89A2}">
+                <ask:lineSketchStyleProps xmlns:ask="http://schemas.microsoft.com/office/drawing/2018/sketchyshapes" sd="1219033472">
+                  <a:prstGeom prst="rect">
+                    <a:avLst/>
+                  </a:prstGeom>
+                  <ask:type>
+                    <ask:lineSketchFreehand/>
+                  </ask:type>
+                </ask:lineSketchStyleProps>
+              </a:ext>
+            </a:extLst>
+          </a:ln>
+        </p:spPr>
+        <p:style>
+          <a:lnRef idx="2">
+            <a:schemeClr val="accent1">
+              <a:shade val="50000"/>
+            </a:schemeClr>
+          </a:lnRef>
+          <a:fillRef idx="1">
+            <a:schemeClr val="accent1"/>
+          </a:fillRef>
+          <a:effectRef idx="0">
+            <a:schemeClr val="accent1"/>
+          </a:effectRef>
+          <a:fontRef idx="minor">
+            <a:schemeClr val="lt1"/>
+          </a:fontRef>
+        </p:style>
+        <p:txBody>
+          <a:bodyPr rtlCol="0" anchor="ctr"/>
+          <a:lstStyle/>
+          <a:p>
+            <a:pPr algn="ctr"/>
+            <a:endParaRPr lang="en-US"/>
           </a:p>
         </p:txBody>
       </p:sp>
@@ -8065,9 +10768,16 @@
             <p:ph idx="1"/>
           </p:nvPr>
         </p:nvSpPr>
-        <p:spPr/>
+        <p:spPr>
+          <a:xfrm>
+            <a:off x="5298595" y="552091"/>
+            <a:ext cx="6052158" cy="5431536"/>
+          </a:xfrm>
+        </p:spPr>
         <p:txBody>
-          <a:bodyPr/>
+          <a:bodyPr anchor="ctr">
+            <a:normAutofit/>
+          </a:bodyPr>
           <a:lstStyle/>
           <a:p>
             <a:endParaRPr lang="de-DE"/>

--- a/Zwischenpräsentation.pptx
+++ b/Zwischenpräsentation.pptx
@@ -6969,10 +6969,10 @@
       </p:grpSpPr>
       <p:sp useBgFill="1">
         <p:nvSpPr>
-          <p:cNvPr id="24" name="Rectangle 23">
+          <p:cNvPr id="31" name="Rectangle 30">
             <a:extLst>
               <a:ext uri="{FF2B5EF4-FFF2-40B4-BE49-F238E27FC236}">
-                <a16:creationId xmlns:a16="http://schemas.microsoft.com/office/drawing/2014/main" id="{657F69E0-C4B0-4BEC-A689-4F8D877F05D4}"/>
+                <a16:creationId xmlns:a16="http://schemas.microsoft.com/office/drawing/2014/main" id="{8A95209C-5275-4E15-8EA7-7F42980ABF2D}"/>
               </a:ext>
               <a:ext uri="{C183D7F6-B498-43B3-948B-1728B52AA6E4}">
                 <adec:decorative xmlns:adec="http://schemas.microsoft.com/office/drawing/2017/decorative" val="1"/>
@@ -7029,10 +7029,10 @@
       </p:sp>
       <p:pic>
         <p:nvPicPr>
-          <p:cNvPr id="4" name="Picture 3" descr="Abstrakte Würfel (Hintergrund)">
+          <p:cNvPr id="6" name="Grafik 5">
             <a:extLst>
               <a:ext uri="{FF2B5EF4-FFF2-40B4-BE49-F238E27FC236}">
-                <a16:creationId xmlns:a16="http://schemas.microsoft.com/office/drawing/2014/main" id="{9EF33F7D-251F-4538-8942-70572DD10F1F}"/>
+                <a16:creationId xmlns:a16="http://schemas.microsoft.com/office/drawing/2014/main" id="{C4147097-C432-4807-B51D-05E9E7473A84}"/>
               </a:ext>
             </a:extLst>
           </p:cNvPr>
@@ -7044,14 +7044,19 @@
         <p:blipFill rotWithShape="1">
           <a:blip r:embed="rId2">
             <a:alphaModFix amt="50000"/>
+            <a:extLst>
+              <a:ext uri="{28A0092B-C50C-407E-A947-70E740481C1C}">
+                <a14:useLocalDpi xmlns:a14="http://schemas.microsoft.com/office/drawing/2010/main" val="0"/>
+              </a:ext>
+            </a:extLst>
           </a:blip>
-          <a:srcRect t="10336" r="-1" b="-1"/>
+          <a:srcRect r="25"/>
           <a:stretch/>
         </p:blipFill>
         <p:spPr>
           <a:xfrm>
             <a:off x="20" y="10"/>
-            <a:ext cx="12188930" cy="6857990"/>
+            <a:ext cx="12188931" cy="6857990"/>
           </a:xfrm>
           <a:prstGeom prst="rect">
             <a:avLst/>
@@ -7076,19 +7081,19 @@
         </p:nvSpPr>
         <p:spPr>
           <a:xfrm>
-            <a:off x="1524000" y="1122363"/>
+            <a:off x="1527048" y="1124712"/>
             <a:ext cx="9144000" cy="3063240"/>
           </a:xfrm>
         </p:spPr>
         <p:txBody>
           <a:bodyPr>
-            <a:normAutofit fontScale="90000"/>
+            <a:normAutofit/>
           </a:bodyPr>
           <a:lstStyle/>
           <a:p>
             <a:pPr algn="ctr"/>
             <a:r>
-              <a:rPr lang="de-DE" sz="10800" dirty="0"/>
+              <a:rPr lang="de-DE"/>
               <a:t>Hexagon World Generator</a:t>
             </a:r>
           </a:p>
@@ -7113,7 +7118,7 @@
         <p:spPr>
           <a:xfrm>
             <a:off x="1527048" y="4599432"/>
-            <a:ext cx="9144000" cy="1536192"/>
+            <a:ext cx="9144000" cy="1227520"/>
           </a:xfrm>
         </p:spPr>
         <p:txBody>
@@ -7124,18 +7129,614 @@
           <a:p>
             <a:pPr algn="ctr"/>
             <a:r>
-              <a:rPr lang="de-DE" sz="3200" dirty="0"/>
+              <a:rPr lang="de-DE" sz="3200"/>
               <a:t>Von: Tobias Fischer &amp; Dennis Hawran</a:t>
             </a:r>
+            <a:endParaRPr lang="de-DE" sz="3200" dirty="0"/>
           </a:p>
         </p:txBody>
       </p:sp>
       <p:sp>
         <p:nvSpPr>
-          <p:cNvPr id="26" name="Rectangle 6">
+          <p:cNvPr id="33" name="Rectangle 6">
             <a:extLst>
               <a:ext uri="{FF2B5EF4-FFF2-40B4-BE49-F238E27FC236}">
-                <a16:creationId xmlns:a16="http://schemas.microsoft.com/office/drawing/2014/main" id="{9F6380B4-6A1C-481E-8408-B4E6C75B9B81}"/>
+                <a16:creationId xmlns:a16="http://schemas.microsoft.com/office/drawing/2014/main" id="{4F2ED431-E304-4FF0-9F4E-032783C9D612}"/>
+              </a:ext>
+              <a:ext uri="{C183D7F6-B498-43B3-948B-1728B52AA6E4}">
+                <adec:decorative xmlns:adec="http://schemas.microsoft.com/office/drawing/2017/decorative" val="1"/>
+              </a:ext>
+            </a:extLst>
+          </p:cNvPr>
+          <p:cNvSpPr>
+            <a:spLocks noGrp="1" noRot="1" noChangeAspect="1" noMove="1" noResize="1" noEditPoints="1" noAdjustHandles="1" noChangeArrowheads="1" noChangeShapeType="1" noTextEdit="1"/>
+          </p:cNvSpPr>
+          <p:nvPr>
+            <p:extLst>
+              <p:ext uri="{386F3935-93C4-4BCD-93E2-E3B085C9AB24}">
+                <p16:designElem xmlns:p16="http://schemas.microsoft.com/office/powerpoint/2015/main" val="1"/>
+              </p:ext>
+            </p:extLst>
+          </p:nvPr>
+        </p:nvSpPr>
+        <p:spPr>
+          <a:xfrm flipV="1">
+            <a:off x="838200" y="720953"/>
+            <a:ext cx="10515600" cy="5416094"/>
+          </a:xfrm>
+          <a:custGeom>
+            <a:avLst/>
+            <a:gdLst>
+              <a:gd name="connsiteX0" fmla="*/ 0 w 10515600"/>
+              <a:gd name="connsiteY0" fmla="*/ 0 h 5416094"/>
+              <a:gd name="connsiteX1" fmla="*/ 552069 w 10515600"/>
+              <a:gd name="connsiteY1" fmla="*/ 0 h 5416094"/>
+              <a:gd name="connsiteX2" fmla="*/ 893826 w 10515600"/>
+              <a:gd name="connsiteY2" fmla="*/ 0 h 5416094"/>
+              <a:gd name="connsiteX3" fmla="*/ 1761363 w 10515600"/>
+              <a:gd name="connsiteY3" fmla="*/ 0 h 5416094"/>
+              <a:gd name="connsiteX4" fmla="*/ 2313432 w 10515600"/>
+              <a:gd name="connsiteY4" fmla="*/ 0 h 5416094"/>
+              <a:gd name="connsiteX5" fmla="*/ 2865501 w 10515600"/>
+              <a:gd name="connsiteY5" fmla="*/ 0 h 5416094"/>
+              <a:gd name="connsiteX6" fmla="*/ 3733038 w 10515600"/>
+              <a:gd name="connsiteY6" fmla="*/ 0 h 5416094"/>
+              <a:gd name="connsiteX7" fmla="*/ 4179951 w 10515600"/>
+              <a:gd name="connsiteY7" fmla="*/ 0 h 5416094"/>
+              <a:gd name="connsiteX8" fmla="*/ 5047488 w 10515600"/>
+              <a:gd name="connsiteY8" fmla="*/ 0 h 5416094"/>
+              <a:gd name="connsiteX9" fmla="*/ 5915025 w 10515600"/>
+              <a:gd name="connsiteY9" fmla="*/ 0 h 5416094"/>
+              <a:gd name="connsiteX10" fmla="*/ 6572250 w 10515600"/>
+              <a:gd name="connsiteY10" fmla="*/ 0 h 5416094"/>
+              <a:gd name="connsiteX11" fmla="*/ 7439787 w 10515600"/>
+              <a:gd name="connsiteY11" fmla="*/ 0 h 5416094"/>
+              <a:gd name="connsiteX12" fmla="*/ 7991856 w 10515600"/>
+              <a:gd name="connsiteY12" fmla="*/ 0 h 5416094"/>
+              <a:gd name="connsiteX13" fmla="*/ 8543925 w 10515600"/>
+              <a:gd name="connsiteY13" fmla="*/ 0 h 5416094"/>
+              <a:gd name="connsiteX14" fmla="*/ 9306306 w 10515600"/>
+              <a:gd name="connsiteY14" fmla="*/ 0 h 5416094"/>
+              <a:gd name="connsiteX15" fmla="*/ 9858375 w 10515600"/>
+              <a:gd name="connsiteY15" fmla="*/ 0 h 5416094"/>
+              <a:gd name="connsiteX16" fmla="*/ 10515600 w 10515600"/>
+              <a:gd name="connsiteY16" fmla="*/ 0 h 5416094"/>
+              <a:gd name="connsiteX17" fmla="*/ 10515600 w 10515600"/>
+              <a:gd name="connsiteY17" fmla="*/ 785334 h 5416094"/>
+              <a:gd name="connsiteX18" fmla="*/ 10515600 w 10515600"/>
+              <a:gd name="connsiteY18" fmla="*/ 1516506 h 5416094"/>
+              <a:gd name="connsiteX19" fmla="*/ 10515600 w 10515600"/>
+              <a:gd name="connsiteY19" fmla="*/ 2247679 h 5416094"/>
+              <a:gd name="connsiteX20" fmla="*/ 10515600 w 10515600"/>
+              <a:gd name="connsiteY20" fmla="*/ 2762208 h 5416094"/>
+              <a:gd name="connsiteX21" fmla="*/ 10515600 w 10515600"/>
+              <a:gd name="connsiteY21" fmla="*/ 3330898 h 5416094"/>
+              <a:gd name="connsiteX22" fmla="*/ 10515600 w 10515600"/>
+              <a:gd name="connsiteY22" fmla="*/ 4062071 h 5416094"/>
+              <a:gd name="connsiteX23" fmla="*/ 10515600 w 10515600"/>
+              <a:gd name="connsiteY23" fmla="*/ 4684921 h 5416094"/>
+              <a:gd name="connsiteX24" fmla="*/ 10515600 w 10515600"/>
+              <a:gd name="connsiteY24" fmla="*/ 5416094 h 5416094"/>
+              <a:gd name="connsiteX25" fmla="*/ 9753219 w 10515600"/>
+              <a:gd name="connsiteY25" fmla="*/ 5416094 h 5416094"/>
+              <a:gd name="connsiteX26" fmla="*/ 9411462 w 10515600"/>
+              <a:gd name="connsiteY26" fmla="*/ 5416094 h 5416094"/>
+              <a:gd name="connsiteX27" fmla="*/ 8754237 w 10515600"/>
+              <a:gd name="connsiteY27" fmla="*/ 5416094 h 5416094"/>
+              <a:gd name="connsiteX28" fmla="*/ 8307324 w 10515600"/>
+              <a:gd name="connsiteY28" fmla="*/ 5416094 h 5416094"/>
+              <a:gd name="connsiteX29" fmla="*/ 7544943 w 10515600"/>
+              <a:gd name="connsiteY29" fmla="*/ 5416094 h 5416094"/>
+              <a:gd name="connsiteX30" fmla="*/ 7098030 w 10515600"/>
+              <a:gd name="connsiteY30" fmla="*/ 5416094 h 5416094"/>
+              <a:gd name="connsiteX31" fmla="*/ 6335649 w 10515600"/>
+              <a:gd name="connsiteY31" fmla="*/ 5416094 h 5416094"/>
+              <a:gd name="connsiteX32" fmla="*/ 5993892 w 10515600"/>
+              <a:gd name="connsiteY32" fmla="*/ 5416094 h 5416094"/>
+              <a:gd name="connsiteX33" fmla="*/ 5231511 w 10515600"/>
+              <a:gd name="connsiteY33" fmla="*/ 5416094 h 5416094"/>
+              <a:gd name="connsiteX34" fmla="*/ 4784598 w 10515600"/>
+              <a:gd name="connsiteY34" fmla="*/ 5416094 h 5416094"/>
+              <a:gd name="connsiteX35" fmla="*/ 4442841 w 10515600"/>
+              <a:gd name="connsiteY35" fmla="*/ 5416094 h 5416094"/>
+              <a:gd name="connsiteX36" fmla="*/ 3995928 w 10515600"/>
+              <a:gd name="connsiteY36" fmla="*/ 5416094 h 5416094"/>
+              <a:gd name="connsiteX37" fmla="*/ 3233547 w 10515600"/>
+              <a:gd name="connsiteY37" fmla="*/ 5416094 h 5416094"/>
+              <a:gd name="connsiteX38" fmla="*/ 2786634 w 10515600"/>
+              <a:gd name="connsiteY38" fmla="*/ 5416094 h 5416094"/>
+              <a:gd name="connsiteX39" fmla="*/ 2444877 w 10515600"/>
+              <a:gd name="connsiteY39" fmla="*/ 5416094 h 5416094"/>
+              <a:gd name="connsiteX40" fmla="*/ 1997964 w 10515600"/>
+              <a:gd name="connsiteY40" fmla="*/ 5416094 h 5416094"/>
+              <a:gd name="connsiteX41" fmla="*/ 1445895 w 10515600"/>
+              <a:gd name="connsiteY41" fmla="*/ 5416094 h 5416094"/>
+              <a:gd name="connsiteX42" fmla="*/ 788670 w 10515600"/>
+              <a:gd name="connsiteY42" fmla="*/ 5416094 h 5416094"/>
+              <a:gd name="connsiteX43" fmla="*/ 0 w 10515600"/>
+              <a:gd name="connsiteY43" fmla="*/ 5416094 h 5416094"/>
+              <a:gd name="connsiteX44" fmla="*/ 0 w 10515600"/>
+              <a:gd name="connsiteY44" fmla="*/ 4630760 h 5416094"/>
+              <a:gd name="connsiteX45" fmla="*/ 0 w 10515600"/>
+              <a:gd name="connsiteY45" fmla="*/ 3953749 h 5416094"/>
+              <a:gd name="connsiteX46" fmla="*/ 0 w 10515600"/>
+              <a:gd name="connsiteY46" fmla="*/ 3276737 h 5416094"/>
+              <a:gd name="connsiteX47" fmla="*/ 0 w 10515600"/>
+              <a:gd name="connsiteY47" fmla="*/ 2599725 h 5416094"/>
+              <a:gd name="connsiteX48" fmla="*/ 0 w 10515600"/>
+              <a:gd name="connsiteY48" fmla="*/ 1922713 h 5416094"/>
+              <a:gd name="connsiteX49" fmla="*/ 0 w 10515600"/>
+              <a:gd name="connsiteY49" fmla="*/ 1299863 h 5416094"/>
+              <a:gd name="connsiteX50" fmla="*/ 0 w 10515600"/>
+              <a:gd name="connsiteY50" fmla="*/ 0 h 5416094"/>
+            </a:gdLst>
+            <a:ahLst/>
+            <a:cxnLst>
+              <a:cxn ang="0">
+                <a:pos x="connsiteX0" y="connsiteY0"/>
+              </a:cxn>
+              <a:cxn ang="0">
+                <a:pos x="connsiteX1" y="connsiteY1"/>
+              </a:cxn>
+              <a:cxn ang="0">
+                <a:pos x="connsiteX2" y="connsiteY2"/>
+              </a:cxn>
+              <a:cxn ang="0">
+                <a:pos x="connsiteX3" y="connsiteY3"/>
+              </a:cxn>
+              <a:cxn ang="0">
+                <a:pos x="connsiteX4" y="connsiteY4"/>
+              </a:cxn>
+              <a:cxn ang="0">
+                <a:pos x="connsiteX5" y="connsiteY5"/>
+              </a:cxn>
+              <a:cxn ang="0">
+                <a:pos x="connsiteX6" y="connsiteY6"/>
+              </a:cxn>
+              <a:cxn ang="0">
+                <a:pos x="connsiteX7" y="connsiteY7"/>
+              </a:cxn>
+              <a:cxn ang="0">
+                <a:pos x="connsiteX8" y="connsiteY8"/>
+              </a:cxn>
+              <a:cxn ang="0">
+                <a:pos x="connsiteX9" y="connsiteY9"/>
+              </a:cxn>
+              <a:cxn ang="0">
+                <a:pos x="connsiteX10" y="connsiteY10"/>
+              </a:cxn>
+              <a:cxn ang="0">
+                <a:pos x="connsiteX11" y="connsiteY11"/>
+              </a:cxn>
+              <a:cxn ang="0">
+                <a:pos x="connsiteX12" y="connsiteY12"/>
+              </a:cxn>
+              <a:cxn ang="0">
+                <a:pos x="connsiteX13" y="connsiteY13"/>
+              </a:cxn>
+              <a:cxn ang="0">
+                <a:pos x="connsiteX14" y="connsiteY14"/>
+              </a:cxn>
+              <a:cxn ang="0">
+                <a:pos x="connsiteX15" y="connsiteY15"/>
+              </a:cxn>
+              <a:cxn ang="0">
+                <a:pos x="connsiteX16" y="connsiteY16"/>
+              </a:cxn>
+              <a:cxn ang="0">
+                <a:pos x="connsiteX17" y="connsiteY17"/>
+              </a:cxn>
+              <a:cxn ang="0">
+                <a:pos x="connsiteX18" y="connsiteY18"/>
+              </a:cxn>
+              <a:cxn ang="0">
+                <a:pos x="connsiteX19" y="connsiteY19"/>
+              </a:cxn>
+              <a:cxn ang="0">
+                <a:pos x="connsiteX20" y="connsiteY20"/>
+              </a:cxn>
+              <a:cxn ang="0">
+                <a:pos x="connsiteX21" y="connsiteY21"/>
+              </a:cxn>
+              <a:cxn ang="0">
+                <a:pos x="connsiteX22" y="connsiteY22"/>
+              </a:cxn>
+              <a:cxn ang="0">
+                <a:pos x="connsiteX23" y="connsiteY23"/>
+              </a:cxn>
+              <a:cxn ang="0">
+                <a:pos x="connsiteX24" y="connsiteY24"/>
+              </a:cxn>
+              <a:cxn ang="0">
+                <a:pos x="connsiteX25" y="connsiteY25"/>
+              </a:cxn>
+              <a:cxn ang="0">
+                <a:pos x="connsiteX26" y="connsiteY26"/>
+              </a:cxn>
+              <a:cxn ang="0">
+                <a:pos x="connsiteX27" y="connsiteY27"/>
+              </a:cxn>
+              <a:cxn ang="0">
+                <a:pos x="connsiteX28" y="connsiteY28"/>
+              </a:cxn>
+              <a:cxn ang="0">
+                <a:pos x="connsiteX29" y="connsiteY29"/>
+              </a:cxn>
+              <a:cxn ang="0">
+                <a:pos x="connsiteX30" y="connsiteY30"/>
+              </a:cxn>
+              <a:cxn ang="0">
+                <a:pos x="connsiteX31" y="connsiteY31"/>
+              </a:cxn>
+              <a:cxn ang="0">
+                <a:pos x="connsiteX32" y="connsiteY32"/>
+              </a:cxn>
+              <a:cxn ang="0">
+                <a:pos x="connsiteX33" y="connsiteY33"/>
+              </a:cxn>
+              <a:cxn ang="0">
+                <a:pos x="connsiteX34" y="connsiteY34"/>
+              </a:cxn>
+              <a:cxn ang="0">
+                <a:pos x="connsiteX35" y="connsiteY35"/>
+              </a:cxn>
+              <a:cxn ang="0">
+                <a:pos x="connsiteX36" y="connsiteY36"/>
+              </a:cxn>
+              <a:cxn ang="0">
+                <a:pos x="connsiteX37" y="connsiteY37"/>
+              </a:cxn>
+              <a:cxn ang="0">
+                <a:pos x="connsiteX38" y="connsiteY38"/>
+              </a:cxn>
+              <a:cxn ang="0">
+                <a:pos x="connsiteX39" y="connsiteY39"/>
+              </a:cxn>
+              <a:cxn ang="0">
+                <a:pos x="connsiteX40" y="connsiteY40"/>
+              </a:cxn>
+              <a:cxn ang="0">
+                <a:pos x="connsiteX41" y="connsiteY41"/>
+              </a:cxn>
+              <a:cxn ang="0">
+                <a:pos x="connsiteX42" y="connsiteY42"/>
+              </a:cxn>
+              <a:cxn ang="0">
+                <a:pos x="connsiteX43" y="connsiteY43"/>
+              </a:cxn>
+              <a:cxn ang="0">
+                <a:pos x="connsiteX44" y="connsiteY44"/>
+              </a:cxn>
+              <a:cxn ang="0">
+                <a:pos x="connsiteX45" y="connsiteY45"/>
+              </a:cxn>
+              <a:cxn ang="0">
+                <a:pos x="connsiteX46" y="connsiteY46"/>
+              </a:cxn>
+              <a:cxn ang="0">
+                <a:pos x="connsiteX47" y="connsiteY47"/>
+              </a:cxn>
+              <a:cxn ang="0">
+                <a:pos x="connsiteX48" y="connsiteY48"/>
+              </a:cxn>
+              <a:cxn ang="0">
+                <a:pos x="connsiteX49" y="connsiteY49"/>
+              </a:cxn>
+              <a:cxn ang="0">
+                <a:pos x="connsiteX50" y="connsiteY50"/>
+              </a:cxn>
+            </a:cxnLst>
+            <a:rect l="l" t="t" r="r" b="b"/>
+            <a:pathLst>
+              <a:path w="10515600" h="5416094" extrusionOk="0">
+                <a:moveTo>
+                  <a:pt x="0" y="0"/>
+                </a:moveTo>
+                <a:cubicBezTo>
+                  <a:pt x="230793" y="14353"/>
+                  <a:pt x="332416" y="21392"/>
+                  <a:pt x="552069" y="0"/>
+                </a:cubicBezTo>
+                <a:cubicBezTo>
+                  <a:pt x="771722" y="-21392"/>
+                  <a:pt x="761737" y="-14337"/>
+                  <a:pt x="893826" y="0"/>
+                </a:cubicBezTo>
+                <a:cubicBezTo>
+                  <a:pt x="1025915" y="14337"/>
+                  <a:pt x="1441584" y="-15498"/>
+                  <a:pt x="1761363" y="0"/>
+                </a:cubicBezTo>
+                <a:cubicBezTo>
+                  <a:pt x="2081142" y="15498"/>
+                  <a:pt x="2111503" y="7278"/>
+                  <a:pt x="2313432" y="0"/>
+                </a:cubicBezTo>
+                <a:cubicBezTo>
+                  <a:pt x="2515361" y="-7278"/>
+                  <a:pt x="2743584" y="-17845"/>
+                  <a:pt x="2865501" y="0"/>
+                </a:cubicBezTo>
+                <a:cubicBezTo>
+                  <a:pt x="2987418" y="17845"/>
+                  <a:pt x="3345183" y="8208"/>
+                  <a:pt x="3733038" y="0"/>
+                </a:cubicBezTo>
+                <a:cubicBezTo>
+                  <a:pt x="4120893" y="-8208"/>
+                  <a:pt x="4009066" y="-3159"/>
+                  <a:pt x="4179951" y="0"/>
+                </a:cubicBezTo>
+                <a:cubicBezTo>
+                  <a:pt x="4350836" y="3159"/>
+                  <a:pt x="4735020" y="17517"/>
+                  <a:pt x="5047488" y="0"/>
+                </a:cubicBezTo>
+                <a:cubicBezTo>
+                  <a:pt x="5359956" y="-17517"/>
+                  <a:pt x="5662148" y="-17777"/>
+                  <a:pt x="5915025" y="0"/>
+                </a:cubicBezTo>
+                <a:cubicBezTo>
+                  <a:pt x="6167902" y="17777"/>
+                  <a:pt x="6308797" y="30350"/>
+                  <a:pt x="6572250" y="0"/>
+                </a:cubicBezTo>
+                <a:cubicBezTo>
+                  <a:pt x="6835703" y="-30350"/>
+                  <a:pt x="7107419" y="-9627"/>
+                  <a:pt x="7439787" y="0"/>
+                </a:cubicBezTo>
+                <a:cubicBezTo>
+                  <a:pt x="7772155" y="9627"/>
+                  <a:pt x="7844034" y="-9098"/>
+                  <a:pt x="7991856" y="0"/>
+                </a:cubicBezTo>
+                <a:cubicBezTo>
+                  <a:pt x="8139678" y="9098"/>
+                  <a:pt x="8289889" y="-20239"/>
+                  <a:pt x="8543925" y="0"/>
+                </a:cubicBezTo>
+                <a:cubicBezTo>
+                  <a:pt x="8797961" y="20239"/>
+                  <a:pt x="8994198" y="29575"/>
+                  <a:pt x="9306306" y="0"/>
+                </a:cubicBezTo>
+                <a:cubicBezTo>
+                  <a:pt x="9618414" y="-29575"/>
+                  <a:pt x="9739118" y="-23835"/>
+                  <a:pt x="9858375" y="0"/>
+                </a:cubicBezTo>
+                <a:cubicBezTo>
+                  <a:pt x="9977632" y="23835"/>
+                  <a:pt x="10370488" y="-4069"/>
+                  <a:pt x="10515600" y="0"/>
+                </a:cubicBezTo>
+                <a:cubicBezTo>
+                  <a:pt x="10524919" y="196329"/>
+                  <a:pt x="10549062" y="488432"/>
+                  <a:pt x="10515600" y="785334"/>
+                </a:cubicBezTo>
+                <a:cubicBezTo>
+                  <a:pt x="10482138" y="1082236"/>
+                  <a:pt x="10536385" y="1323726"/>
+                  <a:pt x="10515600" y="1516506"/>
+                </a:cubicBezTo>
+                <a:cubicBezTo>
+                  <a:pt x="10494815" y="1709286"/>
+                  <a:pt x="10546328" y="2097632"/>
+                  <a:pt x="10515600" y="2247679"/>
+                </a:cubicBezTo>
+                <a:cubicBezTo>
+                  <a:pt x="10484872" y="2397726"/>
+                  <a:pt x="10491771" y="2577292"/>
+                  <a:pt x="10515600" y="2762208"/>
+                </a:cubicBezTo>
+                <a:cubicBezTo>
+                  <a:pt x="10539429" y="2947124"/>
+                  <a:pt x="10511007" y="3105736"/>
+                  <a:pt x="10515600" y="3330898"/>
+                </a:cubicBezTo>
+                <a:cubicBezTo>
+                  <a:pt x="10520194" y="3556060"/>
+                  <a:pt x="10497393" y="3882611"/>
+                  <a:pt x="10515600" y="4062071"/>
+                </a:cubicBezTo>
+                <a:cubicBezTo>
+                  <a:pt x="10533807" y="4241531"/>
+                  <a:pt x="10544791" y="4505155"/>
+                  <a:pt x="10515600" y="4684921"/>
+                </a:cubicBezTo>
+                <a:cubicBezTo>
+                  <a:pt x="10486410" y="4864687"/>
+                  <a:pt x="10497356" y="5246484"/>
+                  <a:pt x="10515600" y="5416094"/>
+                </a:cubicBezTo>
+                <a:cubicBezTo>
+                  <a:pt x="10245623" y="5445692"/>
+                  <a:pt x="10029676" y="5415505"/>
+                  <a:pt x="9753219" y="5416094"/>
+                </a:cubicBezTo>
+                <a:cubicBezTo>
+                  <a:pt x="9476762" y="5416683"/>
+                  <a:pt x="9553148" y="5422760"/>
+                  <a:pt x="9411462" y="5416094"/>
+                </a:cubicBezTo>
+                <a:cubicBezTo>
+                  <a:pt x="9269776" y="5409428"/>
+                  <a:pt x="8927709" y="5385012"/>
+                  <a:pt x="8754237" y="5416094"/>
+                </a:cubicBezTo>
+                <a:cubicBezTo>
+                  <a:pt x="8580766" y="5447176"/>
+                  <a:pt x="8413264" y="5410024"/>
+                  <a:pt x="8307324" y="5416094"/>
+                </a:cubicBezTo>
+                <a:cubicBezTo>
+                  <a:pt x="8201384" y="5422164"/>
+                  <a:pt x="7912690" y="5421686"/>
+                  <a:pt x="7544943" y="5416094"/>
+                </a:cubicBezTo>
+                <a:cubicBezTo>
+                  <a:pt x="7177196" y="5410502"/>
+                  <a:pt x="7304235" y="5418502"/>
+                  <a:pt x="7098030" y="5416094"/>
+                </a:cubicBezTo>
+                <a:cubicBezTo>
+                  <a:pt x="6891825" y="5413686"/>
+                  <a:pt x="6541479" y="5434609"/>
+                  <a:pt x="6335649" y="5416094"/>
+                </a:cubicBezTo>
+                <a:cubicBezTo>
+                  <a:pt x="6129819" y="5397579"/>
+                  <a:pt x="6106541" y="5402791"/>
+                  <a:pt x="5993892" y="5416094"/>
+                </a:cubicBezTo>
+                <a:cubicBezTo>
+                  <a:pt x="5881243" y="5429397"/>
+                  <a:pt x="5545248" y="5437743"/>
+                  <a:pt x="5231511" y="5416094"/>
+                </a:cubicBezTo>
+                <a:cubicBezTo>
+                  <a:pt x="4917774" y="5394445"/>
+                  <a:pt x="4963237" y="5426599"/>
+                  <a:pt x="4784598" y="5416094"/>
+                </a:cubicBezTo>
+                <a:cubicBezTo>
+                  <a:pt x="4605959" y="5405589"/>
+                  <a:pt x="4605904" y="5406658"/>
+                  <a:pt x="4442841" y="5416094"/>
+                </a:cubicBezTo>
+                <a:cubicBezTo>
+                  <a:pt x="4279778" y="5425530"/>
+                  <a:pt x="4177180" y="5426138"/>
+                  <a:pt x="3995928" y="5416094"/>
+                </a:cubicBezTo>
+                <a:cubicBezTo>
+                  <a:pt x="3814676" y="5406050"/>
+                  <a:pt x="3516440" y="5429234"/>
+                  <a:pt x="3233547" y="5416094"/>
+                </a:cubicBezTo>
+                <a:cubicBezTo>
+                  <a:pt x="2950654" y="5402954"/>
+                  <a:pt x="2884354" y="5436103"/>
+                  <a:pt x="2786634" y="5416094"/>
+                </a:cubicBezTo>
+                <a:cubicBezTo>
+                  <a:pt x="2688914" y="5396085"/>
+                  <a:pt x="2522958" y="5423232"/>
+                  <a:pt x="2444877" y="5416094"/>
+                </a:cubicBezTo>
+                <a:cubicBezTo>
+                  <a:pt x="2366796" y="5408956"/>
+                  <a:pt x="2104768" y="5395479"/>
+                  <a:pt x="1997964" y="5416094"/>
+                </a:cubicBezTo>
+                <a:cubicBezTo>
+                  <a:pt x="1891160" y="5436709"/>
+                  <a:pt x="1573016" y="5412376"/>
+                  <a:pt x="1445895" y="5416094"/>
+                </a:cubicBezTo>
+                <a:cubicBezTo>
+                  <a:pt x="1318774" y="5419812"/>
+                  <a:pt x="986443" y="5400529"/>
+                  <a:pt x="788670" y="5416094"/>
+                </a:cubicBezTo>
+                <a:cubicBezTo>
+                  <a:pt x="590897" y="5431659"/>
+                  <a:pt x="363709" y="5381266"/>
+                  <a:pt x="0" y="5416094"/>
+                </a:cubicBezTo>
+                <a:cubicBezTo>
+                  <a:pt x="-22973" y="5218643"/>
+                  <a:pt x="-26699" y="5010779"/>
+                  <a:pt x="0" y="4630760"/>
+                </a:cubicBezTo>
+                <a:cubicBezTo>
+                  <a:pt x="26699" y="4250741"/>
+                  <a:pt x="-15389" y="4196664"/>
+                  <a:pt x="0" y="3953749"/>
+                </a:cubicBezTo>
+                <a:cubicBezTo>
+                  <a:pt x="15389" y="3710834"/>
+                  <a:pt x="468" y="3611311"/>
+                  <a:pt x="0" y="3276737"/>
+                </a:cubicBezTo>
+                <a:cubicBezTo>
+                  <a:pt x="-468" y="2942163"/>
+                  <a:pt x="15360" y="2781998"/>
+                  <a:pt x="0" y="2599725"/>
+                </a:cubicBezTo>
+                <a:cubicBezTo>
+                  <a:pt x="-15360" y="2417452"/>
+                  <a:pt x="14816" y="2100232"/>
+                  <a:pt x="0" y="1922713"/>
+                </a:cubicBezTo>
+                <a:cubicBezTo>
+                  <a:pt x="-14816" y="1745194"/>
+                  <a:pt x="-24648" y="1604167"/>
+                  <a:pt x="0" y="1299863"/>
+                </a:cubicBezTo>
+                <a:cubicBezTo>
+                  <a:pt x="24648" y="995559"/>
+                  <a:pt x="2182" y="279525"/>
+                  <a:pt x="0" y="0"/>
+                </a:cubicBezTo>
+                <a:close/>
+              </a:path>
+            </a:pathLst>
+          </a:custGeom>
+          <a:noFill/>
+          <a:ln w="57150" cap="rnd">
+            <a:solidFill>
+              <a:schemeClr val="tx1"/>
+            </a:solidFill>
+            <a:round/>
+            <a:extLst>
+              <a:ext uri="{C807C97D-BFC1-408E-A445-0C87EB9F89A2}">
+                <ask:lineSketchStyleProps xmlns:ask="http://schemas.microsoft.com/office/drawing/2018/sketchyshapes" sd="1219033472">
+                  <a:prstGeom prst="rect">
+                    <a:avLst/>
+                  </a:prstGeom>
+                  <ask:type>
+                    <ask:lineSketchFreehand/>
+                  </ask:type>
+                </ask:lineSketchStyleProps>
+              </a:ext>
+            </a:extLst>
+          </a:ln>
+        </p:spPr>
+        <p:style>
+          <a:lnRef idx="2">
+            <a:schemeClr val="accent1">
+              <a:shade val="50000"/>
+            </a:schemeClr>
+          </a:lnRef>
+          <a:fillRef idx="1">
+            <a:schemeClr val="accent1"/>
+          </a:fillRef>
+          <a:effectRef idx="0">
+            <a:schemeClr val="accent1"/>
+          </a:effectRef>
+          <a:fontRef idx="minor">
+            <a:schemeClr val="lt1"/>
+          </a:fontRef>
+        </p:style>
+        <p:txBody>
+          <a:bodyPr rtlCol="0" anchor="ctr"/>
+          <a:lstStyle/>
+          <a:p>
+            <a:pPr algn="ctr"/>
+            <a:endParaRPr lang="en-US"/>
+          </a:p>
+        </p:txBody>
+      </p:sp>
+      <p:sp>
+        <p:nvSpPr>
+          <p:cNvPr id="39" name="Rectangle 6">
+            <a:extLst>
+              <a:ext uri="{FF2B5EF4-FFF2-40B4-BE49-F238E27FC236}">
+                <a16:creationId xmlns:a16="http://schemas.microsoft.com/office/drawing/2014/main" id="{4E87FCFB-2CCE-460D-B3DD-557C8BD1B94A}"/>
               </a:ext>
               <a:ext uri="{C183D7F6-B498-43B3-948B-1728B52AA6E4}">
                 <adec:decorative xmlns:adec="http://schemas.microsoft.com/office/drawing/2017/decorative" val="1"/>
@@ -7155,7 +7756,7 @@
         </p:nvSpPr>
         <p:spPr>
           <a:xfrm>
-            <a:off x="3974206" y="4368623"/>
+            <a:off x="3974206" y="4419423"/>
             <a:ext cx="4243589" cy="27432"/>
           </a:xfrm>
           <a:custGeom>
@@ -7600,7 +8201,7 @@
           <a:lstStyle/>
           <a:p>
             <a:r>
-              <a:rPr lang="de-DE" sz="6000"/>
+              <a:rPr lang="de-DE" sz="6000" dirty="0"/>
               <a:t>Stand</a:t>
             </a:r>
           </a:p>
@@ -9267,8 +9868,16 @@
           <a:lstStyle/>
           <a:p>
             <a:r>
-              <a:rPr lang="de-DE" sz="6000"/>
-              <a:t>Was für Addons / Technologien gibt es bereit?</a:t>
+              <a:rPr lang="de-DE" sz="6000" dirty="0"/>
+              <a:t>Was für </a:t>
+            </a:r>
+            <a:r>
+              <a:rPr lang="de-DE" sz="6000" dirty="0" err="1"/>
+              <a:t>Addons</a:t>
+            </a:r>
+            <a:r>
+              <a:rPr lang="de-DE" sz="6000" dirty="0"/>
+              <a:t> / Technologien gibt es bereit?</a:t>
             </a:r>
           </a:p>
         </p:txBody>
@@ -9656,6 +10265,29 @@
               <a:rPr lang="de-DE" dirty="0"/>
               <a:t> dafür</a:t>
             </a:r>
+          </a:p>
+          <a:p>
+            <a:r>
+              <a:rPr lang="de-DE" dirty="0" err="1"/>
+              <a:t>Geometry</a:t>
+            </a:r>
+            <a:r>
+              <a:rPr lang="de-DE" dirty="0"/>
+              <a:t> </a:t>
+            </a:r>
+            <a:r>
+              <a:rPr lang="de-DE" dirty="0" err="1"/>
+              <a:t>nodes</a:t>
+            </a:r>
+            <a:r>
+              <a:rPr lang="de-DE" dirty="0"/>
+              <a:t> noch recht neu, daher kaum </a:t>
+            </a:r>
+            <a:r>
+              <a:rPr lang="de-DE" dirty="0" err="1"/>
+              <a:t>addons</a:t>
+            </a:r>
+            <a:endParaRPr lang="de-DE" dirty="0"/>
           </a:p>
         </p:txBody>
       </p:sp>
@@ -10274,6 +10906,20 @@
               <a:t>Schwierigkeiten mit dem verschieben von Objekten in Collections</a:t>
             </a:r>
           </a:p>
+          <a:p>
+            <a:r>
+              <a:rPr lang="de-DE" dirty="0"/>
+              <a:t>Zu den </a:t>
+            </a:r>
+            <a:r>
+              <a:rPr lang="de-DE" dirty="0" err="1"/>
+              <a:t>Geometry</a:t>
+            </a:r>
+            <a:r>
+              <a:rPr lang="de-DE" dirty="0"/>
+              <a:t> Nodes gibt es noch nicht viele Ressourcen</a:t>
+            </a:r>
+          </a:p>
         </p:txBody>
       </p:sp>
     </p:spTree>
@@ -10314,12 +10960,359 @@
           <a:chExt cx="0" cy="0"/>
         </a:xfrm>
       </p:grpSpPr>
+      <p:sp>
+        <p:nvSpPr>
+          <p:cNvPr id="15" name="Rectangle 6">
+            <a:extLst>
+              <a:ext uri="{FF2B5EF4-FFF2-40B4-BE49-F238E27FC236}">
+                <a16:creationId xmlns:a16="http://schemas.microsoft.com/office/drawing/2014/main" id="{DA381740-063A-41A4-836D-85D14980EEF0}"/>
+              </a:ext>
+              <a:ext uri="{C183D7F6-B498-43B3-948B-1728B52AA6E4}">
+                <adec:decorative xmlns:adec="http://schemas.microsoft.com/office/drawing/2017/decorative" val="1"/>
+              </a:ext>
+            </a:extLst>
+          </p:cNvPr>
+          <p:cNvSpPr>
+            <a:spLocks noGrp="1" noRot="1" noChangeAspect="1" noMove="1" noResize="1" noEditPoints="1" noAdjustHandles="1" noChangeArrowheads="1" noChangeShapeType="1" noTextEdit="1"/>
+          </p:cNvSpPr>
+          <p:nvPr>
+            <p:extLst>
+              <p:ext uri="{386F3935-93C4-4BCD-93E2-E3B085C9AB24}">
+                <p16:designElem xmlns:p16="http://schemas.microsoft.com/office/powerpoint/2015/main" val="1"/>
+              </p:ext>
+            </p:extLst>
+          </p:nvPr>
+        </p:nvSpPr>
+        <p:spPr>
+          <a:xfrm>
+            <a:off x="838200" y="4736883"/>
+            <a:ext cx="4243589" cy="27432"/>
+          </a:xfrm>
+          <a:custGeom>
+            <a:avLst/>
+            <a:gdLst>
+              <a:gd name="connsiteX0" fmla="*/ 0 w 4243589"/>
+              <a:gd name="connsiteY0" fmla="*/ 0 h 27432"/>
+              <a:gd name="connsiteX1" fmla="*/ 563791 w 4243589"/>
+              <a:gd name="connsiteY1" fmla="*/ 0 h 27432"/>
+              <a:gd name="connsiteX2" fmla="*/ 1042710 w 4243589"/>
+              <a:gd name="connsiteY2" fmla="*/ 0 h 27432"/>
+              <a:gd name="connsiteX3" fmla="*/ 1564066 w 4243589"/>
+              <a:gd name="connsiteY3" fmla="*/ 0 h 27432"/>
+              <a:gd name="connsiteX4" fmla="*/ 2212729 w 4243589"/>
+              <a:gd name="connsiteY4" fmla="*/ 0 h 27432"/>
+              <a:gd name="connsiteX5" fmla="*/ 2776520 w 4243589"/>
+              <a:gd name="connsiteY5" fmla="*/ 0 h 27432"/>
+              <a:gd name="connsiteX6" fmla="*/ 3297875 w 4243589"/>
+              <a:gd name="connsiteY6" fmla="*/ 0 h 27432"/>
+              <a:gd name="connsiteX7" fmla="*/ 4243589 w 4243589"/>
+              <a:gd name="connsiteY7" fmla="*/ 0 h 27432"/>
+              <a:gd name="connsiteX8" fmla="*/ 4243589 w 4243589"/>
+              <a:gd name="connsiteY8" fmla="*/ 27432 h 27432"/>
+              <a:gd name="connsiteX9" fmla="*/ 3637362 w 4243589"/>
+              <a:gd name="connsiteY9" fmla="*/ 27432 h 27432"/>
+              <a:gd name="connsiteX10" fmla="*/ 3116007 w 4243589"/>
+              <a:gd name="connsiteY10" fmla="*/ 27432 h 27432"/>
+              <a:gd name="connsiteX11" fmla="*/ 2424908 w 4243589"/>
+              <a:gd name="connsiteY11" fmla="*/ 27432 h 27432"/>
+              <a:gd name="connsiteX12" fmla="*/ 1861117 w 4243589"/>
+              <a:gd name="connsiteY12" fmla="*/ 27432 h 27432"/>
+              <a:gd name="connsiteX13" fmla="*/ 1382198 w 4243589"/>
+              <a:gd name="connsiteY13" fmla="*/ 27432 h 27432"/>
+              <a:gd name="connsiteX14" fmla="*/ 733535 w 4243589"/>
+              <a:gd name="connsiteY14" fmla="*/ 27432 h 27432"/>
+              <a:gd name="connsiteX15" fmla="*/ 0 w 4243589"/>
+              <a:gd name="connsiteY15" fmla="*/ 27432 h 27432"/>
+              <a:gd name="connsiteX16" fmla="*/ 0 w 4243589"/>
+              <a:gd name="connsiteY16" fmla="*/ 0 h 27432"/>
+            </a:gdLst>
+            <a:ahLst/>
+            <a:cxnLst>
+              <a:cxn ang="0">
+                <a:pos x="connsiteX0" y="connsiteY0"/>
+              </a:cxn>
+              <a:cxn ang="0">
+                <a:pos x="connsiteX1" y="connsiteY1"/>
+              </a:cxn>
+              <a:cxn ang="0">
+                <a:pos x="connsiteX2" y="connsiteY2"/>
+              </a:cxn>
+              <a:cxn ang="0">
+                <a:pos x="connsiteX3" y="connsiteY3"/>
+              </a:cxn>
+              <a:cxn ang="0">
+                <a:pos x="connsiteX4" y="connsiteY4"/>
+              </a:cxn>
+              <a:cxn ang="0">
+                <a:pos x="connsiteX5" y="connsiteY5"/>
+              </a:cxn>
+              <a:cxn ang="0">
+                <a:pos x="connsiteX6" y="connsiteY6"/>
+              </a:cxn>
+              <a:cxn ang="0">
+                <a:pos x="connsiteX7" y="connsiteY7"/>
+              </a:cxn>
+              <a:cxn ang="0">
+                <a:pos x="connsiteX8" y="connsiteY8"/>
+              </a:cxn>
+              <a:cxn ang="0">
+                <a:pos x="connsiteX9" y="connsiteY9"/>
+              </a:cxn>
+              <a:cxn ang="0">
+                <a:pos x="connsiteX10" y="connsiteY10"/>
+              </a:cxn>
+              <a:cxn ang="0">
+                <a:pos x="connsiteX11" y="connsiteY11"/>
+              </a:cxn>
+              <a:cxn ang="0">
+                <a:pos x="connsiteX12" y="connsiteY12"/>
+              </a:cxn>
+              <a:cxn ang="0">
+                <a:pos x="connsiteX13" y="connsiteY13"/>
+              </a:cxn>
+              <a:cxn ang="0">
+                <a:pos x="connsiteX14" y="connsiteY14"/>
+              </a:cxn>
+              <a:cxn ang="0">
+                <a:pos x="connsiteX15" y="connsiteY15"/>
+              </a:cxn>
+              <a:cxn ang="0">
+                <a:pos x="connsiteX16" y="connsiteY16"/>
+              </a:cxn>
+            </a:cxnLst>
+            <a:rect l="l" t="t" r="r" b="b"/>
+            <a:pathLst>
+              <a:path w="4243589" h="27432" fill="none" extrusionOk="0">
+                <a:moveTo>
+                  <a:pt x="0" y="0"/>
+                </a:moveTo>
+                <a:cubicBezTo>
+                  <a:pt x="157351" y="-15653"/>
+                  <a:pt x="378877" y="-5828"/>
+                  <a:pt x="563791" y="0"/>
+                </a:cubicBezTo>
+                <a:cubicBezTo>
+                  <a:pt x="748705" y="5828"/>
+                  <a:pt x="905659" y="-5525"/>
+                  <a:pt x="1042710" y="0"/>
+                </a:cubicBezTo>
+                <a:cubicBezTo>
+                  <a:pt x="1179761" y="5525"/>
+                  <a:pt x="1356845" y="-21288"/>
+                  <a:pt x="1564066" y="0"/>
+                </a:cubicBezTo>
+                <a:cubicBezTo>
+                  <a:pt x="1771287" y="21288"/>
+                  <a:pt x="1912099" y="25135"/>
+                  <a:pt x="2212729" y="0"/>
+                </a:cubicBezTo>
+                <a:cubicBezTo>
+                  <a:pt x="2513359" y="-25135"/>
+                  <a:pt x="2514918" y="-27119"/>
+                  <a:pt x="2776520" y="0"/>
+                </a:cubicBezTo>
+                <a:cubicBezTo>
+                  <a:pt x="3038122" y="27119"/>
+                  <a:pt x="3178771" y="18116"/>
+                  <a:pt x="3297875" y="0"/>
+                </a:cubicBezTo>
+                <a:cubicBezTo>
+                  <a:pt x="3416980" y="-18116"/>
+                  <a:pt x="4012240" y="-40869"/>
+                  <a:pt x="4243589" y="0"/>
+                </a:cubicBezTo>
+                <a:cubicBezTo>
+                  <a:pt x="4242616" y="8304"/>
+                  <a:pt x="4243111" y="21512"/>
+                  <a:pt x="4243589" y="27432"/>
+                </a:cubicBezTo>
+                <a:cubicBezTo>
+                  <a:pt x="4112949" y="6289"/>
+                  <a:pt x="3928037" y="10975"/>
+                  <a:pt x="3637362" y="27432"/>
+                </a:cubicBezTo>
+                <a:cubicBezTo>
+                  <a:pt x="3346687" y="43889"/>
+                  <a:pt x="3254446" y="35813"/>
+                  <a:pt x="3116007" y="27432"/>
+                </a:cubicBezTo>
+                <a:cubicBezTo>
+                  <a:pt x="2977569" y="19051"/>
+                  <a:pt x="2620228" y="38017"/>
+                  <a:pt x="2424908" y="27432"/>
+                </a:cubicBezTo>
+                <a:cubicBezTo>
+                  <a:pt x="2229588" y="16847"/>
+                  <a:pt x="2088287" y="5290"/>
+                  <a:pt x="1861117" y="27432"/>
+                </a:cubicBezTo>
+                <a:cubicBezTo>
+                  <a:pt x="1633947" y="49574"/>
+                  <a:pt x="1502447" y="8273"/>
+                  <a:pt x="1382198" y="27432"/>
+                </a:cubicBezTo>
+                <a:cubicBezTo>
+                  <a:pt x="1261949" y="46591"/>
+                  <a:pt x="1045440" y="37497"/>
+                  <a:pt x="733535" y="27432"/>
+                </a:cubicBezTo>
+                <a:cubicBezTo>
+                  <a:pt x="421630" y="17367"/>
+                  <a:pt x="341257" y="-9215"/>
+                  <a:pt x="0" y="27432"/>
+                </a:cubicBezTo>
+                <a:cubicBezTo>
+                  <a:pt x="-1048" y="14992"/>
+                  <a:pt x="-1120" y="7447"/>
+                  <a:pt x="0" y="0"/>
+                </a:cubicBezTo>
+                <a:close/>
+              </a:path>
+              <a:path w="4243589" h="27432" stroke="0" extrusionOk="0">
+                <a:moveTo>
+                  <a:pt x="0" y="0"/>
+                </a:moveTo>
+                <a:cubicBezTo>
+                  <a:pt x="128164" y="17204"/>
+                  <a:pt x="312653" y="1129"/>
+                  <a:pt x="563791" y="0"/>
+                </a:cubicBezTo>
+                <a:cubicBezTo>
+                  <a:pt x="814929" y="-1129"/>
+                  <a:pt x="837271" y="8503"/>
+                  <a:pt x="1042710" y="0"/>
+                </a:cubicBezTo>
+                <a:cubicBezTo>
+                  <a:pt x="1248149" y="-8503"/>
+                  <a:pt x="1588432" y="-28862"/>
+                  <a:pt x="1733809" y="0"/>
+                </a:cubicBezTo>
+                <a:cubicBezTo>
+                  <a:pt x="1879186" y="28862"/>
+                  <a:pt x="2052815" y="5974"/>
+                  <a:pt x="2297600" y="0"/>
+                </a:cubicBezTo>
+                <a:cubicBezTo>
+                  <a:pt x="2542385" y="-5974"/>
+                  <a:pt x="2699960" y="-23550"/>
+                  <a:pt x="2861391" y="0"/>
+                </a:cubicBezTo>
+                <a:cubicBezTo>
+                  <a:pt x="3022822" y="23550"/>
+                  <a:pt x="3390411" y="25272"/>
+                  <a:pt x="3552490" y="0"/>
+                </a:cubicBezTo>
+                <a:cubicBezTo>
+                  <a:pt x="3714569" y="-25272"/>
+                  <a:pt x="3950585" y="-31327"/>
+                  <a:pt x="4243589" y="0"/>
+                </a:cubicBezTo>
+                <a:cubicBezTo>
+                  <a:pt x="4244074" y="9333"/>
+                  <a:pt x="4244867" y="19699"/>
+                  <a:pt x="4243589" y="27432"/>
+                </a:cubicBezTo>
+                <a:cubicBezTo>
+                  <a:pt x="4130424" y="7904"/>
+                  <a:pt x="3932803" y="51393"/>
+                  <a:pt x="3722234" y="27432"/>
+                </a:cubicBezTo>
+                <a:cubicBezTo>
+                  <a:pt x="3511665" y="3471"/>
+                  <a:pt x="3269903" y="55138"/>
+                  <a:pt x="3116007" y="27432"/>
+                </a:cubicBezTo>
+                <a:cubicBezTo>
+                  <a:pt x="2962111" y="-274"/>
+                  <a:pt x="2744280" y="32368"/>
+                  <a:pt x="2509780" y="27432"/>
+                </a:cubicBezTo>
+                <a:cubicBezTo>
+                  <a:pt x="2275280" y="22496"/>
+                  <a:pt x="2066059" y="52808"/>
+                  <a:pt x="1945989" y="27432"/>
+                </a:cubicBezTo>
+                <a:cubicBezTo>
+                  <a:pt x="1825919" y="2056"/>
+                  <a:pt x="1407329" y="21760"/>
+                  <a:pt x="1254890" y="27432"/>
+                </a:cubicBezTo>
+                <a:cubicBezTo>
+                  <a:pt x="1102451" y="33104"/>
+                  <a:pt x="837950" y="40817"/>
+                  <a:pt x="563791" y="27432"/>
+                </a:cubicBezTo>
+                <a:cubicBezTo>
+                  <a:pt x="289632" y="14047"/>
+                  <a:pt x="132768" y="16249"/>
+                  <a:pt x="0" y="27432"/>
+                </a:cubicBezTo>
+                <a:cubicBezTo>
+                  <a:pt x="211" y="18145"/>
+                  <a:pt x="120" y="6480"/>
+                  <a:pt x="0" y="0"/>
+                </a:cubicBezTo>
+                <a:close/>
+              </a:path>
+            </a:pathLst>
+          </a:custGeom>
+          <a:solidFill>
+            <a:schemeClr val="tx1"/>
+          </a:solidFill>
+          <a:ln w="38100" cap="rnd">
+            <a:solidFill>
+              <a:schemeClr val="tx1"/>
+            </a:solidFill>
+            <a:round/>
+            <a:extLst>
+              <a:ext uri="{C807C97D-BFC1-408E-A445-0C87EB9F89A2}">
+                <ask:lineSketchStyleProps xmlns:ask="http://schemas.microsoft.com/office/drawing/2018/sketchyshapes" sd="1219033472">
+                  <a:prstGeom prst="rect">
+                    <a:avLst/>
+                  </a:prstGeom>
+                  <ask:type>
+                    <ask:lineSketchFreehand/>
+                  </ask:type>
+                </ask:lineSketchStyleProps>
+              </a:ext>
+            </a:extLst>
+          </a:ln>
+        </p:spPr>
+        <p:style>
+          <a:lnRef idx="2">
+            <a:schemeClr val="accent1">
+              <a:shade val="50000"/>
+            </a:schemeClr>
+          </a:lnRef>
+          <a:fillRef idx="1">
+            <a:schemeClr val="accent1"/>
+          </a:fillRef>
+          <a:effectRef idx="0">
+            <a:schemeClr val="accent1"/>
+          </a:effectRef>
+          <a:fontRef idx="minor">
+            <a:schemeClr val="lt1"/>
+          </a:fontRef>
+        </p:style>
+        <p:txBody>
+          <a:bodyPr rtlCol="0" anchor="ctr"/>
+          <a:lstStyle/>
+          <a:p>
+            <a:pPr algn="ctr"/>
+            <a:endParaRPr lang="en-US">
+              <a:solidFill>
+                <a:schemeClr val="tx1"/>
+              </a:solidFill>
+            </a:endParaRPr>
+          </a:p>
+        </p:txBody>
+      </p:sp>
       <p:sp useBgFill="1">
         <p:nvSpPr>
-          <p:cNvPr id="8" name="Rectangle 7">
+          <p:cNvPr id="21" name="Rectangle 16">
             <a:extLst>
               <a:ext uri="{FF2B5EF4-FFF2-40B4-BE49-F238E27FC236}">
-                <a16:creationId xmlns:a16="http://schemas.microsoft.com/office/drawing/2014/main" id="{777A147A-9ED8-46B4-8660-1B3C2AA880B5}"/>
+                <a16:creationId xmlns:a16="http://schemas.microsoft.com/office/drawing/2014/main" id="{9B7AD9F6-8CE7-4299-8FC6-328F4DCD3FF9}"/>
               </a:ext>
               <a:ext uri="{C183D7F6-B498-43B3-948B-1728B52AA6E4}">
                 <adec:decorative xmlns:adec="http://schemas.microsoft.com/office/drawing/2017/decorative" val="1"/>
@@ -10392,29 +11385,325 @@
         </p:nvSpPr>
         <p:spPr>
           <a:xfrm>
-            <a:off x="841248" y="548640"/>
-            <a:ext cx="3419540" cy="5431536"/>
+            <a:off x="7085532" y="640080"/>
+            <a:ext cx="4196932" cy="3566160"/>
           </a:xfrm>
         </p:spPr>
         <p:txBody>
-          <a:bodyPr>
+          <a:bodyPr vert="horz" lIns="91440" tIns="45720" rIns="91440" bIns="45720" rtlCol="0" anchor="b">
             <a:normAutofit/>
           </a:bodyPr>
           <a:lstStyle/>
           <a:p>
             <a:r>
-              <a:rPr lang="de-DE" sz="6000"/>
+              <a:rPr lang="en-US" sz="8000"/>
               <a:t>Vielen Dank!</a:t>
             </a:r>
           </a:p>
         </p:txBody>
       </p:sp>
+      <p:pic>
+        <p:nvPicPr>
+          <p:cNvPr id="5" name="Inhaltsplatzhalter 4">
+            <a:extLst>
+              <a:ext uri="{FF2B5EF4-FFF2-40B4-BE49-F238E27FC236}">
+                <a16:creationId xmlns:a16="http://schemas.microsoft.com/office/drawing/2014/main" id="{C9BFD49A-29E3-4DE9-AA3B-B34858021AA4}"/>
+              </a:ext>
+            </a:extLst>
+          </p:cNvPr>
+          <p:cNvPicPr>
+            <a:picLocks noGrp="1" noChangeAspect="1"/>
+          </p:cNvPicPr>
+          <p:nvPr>
+            <p:ph idx="1"/>
+          </p:nvPr>
+        </p:nvPicPr>
+        <p:blipFill rotWithShape="1">
+          <a:blip r:embed="rId2">
+            <a:extLst>
+              <a:ext uri="{28A0092B-C50C-407E-A947-70E740481C1C}">
+                <a14:useLocalDpi xmlns:a14="http://schemas.microsoft.com/office/drawing/2010/main" val="0"/>
+              </a:ext>
+            </a:extLst>
+          </a:blip>
+          <a:srcRect l="13614" r="17522" b="2"/>
+          <a:stretch/>
+        </p:blipFill>
+        <p:spPr>
+          <a:xfrm>
+            <a:off x="866691" y="1216968"/>
+            <a:ext cx="5416261" cy="4424065"/>
+          </a:xfrm>
+          <a:custGeom>
+            <a:avLst/>
+            <a:gdLst/>
+            <a:ahLst/>
+            <a:cxnLst/>
+            <a:rect l="l" t="t" r="r" b="b"/>
+            <a:pathLst>
+              <a:path w="5531320" h="4424065">
+                <a:moveTo>
+                  <a:pt x="4292328" y="3931444"/>
+                </a:moveTo>
+                <a:cubicBezTo>
+                  <a:pt x="3830135" y="4131325"/>
+                  <a:pt x="3346708" y="4259111"/>
+                  <a:pt x="2855653" y="4364392"/>
+                </a:cubicBezTo>
+                <a:lnTo>
+                  <a:pt x="2855525" y="4364392"/>
+                </a:lnTo>
+                <a:cubicBezTo>
+                  <a:pt x="3386634" y="4394018"/>
+                  <a:pt x="3853531" y="4210158"/>
+                  <a:pt x="4292328" y="3931444"/>
+                </a:cubicBezTo>
+                <a:close/>
+                <a:moveTo>
+                  <a:pt x="4302118" y="3923561"/>
+                </a:moveTo>
+                <a:lnTo>
+                  <a:pt x="4301102" y="3924959"/>
+                </a:lnTo>
+                <a:lnTo>
+                  <a:pt x="4302881" y="3924959"/>
+                </a:lnTo>
+                <a:close/>
+                <a:moveTo>
+                  <a:pt x="3885572" y="334733"/>
+                </a:moveTo>
+                <a:cubicBezTo>
+                  <a:pt x="4046889" y="406840"/>
+                  <a:pt x="4203653" y="488713"/>
+                  <a:pt x="4355013" y="579880"/>
+                </a:cubicBezTo>
+                <a:cubicBezTo>
+                  <a:pt x="4662082" y="768063"/>
+                  <a:pt x="4933803" y="995790"/>
+                  <a:pt x="5144619" y="1290779"/>
+                </a:cubicBezTo>
+                <a:cubicBezTo>
+                  <a:pt x="5314365" y="1528042"/>
+                  <a:pt x="5426258" y="1789591"/>
+                  <a:pt x="5468598" y="2088522"/>
+                </a:cubicBezTo>
+                <a:cubicBezTo>
+                  <a:pt x="5479330" y="2001424"/>
+                  <a:pt x="5480182" y="1913385"/>
+                  <a:pt x="5471141" y="1826083"/>
+                </a:cubicBezTo>
+                <a:cubicBezTo>
+                  <a:pt x="5455337" y="1662962"/>
+                  <a:pt x="5406307" y="1504799"/>
+                  <a:pt x="5327080" y="1361348"/>
+                </a:cubicBezTo>
+                <a:cubicBezTo>
+                  <a:pt x="5206160" y="1140233"/>
+                  <a:pt x="5033362" y="965782"/>
+                  <a:pt x="4833354" y="816507"/>
+                </a:cubicBezTo>
+                <a:cubicBezTo>
+                  <a:pt x="4597235" y="640276"/>
+                  <a:pt x="4336322" y="509438"/>
+                  <a:pt x="4063457" y="400724"/>
+                </a:cubicBezTo>
+                <a:cubicBezTo>
+                  <a:pt x="4033360" y="388607"/>
+                  <a:pt x="4003060" y="376909"/>
+                  <a:pt x="3972544" y="365631"/>
+                </a:cubicBezTo>
+                <a:cubicBezTo>
+                  <a:pt x="3943680" y="354950"/>
+                  <a:pt x="3914563" y="345033"/>
+                  <a:pt x="3885572" y="334733"/>
+                </a:cubicBezTo>
+                <a:close/>
+                <a:moveTo>
+                  <a:pt x="3865737" y="329520"/>
+                </a:moveTo>
+                <a:cubicBezTo>
+                  <a:pt x="3865737" y="329520"/>
+                  <a:pt x="3865737" y="330410"/>
+                  <a:pt x="3866500" y="330537"/>
+                </a:cubicBezTo>
+                <a:lnTo>
+                  <a:pt x="3869806" y="330156"/>
+                </a:lnTo>
+                <a:close/>
+                <a:moveTo>
+                  <a:pt x="2219772" y="85645"/>
+                </a:moveTo>
+                <a:cubicBezTo>
+                  <a:pt x="2206943" y="84005"/>
+                  <a:pt x="2193910" y="85264"/>
+                  <a:pt x="2181627" y="89333"/>
+                </a:cubicBezTo>
+                <a:cubicBezTo>
+                  <a:pt x="1932920" y="125113"/>
+                  <a:pt x="1690800" y="197118"/>
+                  <a:pt x="1462972" y="303073"/>
+                </a:cubicBezTo>
+                <a:cubicBezTo>
+                  <a:pt x="971789" y="529528"/>
+                  <a:pt x="578130" y="865460"/>
+                  <a:pt x="308698" y="1338461"/>
+                </a:cubicBezTo>
+                <a:cubicBezTo>
+                  <a:pt x="180225" y="1561852"/>
+                  <a:pt x="97653" y="1808638"/>
+                  <a:pt x="65840" y="2064364"/>
+                </a:cubicBezTo>
+                <a:cubicBezTo>
+                  <a:pt x="71943" y="2050505"/>
+                  <a:pt x="77284" y="2036391"/>
+                  <a:pt x="82115" y="2022150"/>
+                </a:cubicBezTo>
+                <a:cubicBezTo>
+                  <a:pt x="170104" y="1763653"/>
+                  <a:pt x="279580" y="1515073"/>
+                  <a:pt x="423261" y="1282260"/>
+                </a:cubicBezTo>
+                <a:cubicBezTo>
+                  <a:pt x="630770" y="945565"/>
+                  <a:pt x="895371" y="664944"/>
+                  <a:pt x="1231812" y="454001"/>
+                </a:cubicBezTo>
+                <a:cubicBezTo>
+                  <a:pt x="1535193" y="263783"/>
+                  <a:pt x="1866802" y="149729"/>
+                  <a:pt x="2219772" y="85645"/>
+                </a:cubicBezTo>
+                <a:close/>
+                <a:moveTo>
+                  <a:pt x="2612541" y="836"/>
+                </a:moveTo>
+                <a:cubicBezTo>
+                  <a:pt x="2715914" y="-4250"/>
+                  <a:pt x="2831240" y="14695"/>
+                  <a:pt x="2946311" y="35548"/>
+                </a:cubicBezTo>
+                <a:cubicBezTo>
+                  <a:pt x="3291652" y="98106"/>
+                  <a:pt x="3631144" y="182915"/>
+                  <a:pt x="3961100" y="303581"/>
+                </a:cubicBezTo>
+                <a:cubicBezTo>
+                  <a:pt x="4278341" y="419543"/>
+                  <a:pt x="4581341" y="563350"/>
+                  <a:pt x="4854588" y="764502"/>
+                </a:cubicBezTo>
+                <a:cubicBezTo>
+                  <a:pt x="5067438" y="921152"/>
+                  <a:pt x="5250408" y="1105521"/>
+                  <a:pt x="5377813" y="1339732"/>
+                </a:cubicBezTo>
+                <a:cubicBezTo>
+                  <a:pt x="5459812" y="1489986"/>
+                  <a:pt x="5510304" y="1655396"/>
+                  <a:pt x="5526198" y="1825829"/>
+                </a:cubicBezTo>
+                <a:cubicBezTo>
+                  <a:pt x="5538277" y="1951327"/>
+                  <a:pt x="5527342" y="2074917"/>
+                  <a:pt x="5510558" y="2199398"/>
+                </a:cubicBezTo>
+                <a:cubicBezTo>
+                  <a:pt x="5502967" y="2266991"/>
+                  <a:pt x="5502713" y="2335195"/>
+                  <a:pt x="5509796" y="2402839"/>
+                </a:cubicBezTo>
+                <a:cubicBezTo>
+                  <a:pt x="5534208" y="2664197"/>
+                  <a:pt x="5468472" y="2926051"/>
+                  <a:pt x="5323520" y="3144890"/>
+                </a:cubicBezTo>
+                <a:cubicBezTo>
+                  <a:pt x="5201340" y="3332234"/>
+                  <a:pt x="5041042" y="3491719"/>
+                  <a:pt x="4853062" y="3612932"/>
+                </a:cubicBezTo>
+                <a:cubicBezTo>
+                  <a:pt x="4671110" y="3732072"/>
+                  <a:pt x="4498566" y="3864563"/>
+                  <a:pt x="4316359" y="3982940"/>
+                </a:cubicBezTo>
+                <a:cubicBezTo>
+                  <a:pt x="4019717" y="4175573"/>
+                  <a:pt x="3701077" y="4317347"/>
+                  <a:pt x="3352557" y="4386771"/>
+                </a:cubicBezTo>
+                <a:cubicBezTo>
+                  <a:pt x="3160954" y="4425590"/>
+                  <a:pt x="2964456" y="4434173"/>
+                  <a:pt x="2770207" y="4412201"/>
+                </a:cubicBezTo>
+                <a:cubicBezTo>
+                  <a:pt x="2685525" y="4402537"/>
+                  <a:pt x="2599953" y="4402410"/>
+                  <a:pt x="2514889" y="4393637"/>
+                </a:cubicBezTo>
+                <a:cubicBezTo>
+                  <a:pt x="2307137" y="4370851"/>
+                  <a:pt x="2102209" y="4327277"/>
+                  <a:pt x="1903167" y="4263562"/>
+                </a:cubicBezTo>
+                <a:cubicBezTo>
+                  <a:pt x="1560623" y="4156119"/>
+                  <a:pt x="1238932" y="4006972"/>
+                  <a:pt x="948393" y="3794249"/>
+                </a:cubicBezTo>
+                <a:cubicBezTo>
+                  <a:pt x="647554" y="3573897"/>
+                  <a:pt x="396813" y="3308660"/>
+                  <a:pt x="223634" y="2975526"/>
+                </a:cubicBezTo>
+                <a:cubicBezTo>
+                  <a:pt x="129454" y="2796370"/>
+                  <a:pt x="67150" y="2602198"/>
+                  <a:pt x="39520" y="2401695"/>
+                </a:cubicBezTo>
+                <a:cubicBezTo>
+                  <a:pt x="34510" y="2367555"/>
+                  <a:pt x="26729" y="2333872"/>
+                  <a:pt x="16252" y="2300991"/>
+                </a:cubicBezTo>
+                <a:cubicBezTo>
+                  <a:pt x="-9179" y="2218598"/>
+                  <a:pt x="-24" y="2135695"/>
+                  <a:pt x="11801" y="2053556"/>
+                </a:cubicBezTo>
+                <a:cubicBezTo>
+                  <a:pt x="93686" y="1480615"/>
+                  <a:pt x="377868" y="1021983"/>
+                  <a:pt x="812850" y="651084"/>
+                </a:cubicBezTo>
+                <a:cubicBezTo>
+                  <a:pt x="1176755" y="340201"/>
+                  <a:pt x="1598260" y="146042"/>
+                  <a:pt x="2066810" y="52586"/>
+                </a:cubicBezTo>
+                <a:cubicBezTo>
+                  <a:pt x="2154544" y="35039"/>
+                  <a:pt x="2243041" y="23087"/>
+                  <a:pt x="2332046" y="14441"/>
+                </a:cubicBezTo>
+                <a:cubicBezTo>
+                  <a:pt x="2421052" y="5794"/>
+                  <a:pt x="2508913" y="2107"/>
+                  <a:pt x="2612541" y="836"/>
+                </a:cubicBezTo>
+                <a:close/>
+              </a:path>
+            </a:pathLst>
+          </a:custGeom>
+        </p:spPr>
+      </p:pic>
       <p:sp>
         <p:nvSpPr>
-          <p:cNvPr id="10" name="Rectangle 6">
+          <p:cNvPr id="22" name="Rectangle 6">
             <a:extLst>
               <a:ext uri="{FF2B5EF4-FFF2-40B4-BE49-F238E27FC236}">
-                <a16:creationId xmlns:a16="http://schemas.microsoft.com/office/drawing/2014/main" id="{5D6C15A0-C087-4593-8414-2B4EC1CDC3DE}"/>
+                <a16:creationId xmlns:a16="http://schemas.microsoft.com/office/drawing/2014/main" id="{F49775AF-8896-43EE-92C6-83497D6DC56F}"/>
               </a:ext>
               <a:ext uri="{C183D7F6-B498-43B3-948B-1728B52AA6E4}">
                 <adec:decorative xmlns:adec="http://schemas.microsoft.com/office/drawing/2017/decorative" val="1"/>
@@ -10433,47 +11722,37 @@
           </p:nvPr>
         </p:nvSpPr>
         <p:spPr>
-          <a:xfrm rot="5400000">
-            <a:off x="2539411" y="3254143"/>
-            <a:ext cx="4480560" cy="27432"/>
+          <a:xfrm>
+            <a:off x="7183815" y="4326382"/>
+            <a:ext cx="3474720" cy="27432"/>
           </a:xfrm>
           <a:custGeom>
             <a:avLst/>
             <a:gdLst>
-              <a:gd name="connsiteX0" fmla="*/ 0 w 4480560"/>
+              <a:gd name="connsiteX0" fmla="*/ 0 w 3474720"/>
               <a:gd name="connsiteY0" fmla="*/ 0 h 27432"/>
-              <a:gd name="connsiteX1" fmla="*/ 595274 w 4480560"/>
+              <a:gd name="connsiteX1" fmla="*/ 660197 w 3474720"/>
               <a:gd name="connsiteY1" fmla="*/ 0 h 27432"/>
-              <a:gd name="connsiteX2" fmla="*/ 1100938 w 4480560"/>
+              <a:gd name="connsiteX2" fmla="*/ 1355141 w 3474720"/>
               <a:gd name="connsiteY2" fmla="*/ 0 h 27432"/>
-              <a:gd name="connsiteX3" fmla="*/ 1651406 w 4480560"/>
+              <a:gd name="connsiteX3" fmla="*/ 2084832 w 3474720"/>
               <a:gd name="connsiteY3" fmla="*/ 0 h 27432"/>
-              <a:gd name="connsiteX4" fmla="*/ 2336292 w 4480560"/>
+              <a:gd name="connsiteX4" fmla="*/ 2814523 w 3474720"/>
               <a:gd name="connsiteY4" fmla="*/ 0 h 27432"/>
-              <a:gd name="connsiteX5" fmla="*/ 2931566 w 4480560"/>
+              <a:gd name="connsiteX5" fmla="*/ 3474720 w 3474720"/>
               <a:gd name="connsiteY5" fmla="*/ 0 h 27432"/>
-              <a:gd name="connsiteX6" fmla="*/ 3482035 w 4480560"/>
-              <a:gd name="connsiteY6" fmla="*/ 0 h 27432"/>
-              <a:gd name="connsiteX7" fmla="*/ 4480560 w 4480560"/>
-              <a:gd name="connsiteY7" fmla="*/ 0 h 27432"/>
-              <a:gd name="connsiteX8" fmla="*/ 4480560 w 4480560"/>
+              <a:gd name="connsiteX6" fmla="*/ 3474720 w 3474720"/>
+              <a:gd name="connsiteY6" fmla="*/ 27432 h 27432"/>
+              <a:gd name="connsiteX7" fmla="*/ 2710282 w 3474720"/>
+              <a:gd name="connsiteY7" fmla="*/ 27432 h 27432"/>
+              <a:gd name="connsiteX8" fmla="*/ 1945843 w 3474720"/>
               <a:gd name="connsiteY8" fmla="*/ 27432 h 27432"/>
-              <a:gd name="connsiteX9" fmla="*/ 3840480 w 4480560"/>
+              <a:gd name="connsiteX9" fmla="*/ 1250899 w 3474720"/>
               <a:gd name="connsiteY9" fmla="*/ 27432 h 27432"/>
-              <a:gd name="connsiteX10" fmla="*/ 3290011 w 4480560"/>
+              <a:gd name="connsiteX10" fmla="*/ 0 w 3474720"/>
               <a:gd name="connsiteY10" fmla="*/ 27432 h 27432"/>
-              <a:gd name="connsiteX11" fmla="*/ 2560320 w 4480560"/>
-              <a:gd name="connsiteY11" fmla="*/ 27432 h 27432"/>
-              <a:gd name="connsiteX12" fmla="*/ 1965046 w 4480560"/>
-              <a:gd name="connsiteY12" fmla="*/ 27432 h 27432"/>
-              <a:gd name="connsiteX13" fmla="*/ 1459382 w 4480560"/>
-              <a:gd name="connsiteY13" fmla="*/ 27432 h 27432"/>
-              <a:gd name="connsiteX14" fmla="*/ 774497 w 4480560"/>
-              <a:gd name="connsiteY14" fmla="*/ 27432 h 27432"/>
-              <a:gd name="connsiteX15" fmla="*/ 0 w 4480560"/>
-              <a:gd name="connsiteY15" fmla="*/ 27432 h 27432"/>
-              <a:gd name="connsiteX16" fmla="*/ 0 w 4480560"/>
-              <a:gd name="connsiteY16" fmla="*/ 0 h 27432"/>
+              <a:gd name="connsiteX11" fmla="*/ 0 w 3474720"/>
+              <a:gd name="connsiteY11" fmla="*/ 0 h 27432"/>
             </a:gdLst>
             <a:ahLst/>
             <a:cxnLst>
@@ -10513,192 +11792,132 @@
               <a:cxn ang="0">
                 <a:pos x="connsiteX11" y="connsiteY11"/>
               </a:cxn>
-              <a:cxn ang="0">
-                <a:pos x="connsiteX12" y="connsiteY12"/>
-              </a:cxn>
-              <a:cxn ang="0">
-                <a:pos x="connsiteX13" y="connsiteY13"/>
-              </a:cxn>
-              <a:cxn ang="0">
-                <a:pos x="connsiteX14" y="connsiteY14"/>
-              </a:cxn>
-              <a:cxn ang="0">
-                <a:pos x="connsiteX15" y="connsiteY15"/>
-              </a:cxn>
-              <a:cxn ang="0">
-                <a:pos x="connsiteX16" y="connsiteY16"/>
-              </a:cxn>
             </a:cxnLst>
             <a:rect l="l" t="t" r="r" b="b"/>
             <a:pathLst>
-              <a:path w="4480560" h="27432" fill="none" extrusionOk="0">
+              <a:path w="3474720" h="27432" fill="none" extrusionOk="0">
                 <a:moveTo>
                   <a:pt x="0" y="0"/>
                 </a:moveTo>
                 <a:cubicBezTo>
-                  <a:pt x="267821" y="8731"/>
-                  <a:pt x="334105" y="2629"/>
-                  <a:pt x="595274" y="0"/>
-                </a:cubicBezTo>
-                <a:cubicBezTo>
-                  <a:pt x="856443" y="-2629"/>
-                  <a:pt x="863808" y="-13353"/>
-                  <a:pt x="1100938" y="0"/>
-                </a:cubicBezTo>
-                <a:cubicBezTo>
-                  <a:pt x="1338068" y="13353"/>
-                  <a:pt x="1431663" y="-25862"/>
-                  <a:pt x="1651406" y="0"/>
-                </a:cubicBezTo>
-                <a:cubicBezTo>
-                  <a:pt x="1871149" y="25862"/>
-                  <a:pt x="2173163" y="23827"/>
-                  <a:pt x="2336292" y="0"/>
-                </a:cubicBezTo>
-                <a:cubicBezTo>
-                  <a:pt x="2499421" y="-23827"/>
-                  <a:pt x="2720589" y="28148"/>
-                  <a:pt x="2931566" y="0"/>
-                </a:cubicBezTo>
-                <a:cubicBezTo>
-                  <a:pt x="3142543" y="-28148"/>
-                  <a:pt x="3323630" y="27022"/>
-                  <a:pt x="3482035" y="0"/>
-                </a:cubicBezTo>
-                <a:cubicBezTo>
-                  <a:pt x="3640440" y="-27022"/>
-                  <a:pt x="4012110" y="-20118"/>
-                  <a:pt x="4480560" y="0"/>
-                </a:cubicBezTo>
-                <a:cubicBezTo>
-                  <a:pt x="4479587" y="8304"/>
-                  <a:pt x="4480082" y="21512"/>
-                  <a:pt x="4480560" y="27432"/>
-                </a:cubicBezTo>
-                <a:cubicBezTo>
-                  <a:pt x="4314132" y="24068"/>
-                  <a:pt x="4028383" y="45776"/>
-                  <a:pt x="3840480" y="27432"/>
-                </a:cubicBezTo>
-                <a:cubicBezTo>
-                  <a:pt x="3652577" y="9088"/>
-                  <a:pt x="3547615" y="11992"/>
-                  <a:pt x="3290011" y="27432"/>
-                </a:cubicBezTo>
-                <a:cubicBezTo>
-                  <a:pt x="3032407" y="42872"/>
-                  <a:pt x="2830268" y="17863"/>
-                  <a:pt x="2560320" y="27432"/>
-                </a:cubicBezTo>
-                <a:cubicBezTo>
-                  <a:pt x="2290372" y="37001"/>
-                  <a:pt x="2147422" y="15872"/>
-                  <a:pt x="1965046" y="27432"/>
-                </a:cubicBezTo>
-                <a:cubicBezTo>
-                  <a:pt x="1782670" y="38992"/>
-                  <a:pt x="1689791" y="49824"/>
-                  <a:pt x="1459382" y="27432"/>
-                </a:cubicBezTo>
-                <a:cubicBezTo>
-                  <a:pt x="1228973" y="5040"/>
-                  <a:pt x="915486" y="45645"/>
-                  <a:pt x="774497" y="27432"/>
-                </a:cubicBezTo>
-                <a:cubicBezTo>
-                  <a:pt x="633508" y="9219"/>
-                  <a:pt x="361442" y="-1963"/>
+                  <a:pt x="307185" y="-8713"/>
+                  <a:pt x="392307" y="-13121"/>
+                  <a:pt x="660197" y="0"/>
+                </a:cubicBezTo>
+                <a:cubicBezTo>
+                  <a:pt x="928087" y="13121"/>
+                  <a:pt x="1167029" y="-2668"/>
+                  <a:pt x="1355141" y="0"/>
+                </a:cubicBezTo>
+                <a:cubicBezTo>
+                  <a:pt x="1543253" y="2668"/>
+                  <a:pt x="1739408" y="-6709"/>
+                  <a:pt x="2084832" y="0"/>
+                </a:cubicBezTo>
+                <a:cubicBezTo>
+                  <a:pt x="2430256" y="6709"/>
+                  <a:pt x="2538889" y="29706"/>
+                  <a:pt x="2814523" y="0"/>
+                </a:cubicBezTo>
+                <a:cubicBezTo>
+                  <a:pt x="3090157" y="-29706"/>
+                  <a:pt x="3152920" y="-15446"/>
+                  <a:pt x="3474720" y="0"/>
+                </a:cubicBezTo>
+                <a:cubicBezTo>
+                  <a:pt x="3473554" y="7395"/>
+                  <a:pt x="3474765" y="21864"/>
+                  <a:pt x="3474720" y="27432"/>
+                </a:cubicBezTo>
+                <a:cubicBezTo>
+                  <a:pt x="3275380" y="12730"/>
+                  <a:pt x="2958934" y="10130"/>
+                  <a:pt x="2710282" y="27432"/>
+                </a:cubicBezTo>
+                <a:cubicBezTo>
+                  <a:pt x="2461630" y="44734"/>
+                  <a:pt x="2131168" y="43757"/>
+                  <a:pt x="1945843" y="27432"/>
+                </a:cubicBezTo>
+                <a:cubicBezTo>
+                  <a:pt x="1760518" y="11107"/>
+                  <a:pt x="1444829" y="-3738"/>
+                  <a:pt x="1250899" y="27432"/>
+                </a:cubicBezTo>
+                <a:cubicBezTo>
+                  <a:pt x="1056969" y="58602"/>
+                  <a:pt x="444992" y="52761"/>
                   <a:pt x="0" y="27432"/>
                 </a:cubicBezTo>
                 <a:cubicBezTo>
-                  <a:pt x="-1048" y="14992"/>
-                  <a:pt x="-1120" y="7447"/>
+                  <a:pt x="-503" y="20663"/>
+                  <a:pt x="1168" y="5855"/>
                   <a:pt x="0" y="0"/>
                 </a:cubicBezTo>
                 <a:close/>
               </a:path>
-              <a:path w="4480560" h="27432" stroke="0" extrusionOk="0">
+              <a:path w="3474720" h="27432" stroke="0" extrusionOk="0">
                 <a:moveTo>
                   <a:pt x="0" y="0"/>
                 </a:moveTo>
                 <a:cubicBezTo>
-                  <a:pt x="285465" y="225"/>
-                  <a:pt x="322691" y="16223"/>
-                  <a:pt x="595274" y="0"/>
-                </a:cubicBezTo>
-                <a:cubicBezTo>
-                  <a:pt x="867857" y="-16223"/>
-                  <a:pt x="989129" y="-11242"/>
-                  <a:pt x="1100938" y="0"/>
-                </a:cubicBezTo>
-                <a:cubicBezTo>
-                  <a:pt x="1212747" y="11242"/>
-                  <a:pt x="1574350" y="-36410"/>
-                  <a:pt x="1830629" y="0"/>
-                </a:cubicBezTo>
-                <a:cubicBezTo>
-                  <a:pt x="2086908" y="36410"/>
-                  <a:pt x="2180922" y="4645"/>
-                  <a:pt x="2425903" y="0"/>
-                </a:cubicBezTo>
-                <a:cubicBezTo>
-                  <a:pt x="2670884" y="-4645"/>
-                  <a:pt x="2782024" y="22929"/>
-                  <a:pt x="3021178" y="0"/>
-                </a:cubicBezTo>
-                <a:cubicBezTo>
-                  <a:pt x="3260332" y="-22929"/>
-                  <a:pt x="3456982" y="-1586"/>
-                  <a:pt x="3750869" y="0"/>
-                </a:cubicBezTo>
-                <a:cubicBezTo>
-                  <a:pt x="4044756" y="1586"/>
-                  <a:pt x="4302726" y="17043"/>
-                  <a:pt x="4480560" y="0"/>
-                </a:cubicBezTo>
-                <a:cubicBezTo>
-                  <a:pt x="4481045" y="9333"/>
-                  <a:pt x="4481838" y="19699"/>
-                  <a:pt x="4480560" y="27432"/>
-                </a:cubicBezTo>
-                <a:cubicBezTo>
-                  <a:pt x="4279652" y="2294"/>
-                  <a:pt x="4200762" y="50710"/>
-                  <a:pt x="3930091" y="27432"/>
-                </a:cubicBezTo>
-                <a:cubicBezTo>
-                  <a:pt x="3659420" y="4154"/>
-                  <a:pt x="3456052" y="31438"/>
-                  <a:pt x="3290011" y="27432"/>
-                </a:cubicBezTo>
-                <a:cubicBezTo>
-                  <a:pt x="3123970" y="23426"/>
-                  <a:pt x="2882392" y="41962"/>
-                  <a:pt x="2649931" y="27432"/>
-                </a:cubicBezTo>
-                <a:cubicBezTo>
-                  <a:pt x="2417470" y="12902"/>
-                  <a:pt x="2238426" y="16481"/>
-                  <a:pt x="2054657" y="27432"/>
-                </a:cubicBezTo>
-                <a:cubicBezTo>
-                  <a:pt x="1870888" y="38383"/>
-                  <a:pt x="1566368" y="54184"/>
-                  <a:pt x="1324966" y="27432"/>
-                </a:cubicBezTo>
-                <a:cubicBezTo>
-                  <a:pt x="1083564" y="680"/>
-                  <a:pt x="787410" y="20090"/>
-                  <a:pt x="595274" y="27432"/>
-                </a:cubicBezTo>
-                <a:cubicBezTo>
-                  <a:pt x="403138" y="34774"/>
-                  <a:pt x="169622" y="19643"/>
+                  <a:pt x="300114" y="-5103"/>
+                  <a:pt x="525093" y="-25284"/>
+                  <a:pt x="660197" y="0"/>
+                </a:cubicBezTo>
+                <a:cubicBezTo>
+                  <a:pt x="795301" y="25284"/>
+                  <a:pt x="1023172" y="17955"/>
+                  <a:pt x="1250899" y="0"/>
+                </a:cubicBezTo>
+                <a:cubicBezTo>
+                  <a:pt x="1478626" y="-17955"/>
+                  <a:pt x="1782079" y="-27844"/>
+                  <a:pt x="2015338" y="0"/>
+                </a:cubicBezTo>
+                <a:cubicBezTo>
+                  <a:pt x="2248597" y="27844"/>
+                  <a:pt x="2491007" y="27648"/>
+                  <a:pt x="2675534" y="0"/>
+                </a:cubicBezTo>
+                <a:cubicBezTo>
+                  <a:pt x="2860061" y="-27648"/>
+                  <a:pt x="3088679" y="-3661"/>
+                  <a:pt x="3474720" y="0"/>
+                </a:cubicBezTo>
+                <a:cubicBezTo>
+                  <a:pt x="3474913" y="12649"/>
+                  <a:pt x="3473732" y="17989"/>
+                  <a:pt x="3474720" y="27432"/>
+                </a:cubicBezTo>
+                <a:cubicBezTo>
+                  <a:pt x="3317198" y="15714"/>
+                  <a:pt x="2959205" y="52182"/>
+                  <a:pt x="2779776" y="27432"/>
+                </a:cubicBezTo>
+                <a:cubicBezTo>
+                  <a:pt x="2600347" y="2682"/>
+                  <a:pt x="2382660" y="-684"/>
+                  <a:pt x="2015338" y="27432"/>
+                </a:cubicBezTo>
+                <a:cubicBezTo>
+                  <a:pt x="1648016" y="55548"/>
+                  <a:pt x="1641073" y="39646"/>
+                  <a:pt x="1424635" y="27432"/>
+                </a:cubicBezTo>
+                <a:cubicBezTo>
+                  <a:pt x="1208197" y="15218"/>
+                  <a:pt x="1021559" y="15893"/>
+                  <a:pt x="729691" y="27432"/>
+                </a:cubicBezTo>
+                <a:cubicBezTo>
+                  <a:pt x="437823" y="38971"/>
+                  <a:pt x="153856" y="-2647"/>
                   <a:pt x="0" y="27432"/>
                 </a:cubicBezTo>
                 <a:cubicBezTo>
-                  <a:pt x="211" y="18145"/>
-                  <a:pt x="120" y="6480"/>
+                  <a:pt x="1300" y="19678"/>
+                  <a:pt x="-86" y="12044"/>
                   <a:pt x="0" y="0"/>
                 </a:cubicBezTo>
                 <a:close/>
@@ -10706,11 +11925,11 @@
             </a:pathLst>
           </a:custGeom>
           <a:solidFill>
-            <a:schemeClr val="accent1"/>
+            <a:srgbClr val="72AB2C"/>
           </a:solidFill>
-          <a:ln w="41275" cap="rnd">
+          <a:ln w="38100" cap="rnd">
             <a:solidFill>
-              <a:schemeClr val="accent1"/>
+              <a:srgbClr val="72AB2C"/>
             </a:solidFill>
             <a:round/>
             <a:extLst>
@@ -10749,38 +11968,6 @@
           <a:p>
             <a:pPr algn="ctr"/>
             <a:endParaRPr lang="en-US"/>
-          </a:p>
-        </p:txBody>
-      </p:sp>
-      <p:sp>
-        <p:nvSpPr>
-          <p:cNvPr id="3" name="Inhaltsplatzhalter 2">
-            <a:extLst>
-              <a:ext uri="{FF2B5EF4-FFF2-40B4-BE49-F238E27FC236}">
-                <a16:creationId xmlns:a16="http://schemas.microsoft.com/office/drawing/2014/main" id="{6F37A672-D7AC-4220-B0A5-97B19808AEA0}"/>
-              </a:ext>
-            </a:extLst>
-          </p:cNvPr>
-          <p:cNvSpPr>
-            <a:spLocks noGrp="1"/>
-          </p:cNvSpPr>
-          <p:nvPr>
-            <p:ph idx="1"/>
-          </p:nvPr>
-        </p:nvSpPr>
-        <p:spPr>
-          <a:xfrm>
-            <a:off x="5298595" y="552091"/>
-            <a:ext cx="6052158" cy="5431536"/>
-          </a:xfrm>
-        </p:spPr>
-        <p:txBody>
-          <a:bodyPr anchor="ctr">
-            <a:normAutofit/>
-          </a:bodyPr>
-          <a:lstStyle/>
-          <a:p>
-            <a:endParaRPr lang="de-DE"/>
           </a:p>
         </p:txBody>
       </p:sp>

--- a/Zwischenpräsentation.pptx
+++ b/Zwischenpräsentation.pptx
@@ -8734,7 +8734,7 @@
           <a:lstStyle/>
           <a:p>
             <a:r>
-              <a:rPr lang="de-DE" sz="6000"/>
+              <a:rPr lang="de-DE" sz="6000" dirty="0"/>
               <a:t>Was wollen wir noch erreichen</a:t>
             </a:r>
           </a:p>
@@ -9136,98 +9136,6 @@
   <p:clrMapOvr>
     <a:masterClrMapping/>
   </p:clrMapOvr>
-  <p:timing>
-    <p:tnLst>
-      <p:par>
-        <p:cTn id="1" dur="indefinite" restart="never" nodeType="tmRoot">
-          <p:childTnLst>
-            <p:seq concurrent="1" nextAc="seek">
-              <p:cTn id="2" dur="indefinite" nodeType="mainSeq">
-                <p:childTnLst>
-                  <p:par>
-                    <p:cTn id="3" fill="hold">
-                      <p:stCondLst>
-                        <p:cond delay="indefinite"/>
-                        <p:cond evt="onBegin" delay="0">
-                          <p:tn val="2"/>
-                        </p:cond>
-                      </p:stCondLst>
-                      <p:childTnLst>
-                        <p:par>
-                          <p:cTn id="4" fill="hold">
-                            <p:stCondLst>
-                              <p:cond delay="0"/>
-                            </p:stCondLst>
-                            <p:childTnLst>
-                              <p:par>
-                                <p:cTn id="5" presetID="10" presetClass="entr" presetSubtype="0" fill="hold" grpId="0" nodeType="withEffect">
-                                  <p:stCondLst>
-                                    <p:cond delay="500"/>
-                                  </p:stCondLst>
-                                  <p:iterate type="wd">
-                                    <p:tmPct val="15000"/>
-                                  </p:iterate>
-                                  <p:childTnLst>
-                                    <p:set>
-                                      <p:cBhvr>
-                                        <p:cTn id="6" dur="1" fill="hold">
-                                          <p:stCondLst>
-                                            <p:cond delay="0"/>
-                                          </p:stCondLst>
-                                        </p:cTn>
-                                        <p:tgtEl>
-                                          <p:spTgt spid="2"/>
-                                        </p:tgtEl>
-                                        <p:attrNameLst>
-                                          <p:attrName>style.visibility</p:attrName>
-                                        </p:attrNameLst>
-                                      </p:cBhvr>
-                                      <p:to>
-                                        <p:strVal val="visible"/>
-                                      </p:to>
-                                    </p:set>
-                                    <p:animEffect transition="in" filter="fade">
-                                      <p:cBhvr>
-                                        <p:cTn id="7" dur="1000"/>
-                                        <p:tgtEl>
-                                          <p:spTgt spid="2"/>
-                                        </p:tgtEl>
-                                      </p:cBhvr>
-                                    </p:animEffect>
-                                  </p:childTnLst>
-                                </p:cTn>
-                              </p:par>
-                            </p:childTnLst>
-                          </p:cTn>
-                        </p:par>
-                      </p:childTnLst>
-                    </p:cTn>
-                  </p:par>
-                </p:childTnLst>
-              </p:cTn>
-              <p:prevCondLst>
-                <p:cond evt="onPrev" delay="0">
-                  <p:tgtEl>
-                    <p:sldTgt/>
-                  </p:tgtEl>
-                </p:cond>
-              </p:prevCondLst>
-              <p:nextCondLst>
-                <p:cond evt="onNext" delay="0">
-                  <p:tgtEl>
-                    <p:sldTgt/>
-                  </p:tgtEl>
-                </p:cond>
-              </p:nextCondLst>
-            </p:seq>
-          </p:childTnLst>
-        </p:cTn>
-      </p:par>
-    </p:tnLst>
-    <p:bldLst>
-      <p:bldP spid="2" grpId="0"/>
-    </p:bldLst>
-  </p:timing>
 </p:sld>
 </file>
 
@@ -9345,8 +9253,24 @@
           <a:lstStyle/>
           <a:p>
             <a:r>
-              <a:rPr lang="de-DE" sz="6000"/>
-              <a:t>Nice-to-have Features</a:t>
+              <a:rPr lang="de-DE" sz="6000" dirty="0"/>
+              <a:t>Nice-</a:t>
+            </a:r>
+            <a:r>
+              <a:rPr lang="de-DE" sz="6000" dirty="0" err="1"/>
+              <a:t>to</a:t>
+            </a:r>
+            <a:r>
+              <a:rPr lang="de-DE" sz="6000" dirty="0"/>
+              <a:t>-</a:t>
+            </a:r>
+            <a:r>
+              <a:rPr lang="de-DE" sz="6000" dirty="0" err="1"/>
+              <a:t>have</a:t>
+            </a:r>
+            <a:r>
+              <a:rPr lang="de-DE" sz="6000" dirty="0"/>
+              <a:t> Features</a:t>
             </a:r>
           </a:p>
         </p:txBody>
@@ -10301,98 +10225,6 @@
   <p:clrMapOvr>
     <a:masterClrMapping/>
   </p:clrMapOvr>
-  <p:timing>
-    <p:tnLst>
-      <p:par>
-        <p:cTn id="1" dur="indefinite" restart="never" nodeType="tmRoot">
-          <p:childTnLst>
-            <p:seq concurrent="1" nextAc="seek">
-              <p:cTn id="2" dur="indefinite" nodeType="mainSeq">
-                <p:childTnLst>
-                  <p:par>
-                    <p:cTn id="3" fill="hold">
-                      <p:stCondLst>
-                        <p:cond delay="indefinite"/>
-                        <p:cond evt="onBegin" delay="0">
-                          <p:tn val="2"/>
-                        </p:cond>
-                      </p:stCondLst>
-                      <p:childTnLst>
-                        <p:par>
-                          <p:cTn id="4" fill="hold">
-                            <p:stCondLst>
-                              <p:cond delay="0"/>
-                            </p:stCondLst>
-                            <p:childTnLst>
-                              <p:par>
-                                <p:cTn id="5" presetID="10" presetClass="entr" presetSubtype="0" fill="hold" grpId="0" nodeType="withEffect">
-                                  <p:stCondLst>
-                                    <p:cond delay="500"/>
-                                  </p:stCondLst>
-                                  <p:iterate type="lt">
-                                    <p:tmPct val="10000"/>
-                                  </p:iterate>
-                                  <p:childTnLst>
-                                    <p:set>
-                                      <p:cBhvr>
-                                        <p:cTn id="6" dur="1" fill="hold">
-                                          <p:stCondLst>
-                                            <p:cond delay="0"/>
-                                          </p:stCondLst>
-                                        </p:cTn>
-                                        <p:tgtEl>
-                                          <p:spTgt spid="2"/>
-                                        </p:tgtEl>
-                                        <p:attrNameLst>
-                                          <p:attrName>style.visibility</p:attrName>
-                                        </p:attrNameLst>
-                                      </p:cBhvr>
-                                      <p:to>
-                                        <p:strVal val="visible"/>
-                                      </p:to>
-                                    </p:set>
-                                    <p:animEffect transition="in" filter="fade">
-                                      <p:cBhvr>
-                                        <p:cTn id="7" dur="400"/>
-                                        <p:tgtEl>
-                                          <p:spTgt spid="2"/>
-                                        </p:tgtEl>
-                                      </p:cBhvr>
-                                    </p:animEffect>
-                                  </p:childTnLst>
-                                </p:cTn>
-                              </p:par>
-                            </p:childTnLst>
-                          </p:cTn>
-                        </p:par>
-                      </p:childTnLst>
-                    </p:cTn>
-                  </p:par>
-                </p:childTnLst>
-              </p:cTn>
-              <p:prevCondLst>
-                <p:cond evt="onPrev" delay="0">
-                  <p:tgtEl>
-                    <p:sldTgt/>
-                  </p:tgtEl>
-                </p:cond>
-              </p:prevCondLst>
-              <p:nextCondLst>
-                <p:cond evt="onNext" delay="0">
-                  <p:tgtEl>
-                    <p:sldTgt/>
-                  </p:tgtEl>
-                </p:cond>
-              </p:nextCondLst>
-            </p:seq>
-          </p:childTnLst>
-        </p:cTn>
-      </p:par>
-    </p:tnLst>
-    <p:bldLst>
-      <p:bldP spid="2" grpId="0"/>
-    </p:bldLst>
-  </p:timing>
 </p:sld>
 </file>
 
@@ -10510,7 +10342,7 @@
           <a:lstStyle/>
           <a:p>
             <a:r>
-              <a:rPr lang="de-DE" sz="5600"/>
+              <a:rPr lang="de-DE" sz="5600" dirty="0"/>
               <a:t>Schwierigkeiten bei der Entwicklung</a:t>
             </a:r>
           </a:p>
